--- a/Doc/症状_科室映射图.pptx
+++ b/Doc/症状_科室映射图.pptx
@@ -11,6 +11,12 @@
     <p:sldId id="259" r:id="rId5"/>
     <p:sldId id="260" r:id="rId6"/>
     <p:sldId id="261" r:id="rId7"/>
+    <p:sldId id="262" r:id="rId8"/>
+    <p:sldId id="264" r:id="rId9"/>
+    <p:sldId id="263" r:id="rId10"/>
+    <p:sldId id="265" r:id="rId11"/>
+    <p:sldId id="266" r:id="rId12"/>
+    <p:sldId id="267" r:id="rId13"/>
   </p:sldIdLst>
   <p:sldSz cx="12192000" cy="6858000"/>
   <p:notesSz cx="6858000" cy="9144000"/>
@@ -109,7 +115,1254 @@
       </a:defRPr>
     </a:lvl9pPr>
   </p:defaultTextStyle>
+  <p:extLst>
+    <p:ext uri="{EFAFB233-063F-42B5-8137-9DF3F51BA10A}">
+      <p15:sldGuideLst xmlns:p15="http://schemas.microsoft.com/office/powerpoint/2012/main"/>
+    </p:ext>
+  </p:extLst>
 </p:presentation>
+</file>
+
+<file path=ppt/charts/chart1.xml><?xml version="1.0" encoding="utf-8"?>
+<c:chartSpace xmlns:c="http://schemas.openxmlformats.org/drawingml/2006/chart" xmlns:a="http://schemas.openxmlformats.org/drawingml/2006/main" xmlns:r="http://schemas.openxmlformats.org/officeDocument/2006/relationships" xmlns:c16r2="http://schemas.microsoft.com/office/drawing/2015/06/chart">
+  <c:date1904 val="0"/>
+  <c:lang val="zh-CN"/>
+  <c:roundedCorners val="0"/>
+  <mc:AlternateContent xmlns:mc="http://schemas.openxmlformats.org/markup-compatibility/2006">
+    <mc:Choice xmlns:c14="http://schemas.microsoft.com/office/drawing/2007/8/2/chart" Requires="c14">
+      <c14:style val="102"/>
+    </mc:Choice>
+    <mc:Fallback>
+      <c:style val="2"/>
+    </mc:Fallback>
+  </mc:AlternateContent>
+  <c:chart>
+    <c:autoTitleDeleted val="1"/>
+    <c:view3D>
+      <c:rotX val="30"/>
+      <c:rotY val="0"/>
+      <c:depthPercent val="100"/>
+      <c:rAngAx val="0"/>
+    </c:view3D>
+    <c:floor>
+      <c:thickness val="0"/>
+      <c:spPr>
+        <a:noFill/>
+        <a:ln>
+          <a:noFill/>
+        </a:ln>
+        <a:effectLst/>
+        <a:sp3d/>
+      </c:spPr>
+    </c:floor>
+    <c:sideWall>
+      <c:thickness val="0"/>
+      <c:spPr>
+        <a:noFill/>
+        <a:ln>
+          <a:noFill/>
+        </a:ln>
+        <a:effectLst/>
+        <a:sp3d/>
+      </c:spPr>
+    </c:sideWall>
+    <c:backWall>
+      <c:thickness val="0"/>
+      <c:spPr>
+        <a:noFill/>
+        <a:ln>
+          <a:noFill/>
+        </a:ln>
+        <a:effectLst/>
+        <a:sp3d/>
+      </c:spPr>
+    </c:backWall>
+    <c:plotArea>
+      <c:layout/>
+      <c:pie3DChart>
+        <c:varyColors val="1"/>
+        <c:ser>
+          <c:idx val="0"/>
+          <c:order val="0"/>
+          <c:tx>
+            <c:strRef>
+              <c:f>Sheet1!$B$1</c:f>
+              <c:strCache>
+                <c:ptCount val="1"/>
+                <c:pt idx="0">
+                  <c:v>流行程度</c:v>
+                </c:pt>
+              </c:strCache>
+            </c:strRef>
+          </c:tx>
+          <c:dPt>
+            <c:idx val="0"/>
+            <c:bubble3D val="0"/>
+            <c:spPr>
+              <a:solidFill>
+                <a:schemeClr val="accent1"/>
+              </a:solidFill>
+              <a:ln w="25400">
+                <a:solidFill>
+                  <a:schemeClr val="lt1"/>
+                </a:solidFill>
+              </a:ln>
+              <a:effectLst/>
+              <a:sp3d contourW="25400">
+                <a:contourClr>
+                  <a:schemeClr val="lt1"/>
+                </a:contourClr>
+              </a:sp3d>
+            </c:spPr>
+            <c:extLst>
+              <c:ext xmlns:c16="http://schemas.microsoft.com/office/drawing/2014/chart" uri="{C3380CC4-5D6E-409C-BE32-E72D297353CC}">
+                <c16:uniqueId val="{00000005-13BA-4AB3-B9BA-C66B8C66CA18}"/>
+              </c:ext>
+            </c:extLst>
+          </c:dPt>
+          <c:dPt>
+            <c:idx val="1"/>
+            <c:bubble3D val="0"/>
+            <c:spPr>
+              <a:solidFill>
+                <a:schemeClr val="accent2"/>
+              </a:solidFill>
+              <a:ln w="25400">
+                <a:solidFill>
+                  <a:schemeClr val="lt1"/>
+                </a:solidFill>
+              </a:ln>
+              <a:effectLst/>
+              <a:sp3d contourW="25400">
+                <a:contourClr>
+                  <a:schemeClr val="lt1"/>
+                </a:contourClr>
+              </a:sp3d>
+            </c:spPr>
+            <c:extLst>
+              <c:ext xmlns:c16="http://schemas.microsoft.com/office/drawing/2014/chart" uri="{C3380CC4-5D6E-409C-BE32-E72D297353CC}">
+                <c16:uniqueId val="{00000004-13BA-4AB3-B9BA-C66B8C66CA18}"/>
+              </c:ext>
+            </c:extLst>
+          </c:dPt>
+          <c:dPt>
+            <c:idx val="2"/>
+            <c:bubble3D val="0"/>
+            <c:spPr>
+              <a:solidFill>
+                <a:schemeClr val="accent3"/>
+              </a:solidFill>
+              <a:ln w="25400">
+                <a:solidFill>
+                  <a:schemeClr val="lt1"/>
+                </a:solidFill>
+              </a:ln>
+              <a:effectLst/>
+              <a:sp3d contourW="25400">
+                <a:contourClr>
+                  <a:schemeClr val="lt1"/>
+                </a:contourClr>
+              </a:sp3d>
+            </c:spPr>
+            <c:extLst>
+              <c:ext xmlns:c16="http://schemas.microsoft.com/office/drawing/2014/chart" uri="{C3380CC4-5D6E-409C-BE32-E72D297353CC}">
+                <c16:uniqueId val="{00000003-13BA-4AB3-B9BA-C66B8C66CA18}"/>
+              </c:ext>
+            </c:extLst>
+          </c:dPt>
+          <c:dPt>
+            <c:idx val="3"/>
+            <c:bubble3D val="0"/>
+            <c:spPr>
+              <a:solidFill>
+                <a:schemeClr val="accent4"/>
+              </a:solidFill>
+              <a:ln w="25400">
+                <a:solidFill>
+                  <a:schemeClr val="lt1"/>
+                </a:solidFill>
+              </a:ln>
+              <a:effectLst/>
+              <a:sp3d contourW="25400">
+                <a:contourClr>
+                  <a:schemeClr val="lt1"/>
+                </a:contourClr>
+              </a:sp3d>
+            </c:spPr>
+            <c:extLst>
+              <c:ext xmlns:c16="http://schemas.microsoft.com/office/drawing/2014/chart" uri="{C3380CC4-5D6E-409C-BE32-E72D297353CC}">
+                <c16:uniqueId val="{00000002-13BA-4AB3-B9BA-C66B8C66CA18}"/>
+              </c:ext>
+            </c:extLst>
+          </c:dPt>
+          <c:dPt>
+            <c:idx val="4"/>
+            <c:bubble3D val="0"/>
+            <c:spPr>
+              <a:solidFill>
+                <a:schemeClr val="accent5"/>
+              </a:solidFill>
+              <a:ln w="25400">
+                <a:solidFill>
+                  <a:schemeClr val="lt1"/>
+                </a:solidFill>
+              </a:ln>
+              <a:effectLst/>
+              <a:sp3d contourW="25400">
+                <a:contourClr>
+                  <a:schemeClr val="lt1"/>
+                </a:contourClr>
+              </a:sp3d>
+            </c:spPr>
+            <c:extLst>
+              <c:ext xmlns:c16="http://schemas.microsoft.com/office/drawing/2014/chart" uri="{C3380CC4-5D6E-409C-BE32-E72D297353CC}">
+                <c16:uniqueId val="{00000001-13BA-4AB3-B9BA-C66B8C66CA18}"/>
+              </c:ext>
+            </c:extLst>
+          </c:dPt>
+          <c:dLbls>
+            <c:dLbl>
+              <c:idx val="0"/>
+              <c:spPr>
+                <a:solidFill>
+                  <a:prstClr val="white"/>
+                </a:solidFill>
+                <a:ln>
+                  <a:solidFill>
+                    <a:prstClr val="black">
+                      <a:lumMod val="25000"/>
+                      <a:lumOff val="75000"/>
+                    </a:prstClr>
+                  </a:solidFill>
+                </a:ln>
+                <a:effectLst/>
+              </c:spPr>
+              <c:txPr>
+                <a:bodyPr rot="0" spcFirstLastPara="1" vertOverflow="clip" horzOverflow="clip" vert="horz" wrap="square" lIns="38100" tIns="19050" rIns="38100" bIns="19050" anchor="ctr" anchorCtr="1">
+                  <a:noAutofit/>
+                </a:bodyPr>
+                <a:lstStyle/>
+                <a:p>
+                  <a:pPr>
+                    <a:defRPr sz="1800" b="0" i="0" u="none" strike="noStrike" kern="1200" baseline="0">
+                      <a:solidFill>
+                        <a:schemeClr val="tx1"/>
+                      </a:solidFill>
+                      <a:latin typeface="Times New Roman" panose="02020603050405020304" pitchFamily="18" charset="0"/>
+                      <a:ea typeface="宋体" panose="02010600030101010101" pitchFamily="2" charset="-122"/>
+                      <a:cs typeface="+mn-cs"/>
+                    </a:defRPr>
+                  </a:pPr>
+                  <a:endParaRPr lang="zh-CN"/>
+                </a:p>
+              </c:txPr>
+              <c:dLblPos val="outEnd"/>
+              <c:showLegendKey val="0"/>
+              <c:showVal val="0"/>
+              <c:showCatName val="1"/>
+              <c:showSerName val="0"/>
+              <c:showPercent val="1"/>
+              <c:showBubbleSize val="0"/>
+              <c:extLst>
+                <c:ext xmlns:c15="http://schemas.microsoft.com/office/drawing/2012/chart" uri="{CE6537A1-D6FC-4f65-9D91-7224C49458BB}">
+                  <c15:spPr xmlns:c15="http://schemas.microsoft.com/office/drawing/2012/chart">
+                    <a:prstGeom prst="wedgeRectCallout">
+                      <a:avLst/>
+                    </a:prstGeom>
+                    <a:noFill/>
+                    <a:ln>
+                      <a:noFill/>
+                    </a:ln>
+                  </c15:spPr>
+                  <c15:layout>
+                    <c:manualLayout>
+                      <c:w val="0.1239367307606286"/>
+                      <c:h val="0.232872680806536"/>
+                    </c:manualLayout>
+                  </c15:layout>
+                </c:ext>
+                <c:ext xmlns:c16="http://schemas.microsoft.com/office/drawing/2014/chart" uri="{C3380CC4-5D6E-409C-BE32-E72D297353CC}">
+                  <c16:uniqueId val="{00000005-13BA-4AB3-B9BA-C66B8C66CA18}"/>
+                </c:ext>
+              </c:extLst>
+            </c:dLbl>
+            <c:dLbl>
+              <c:idx val="1"/>
+              <c:spPr>
+                <a:solidFill>
+                  <a:prstClr val="white"/>
+                </a:solidFill>
+                <a:ln>
+                  <a:solidFill>
+                    <a:prstClr val="black">
+                      <a:lumMod val="25000"/>
+                      <a:lumOff val="75000"/>
+                    </a:prstClr>
+                  </a:solidFill>
+                </a:ln>
+                <a:effectLst/>
+              </c:spPr>
+              <c:txPr>
+                <a:bodyPr rot="0" spcFirstLastPara="1" vertOverflow="clip" horzOverflow="clip" vert="horz" wrap="square" lIns="38100" tIns="19050" rIns="38100" bIns="19050" anchor="ctr" anchorCtr="1">
+                  <a:noAutofit/>
+                </a:bodyPr>
+                <a:lstStyle/>
+                <a:p>
+                  <a:pPr>
+                    <a:defRPr sz="1800" b="0" i="0" u="none" strike="noStrike" kern="1200" baseline="0">
+                      <a:solidFill>
+                        <a:schemeClr val="tx1"/>
+                      </a:solidFill>
+                      <a:latin typeface="Times New Roman" panose="02020603050405020304" pitchFamily="18" charset="0"/>
+                      <a:ea typeface="宋体" panose="02010600030101010101" pitchFamily="2" charset="-122"/>
+                      <a:cs typeface="+mn-cs"/>
+                    </a:defRPr>
+                  </a:pPr>
+                  <a:endParaRPr lang="zh-CN"/>
+                </a:p>
+              </c:txPr>
+              <c:dLblPos val="outEnd"/>
+              <c:showLegendKey val="0"/>
+              <c:showVal val="0"/>
+              <c:showCatName val="1"/>
+              <c:showSerName val="0"/>
+              <c:showPercent val="1"/>
+              <c:showBubbleSize val="0"/>
+              <c:extLst>
+                <c:ext xmlns:c15="http://schemas.microsoft.com/office/drawing/2012/chart" uri="{CE6537A1-D6FC-4f65-9D91-7224C49458BB}">
+                  <c15:spPr xmlns:c15="http://schemas.microsoft.com/office/drawing/2012/chart">
+                    <a:prstGeom prst="wedgeRectCallout">
+                      <a:avLst/>
+                    </a:prstGeom>
+                    <a:noFill/>
+                    <a:ln>
+                      <a:noFill/>
+                    </a:ln>
+                  </c15:spPr>
+                  <c15:layout>
+                    <c:manualLayout>
+                      <c:w val="0.26543492972623028"/>
+                      <c:h val="9.7718614845934026E-2"/>
+                    </c:manualLayout>
+                  </c15:layout>
+                </c:ext>
+                <c:ext xmlns:c16="http://schemas.microsoft.com/office/drawing/2014/chart" uri="{C3380CC4-5D6E-409C-BE32-E72D297353CC}">
+                  <c16:uniqueId val="{00000004-13BA-4AB3-B9BA-C66B8C66CA18}"/>
+                </c:ext>
+              </c:extLst>
+            </c:dLbl>
+            <c:dLbl>
+              <c:idx val="2"/>
+              <c:spPr>
+                <a:solidFill>
+                  <a:prstClr val="white"/>
+                </a:solidFill>
+                <a:ln>
+                  <a:solidFill>
+                    <a:prstClr val="black">
+                      <a:lumMod val="25000"/>
+                      <a:lumOff val="75000"/>
+                    </a:prstClr>
+                  </a:solidFill>
+                </a:ln>
+                <a:effectLst/>
+              </c:spPr>
+              <c:txPr>
+                <a:bodyPr rot="0" spcFirstLastPara="1" vertOverflow="clip" horzOverflow="clip" vert="horz" wrap="square" lIns="38100" tIns="19050" rIns="38100" bIns="19050" anchor="ctr" anchorCtr="1">
+                  <a:noAutofit/>
+                </a:bodyPr>
+                <a:lstStyle/>
+                <a:p>
+                  <a:pPr>
+                    <a:defRPr sz="1800" b="0" i="0" u="none" strike="noStrike" kern="1200" baseline="0">
+                      <a:solidFill>
+                        <a:schemeClr val="tx1"/>
+                      </a:solidFill>
+                      <a:latin typeface="Times New Roman" panose="02020603050405020304" pitchFamily="18" charset="0"/>
+                      <a:ea typeface="宋体" panose="02010600030101010101" pitchFamily="2" charset="-122"/>
+                      <a:cs typeface="+mn-cs"/>
+                    </a:defRPr>
+                  </a:pPr>
+                  <a:endParaRPr lang="zh-CN"/>
+                </a:p>
+              </c:txPr>
+              <c:dLblPos val="outEnd"/>
+              <c:showLegendKey val="0"/>
+              <c:showVal val="0"/>
+              <c:showCatName val="1"/>
+              <c:showSerName val="0"/>
+              <c:showPercent val="1"/>
+              <c:showBubbleSize val="0"/>
+              <c:extLst>
+                <c:ext xmlns:c15="http://schemas.microsoft.com/office/drawing/2012/chart" uri="{CE6537A1-D6FC-4f65-9D91-7224C49458BB}">
+                  <c15:spPr xmlns:c15="http://schemas.microsoft.com/office/drawing/2012/chart">
+                    <a:prstGeom prst="wedgeRectCallout">
+                      <a:avLst/>
+                    </a:prstGeom>
+                    <a:noFill/>
+                    <a:ln>
+                      <a:noFill/>
+                    </a:ln>
+                  </c15:spPr>
+                  <c15:layout>
+                    <c:manualLayout>
+                      <c:w val="0.10176613920656366"/>
+                      <c:h val="0.22058594753739036"/>
+                    </c:manualLayout>
+                  </c15:layout>
+                </c:ext>
+                <c:ext xmlns:c16="http://schemas.microsoft.com/office/drawing/2014/chart" uri="{C3380CC4-5D6E-409C-BE32-E72D297353CC}">
+                  <c16:uniqueId val="{00000003-13BA-4AB3-B9BA-C66B8C66CA18}"/>
+                </c:ext>
+              </c:extLst>
+            </c:dLbl>
+            <c:dLbl>
+              <c:idx val="3"/>
+              <c:spPr>
+                <a:solidFill>
+                  <a:prstClr val="white"/>
+                </a:solidFill>
+                <a:ln>
+                  <a:solidFill>
+                    <a:prstClr val="black">
+                      <a:lumMod val="25000"/>
+                      <a:lumOff val="75000"/>
+                    </a:prstClr>
+                  </a:solidFill>
+                </a:ln>
+                <a:effectLst/>
+              </c:spPr>
+              <c:txPr>
+                <a:bodyPr rot="0" spcFirstLastPara="1" vertOverflow="clip" horzOverflow="clip" vert="horz" wrap="square" lIns="38100" tIns="19050" rIns="38100" bIns="19050" anchor="ctr" anchorCtr="1">
+                  <a:noAutofit/>
+                </a:bodyPr>
+                <a:lstStyle/>
+                <a:p>
+                  <a:pPr>
+                    <a:defRPr sz="1800" b="0" i="0" u="none" strike="noStrike" kern="1200" baseline="0">
+                      <a:solidFill>
+                        <a:schemeClr val="tx1"/>
+                      </a:solidFill>
+                      <a:latin typeface="Times New Roman" panose="02020603050405020304" pitchFamily="18" charset="0"/>
+                      <a:ea typeface="宋体" panose="02010600030101010101" pitchFamily="2" charset="-122"/>
+                      <a:cs typeface="+mn-cs"/>
+                    </a:defRPr>
+                  </a:pPr>
+                  <a:endParaRPr lang="zh-CN"/>
+                </a:p>
+              </c:txPr>
+              <c:dLblPos val="outEnd"/>
+              <c:showLegendKey val="0"/>
+              <c:showVal val="0"/>
+              <c:showCatName val="1"/>
+              <c:showSerName val="0"/>
+              <c:showPercent val="1"/>
+              <c:showBubbleSize val="0"/>
+              <c:extLst>
+                <c:ext xmlns:c15="http://schemas.microsoft.com/office/drawing/2012/chart" uri="{CE6537A1-D6FC-4f65-9D91-7224C49458BB}">
+                  <c15:spPr xmlns:c15="http://schemas.microsoft.com/office/drawing/2012/chart">
+                    <a:prstGeom prst="wedgeRectCallout">
+                      <a:avLst/>
+                    </a:prstGeom>
+                    <a:noFill/>
+                    <a:ln>
+                      <a:noFill/>
+                    </a:ln>
+                  </c15:spPr>
+                  <c15:layout>
+                    <c:manualLayout>
+                      <c:w val="0.11727766520143737"/>
+                      <c:h val="9.7718614845934026E-2"/>
+                    </c:manualLayout>
+                  </c15:layout>
+                </c:ext>
+                <c:ext xmlns:c16="http://schemas.microsoft.com/office/drawing/2014/chart" uri="{C3380CC4-5D6E-409C-BE32-E72D297353CC}">
+                  <c16:uniqueId val="{00000002-13BA-4AB3-B9BA-C66B8C66CA18}"/>
+                </c:ext>
+              </c:extLst>
+            </c:dLbl>
+            <c:dLbl>
+              <c:idx val="4"/>
+              <c:spPr>
+                <a:solidFill>
+                  <a:prstClr val="white"/>
+                </a:solidFill>
+                <a:ln>
+                  <a:solidFill>
+                    <a:prstClr val="black">
+                      <a:lumMod val="25000"/>
+                      <a:lumOff val="75000"/>
+                    </a:prstClr>
+                  </a:solidFill>
+                </a:ln>
+                <a:effectLst/>
+              </c:spPr>
+              <c:txPr>
+                <a:bodyPr rot="0" spcFirstLastPara="1" vertOverflow="clip" horzOverflow="clip" vert="horz" wrap="square" lIns="38100" tIns="19050" rIns="38100" bIns="19050" anchor="ctr" anchorCtr="1">
+                  <a:noAutofit/>
+                </a:bodyPr>
+                <a:lstStyle/>
+                <a:p>
+                  <a:pPr>
+                    <a:defRPr sz="1800" b="0" i="0" u="none" strike="noStrike" kern="1200" baseline="0">
+                      <a:solidFill>
+                        <a:schemeClr val="tx1"/>
+                      </a:solidFill>
+                      <a:latin typeface="Times New Roman" panose="02020603050405020304" pitchFamily="18" charset="0"/>
+                      <a:ea typeface="宋体" panose="02010600030101010101" pitchFamily="2" charset="-122"/>
+                      <a:cs typeface="+mn-cs"/>
+                    </a:defRPr>
+                  </a:pPr>
+                  <a:endParaRPr lang="zh-CN"/>
+                </a:p>
+              </c:txPr>
+              <c:dLblPos val="outEnd"/>
+              <c:showLegendKey val="0"/>
+              <c:showVal val="0"/>
+              <c:showCatName val="1"/>
+              <c:showSerName val="0"/>
+              <c:showPercent val="1"/>
+              <c:showBubbleSize val="0"/>
+              <c:extLst>
+                <c:ext xmlns:c15="http://schemas.microsoft.com/office/drawing/2012/chart" uri="{CE6537A1-D6FC-4f65-9D91-7224C49458BB}">
+                  <c15:spPr xmlns:c15="http://schemas.microsoft.com/office/drawing/2012/chart">
+                    <a:prstGeom prst="wedgeRectCallout">
+                      <a:avLst/>
+                    </a:prstGeom>
+                    <a:noFill/>
+                    <a:ln>
+                      <a:noFill/>
+                    </a:ln>
+                  </c15:spPr>
+                  <c15:layout>
+                    <c:manualLayout>
+                      <c:w val="0.13745302616586255"/>
+                      <c:h val="0.10754800146125054"/>
+                    </c:manualLayout>
+                  </c15:layout>
+                </c:ext>
+                <c:ext xmlns:c16="http://schemas.microsoft.com/office/drawing/2014/chart" uri="{C3380CC4-5D6E-409C-BE32-E72D297353CC}">
+                  <c16:uniqueId val="{00000001-13BA-4AB3-B9BA-C66B8C66CA18}"/>
+                </c:ext>
+              </c:extLst>
+            </c:dLbl>
+            <c:spPr>
+              <a:solidFill>
+                <a:prstClr val="white"/>
+              </a:solidFill>
+              <a:ln>
+                <a:solidFill>
+                  <a:prstClr val="black">
+                    <a:lumMod val="25000"/>
+                    <a:lumOff val="75000"/>
+                  </a:prstClr>
+                </a:solidFill>
+              </a:ln>
+              <a:effectLst/>
+            </c:spPr>
+            <c:txPr>
+              <a:bodyPr rot="0" spcFirstLastPara="1" vertOverflow="clip" horzOverflow="clip" vert="horz" wrap="square" lIns="38100" tIns="19050" rIns="38100" bIns="19050" anchor="ctr" anchorCtr="1">
+                <a:spAutoFit/>
+              </a:bodyPr>
+              <a:lstStyle/>
+              <a:p>
+                <a:pPr>
+                  <a:defRPr sz="1800" b="0" i="0" u="none" strike="noStrike" kern="1200" baseline="0">
+                    <a:solidFill>
+                      <a:schemeClr val="tx1"/>
+                    </a:solidFill>
+                    <a:latin typeface="Times New Roman" panose="02020603050405020304" pitchFamily="18" charset="0"/>
+                    <a:ea typeface="宋体" panose="02010600030101010101" pitchFamily="2" charset="-122"/>
+                    <a:cs typeface="+mn-cs"/>
+                  </a:defRPr>
+                </a:pPr>
+                <a:endParaRPr lang="zh-CN"/>
+              </a:p>
+            </c:txPr>
+            <c:dLblPos val="outEnd"/>
+            <c:showLegendKey val="0"/>
+            <c:showVal val="0"/>
+            <c:showCatName val="1"/>
+            <c:showSerName val="0"/>
+            <c:showPercent val="1"/>
+            <c:showBubbleSize val="0"/>
+            <c:showLeaderLines val="0"/>
+            <c:extLst>
+              <c:ext xmlns:c15="http://schemas.microsoft.com/office/drawing/2012/chart" uri="{CE6537A1-D6FC-4f65-9D91-7224C49458BB}">
+                <c15:spPr xmlns:c15="http://schemas.microsoft.com/office/drawing/2012/chart">
+                  <a:prstGeom prst="wedgeRectCallout">
+                    <a:avLst/>
+                  </a:prstGeom>
+                  <a:noFill/>
+                  <a:ln>
+                    <a:noFill/>
+                  </a:ln>
+                </c15:spPr>
+              </c:ext>
+            </c:extLst>
+          </c:dLbls>
+          <c:cat>
+            <c:strRef>
+              <c:f>Sheet1!$A$2:$A$6</c:f>
+              <c:strCache>
+                <c:ptCount val="5"/>
+                <c:pt idx="0">
+                  <c:v>MySQL</c:v>
+                </c:pt>
+                <c:pt idx="1">
+                  <c:v>MongoDB24.6%</c:v>
+                </c:pt>
+                <c:pt idx="2">
+                  <c:v>PostgreSQL</c:v>
+                </c:pt>
+                <c:pt idx="3">
+                  <c:v>Redis</c:v>
+                </c:pt>
+                <c:pt idx="4">
+                  <c:v>Other</c:v>
+                </c:pt>
+              </c:strCache>
+            </c:strRef>
+          </c:cat>
+          <c:val>
+            <c:numRef>
+              <c:f>Sheet1!$B$2:$B$6</c:f>
+              <c:numCache>
+                <c:formatCode>0.00%</c:formatCode>
+                <c:ptCount val="5"/>
+                <c:pt idx="0">
+                  <c:v>0.38900000000000001</c:v>
+                </c:pt>
+                <c:pt idx="1">
+                  <c:v>0.246</c:v>
+                </c:pt>
+                <c:pt idx="2">
+                  <c:v>0.17399999999999999</c:v>
+                </c:pt>
+                <c:pt idx="3">
+                  <c:v>8.4000000000000005E-2</c:v>
+                </c:pt>
+                <c:pt idx="4">
+                  <c:v>0.107</c:v>
+                </c:pt>
+              </c:numCache>
+            </c:numRef>
+          </c:val>
+          <c:extLst>
+            <c:ext xmlns:c16="http://schemas.microsoft.com/office/drawing/2014/chart" uri="{C3380CC4-5D6E-409C-BE32-E72D297353CC}">
+              <c16:uniqueId val="{00000000-13BA-4AB3-B9BA-C66B8C66CA18}"/>
+            </c:ext>
+          </c:extLst>
+        </c:ser>
+        <c:dLbls>
+          <c:showLegendKey val="0"/>
+          <c:showVal val="0"/>
+          <c:showCatName val="0"/>
+          <c:showSerName val="0"/>
+          <c:showPercent val="0"/>
+          <c:showBubbleSize val="0"/>
+          <c:showLeaderLines val="0"/>
+        </c:dLbls>
+      </c:pie3DChart>
+      <c:spPr>
+        <a:noFill/>
+        <a:ln>
+          <a:noFill/>
+        </a:ln>
+        <a:effectLst/>
+      </c:spPr>
+    </c:plotArea>
+    <c:plotVisOnly val="1"/>
+    <c:dispBlanksAs val="gap"/>
+    <c:extLst>
+      <c:ext xmlns:c16r3="http://schemas.microsoft.com/office/drawing/2017/03/chart" uri="{56B9EC1D-385E-4148-901F-78D8002777C0}">
+        <c16r3:dataDisplayOptions16>
+          <c16r3:dispNaAsBlank val="1"/>
+        </c16r3:dataDisplayOptions16>
+      </c:ext>
+    </c:extLst>
+    <c:showDLblsOverMax val="0"/>
+  </c:chart>
+  <c:spPr>
+    <a:noFill/>
+    <a:ln>
+      <a:noFill/>
+    </a:ln>
+    <a:effectLst/>
+  </c:spPr>
+  <c:txPr>
+    <a:bodyPr/>
+    <a:lstStyle/>
+    <a:p>
+      <a:pPr>
+        <a:defRPr/>
+      </a:pPr>
+      <a:endParaRPr lang="zh-CN"/>
+    </a:p>
+  </c:txPr>
+  <c:externalData r:id="rId3">
+    <c:autoUpdate val="0"/>
+  </c:externalData>
+</c:chartSpace>
+</file>
+
+<file path=ppt/charts/colors1.xml><?xml version="1.0" encoding="utf-8"?>
+<cs:colorStyle xmlns:cs="http://schemas.microsoft.com/office/drawing/2012/chartStyle" xmlns:a="http://schemas.openxmlformats.org/drawingml/2006/main" meth="cycle" id="10">
+  <a:schemeClr val="accent1"/>
+  <a:schemeClr val="accent2"/>
+  <a:schemeClr val="accent3"/>
+  <a:schemeClr val="accent4"/>
+  <a:schemeClr val="accent5"/>
+  <a:schemeClr val="accent6"/>
+  <cs:variation/>
+  <cs:variation>
+    <a:lumMod val="60000"/>
+  </cs:variation>
+  <cs:variation>
+    <a:lumMod val="80000"/>
+    <a:lumOff val="20000"/>
+  </cs:variation>
+  <cs:variation>
+    <a:lumMod val="80000"/>
+  </cs:variation>
+  <cs:variation>
+    <a:lumMod val="60000"/>
+    <a:lumOff val="40000"/>
+  </cs:variation>
+  <cs:variation>
+    <a:lumMod val="50000"/>
+  </cs:variation>
+  <cs:variation>
+    <a:lumMod val="70000"/>
+    <a:lumOff val="30000"/>
+  </cs:variation>
+  <cs:variation>
+    <a:lumMod val="70000"/>
+  </cs:variation>
+  <cs:variation>
+    <a:lumMod val="50000"/>
+    <a:lumOff val="50000"/>
+  </cs:variation>
+</cs:colorStyle>
+</file>
+
+<file path=ppt/charts/style1.xml><?xml version="1.0" encoding="utf-8"?>
+<cs:chartStyle xmlns:cs="http://schemas.microsoft.com/office/drawing/2012/chartStyle" xmlns:a="http://schemas.openxmlformats.org/drawingml/2006/main" id="262">
+  <cs:axisTitle>
+    <cs:lnRef idx="0"/>
+    <cs:fillRef idx="0"/>
+    <cs:effectRef idx="0"/>
+    <cs:fontRef idx="minor">
+      <a:schemeClr val="tx1">
+        <a:lumMod val="65000"/>
+        <a:lumOff val="35000"/>
+      </a:schemeClr>
+    </cs:fontRef>
+    <cs:defRPr sz="1330" kern="1200"/>
+  </cs:axisTitle>
+  <cs:categoryAxis>
+    <cs:lnRef idx="0"/>
+    <cs:fillRef idx="0"/>
+    <cs:effectRef idx="0"/>
+    <cs:fontRef idx="minor">
+      <a:schemeClr val="tx1">
+        <a:lumMod val="65000"/>
+        <a:lumOff val="35000"/>
+      </a:schemeClr>
+    </cs:fontRef>
+    <cs:spPr>
+      <a:ln w="9525" cap="flat" cmpd="sng" algn="ctr">
+        <a:solidFill>
+          <a:schemeClr val="tx1">
+            <a:lumMod val="15000"/>
+            <a:lumOff val="85000"/>
+          </a:schemeClr>
+        </a:solidFill>
+        <a:round/>
+      </a:ln>
+    </cs:spPr>
+    <cs:defRPr sz="1197" kern="1200"/>
+  </cs:categoryAxis>
+  <cs:chartArea mods="allowNoFillOverride allowNoLineOverride">
+    <cs:lnRef idx="0"/>
+    <cs:fillRef idx="0"/>
+    <cs:effectRef idx="0"/>
+    <cs:fontRef idx="minor">
+      <a:schemeClr val="tx1"/>
+    </cs:fontRef>
+    <cs:spPr>
+      <a:solidFill>
+        <a:schemeClr val="bg1"/>
+      </a:solidFill>
+      <a:ln w="9525" cap="flat" cmpd="sng" algn="ctr">
+        <a:solidFill>
+          <a:schemeClr val="tx1">
+            <a:lumMod val="15000"/>
+            <a:lumOff val="85000"/>
+          </a:schemeClr>
+        </a:solidFill>
+        <a:round/>
+      </a:ln>
+    </cs:spPr>
+    <cs:defRPr sz="1197" kern="1200"/>
+  </cs:chartArea>
+  <cs:dataLabel>
+    <cs:lnRef idx="0"/>
+    <cs:fillRef idx="0"/>
+    <cs:effectRef idx="0"/>
+    <cs:fontRef idx="minor">
+      <a:schemeClr val="tx1">
+        <a:lumMod val="75000"/>
+        <a:lumOff val="25000"/>
+      </a:schemeClr>
+    </cs:fontRef>
+    <cs:defRPr sz="1197" kern="1200"/>
+  </cs:dataLabel>
+  <cs:dataLabelCallout>
+    <cs:lnRef idx="0"/>
+    <cs:fillRef idx="0"/>
+    <cs:effectRef idx="0"/>
+    <cs:fontRef idx="minor">
+      <a:schemeClr val="dk1">
+        <a:lumMod val="65000"/>
+        <a:lumOff val="35000"/>
+      </a:schemeClr>
+    </cs:fontRef>
+    <cs:spPr>
+      <a:solidFill>
+        <a:schemeClr val="lt1"/>
+      </a:solidFill>
+      <a:ln>
+        <a:solidFill>
+          <a:schemeClr val="dk1">
+            <a:lumMod val="25000"/>
+            <a:lumOff val="75000"/>
+          </a:schemeClr>
+        </a:solidFill>
+      </a:ln>
+    </cs:spPr>
+    <cs:defRPr sz="1197" kern="1200"/>
+    <cs:bodyPr rot="0" spcFirstLastPara="1" vertOverflow="clip" horzOverflow="clip" vert="horz" wrap="square" lIns="36576" tIns="18288" rIns="36576" bIns="18288" anchor="ctr" anchorCtr="1">
+      <a:spAutoFit/>
+    </cs:bodyPr>
+  </cs:dataLabelCallout>
+  <cs:dataPoint>
+    <cs:lnRef idx="0"/>
+    <cs:fillRef idx="1">
+      <cs:styleClr val="auto"/>
+    </cs:fillRef>
+    <cs:effectRef idx="0"/>
+    <cs:fontRef idx="minor">
+      <a:schemeClr val="tx1"/>
+    </cs:fontRef>
+    <cs:spPr>
+      <a:ln w="19050">
+        <a:solidFill>
+          <a:schemeClr val="lt1"/>
+        </a:solidFill>
+      </a:ln>
+    </cs:spPr>
+  </cs:dataPoint>
+  <cs:dataPoint3D>
+    <cs:lnRef idx="0"/>
+    <cs:fillRef idx="1">
+      <cs:styleClr val="auto"/>
+    </cs:fillRef>
+    <cs:effectRef idx="0"/>
+    <cs:fontRef idx="minor">
+      <a:schemeClr val="tx1"/>
+    </cs:fontRef>
+    <cs:spPr>
+      <a:ln w="25400">
+        <a:solidFill>
+          <a:schemeClr val="lt1"/>
+        </a:solidFill>
+      </a:ln>
+    </cs:spPr>
+  </cs:dataPoint3D>
+  <cs:dataPointLine>
+    <cs:lnRef idx="0">
+      <cs:styleClr val="auto"/>
+    </cs:lnRef>
+    <cs:fillRef idx="0"/>
+    <cs:effectRef idx="0"/>
+    <cs:fontRef idx="minor">
+      <a:schemeClr val="tx1"/>
+    </cs:fontRef>
+    <cs:spPr>
+      <a:ln w="28575" cap="rnd">
+        <a:solidFill>
+          <a:schemeClr val="phClr"/>
+        </a:solidFill>
+        <a:round/>
+      </a:ln>
+    </cs:spPr>
+  </cs:dataPointLine>
+  <cs:dataPointMarker>
+    <cs:lnRef idx="0">
+      <cs:styleClr val="auto"/>
+    </cs:lnRef>
+    <cs:fillRef idx="1">
+      <cs:styleClr val="auto"/>
+    </cs:fillRef>
+    <cs:effectRef idx="0"/>
+    <cs:fontRef idx="minor">
+      <a:schemeClr val="tx1"/>
+    </cs:fontRef>
+    <cs:spPr>
+      <a:ln w="9525">
+        <a:solidFill>
+          <a:schemeClr val="phClr"/>
+        </a:solidFill>
+      </a:ln>
+    </cs:spPr>
+  </cs:dataPointMarker>
+  <cs:dataPointMarkerLayout symbol="circle" size="5"/>
+  <cs:dataPointWireframe>
+    <cs:lnRef idx="0">
+      <cs:styleClr val="auto"/>
+    </cs:lnRef>
+    <cs:fillRef idx="0"/>
+    <cs:effectRef idx="0"/>
+    <cs:fontRef idx="minor">
+      <a:schemeClr val="tx1"/>
+    </cs:fontRef>
+    <cs:spPr>
+      <a:ln w="9525" cap="rnd">
+        <a:solidFill>
+          <a:schemeClr val="phClr"/>
+        </a:solidFill>
+        <a:round/>
+      </a:ln>
+    </cs:spPr>
+  </cs:dataPointWireframe>
+  <cs:dataTable>
+    <cs:lnRef idx="0"/>
+    <cs:fillRef idx="0"/>
+    <cs:effectRef idx="0"/>
+    <cs:fontRef idx="minor">
+      <a:schemeClr val="tx1">
+        <a:lumMod val="65000"/>
+        <a:lumOff val="35000"/>
+      </a:schemeClr>
+    </cs:fontRef>
+    <cs:spPr>
+      <a:noFill/>
+      <a:ln w="9525" cap="flat" cmpd="sng" algn="ctr">
+        <a:solidFill>
+          <a:schemeClr val="tx1">
+            <a:lumMod val="15000"/>
+            <a:lumOff val="85000"/>
+          </a:schemeClr>
+        </a:solidFill>
+        <a:round/>
+      </a:ln>
+    </cs:spPr>
+    <cs:defRPr sz="1197" kern="1200"/>
+  </cs:dataTable>
+  <cs:downBar>
+    <cs:lnRef idx="0"/>
+    <cs:fillRef idx="0"/>
+    <cs:effectRef idx="0"/>
+    <cs:fontRef idx="minor">
+      <a:schemeClr val="tx1"/>
+    </cs:fontRef>
+    <cs:spPr>
+      <a:solidFill>
+        <a:schemeClr val="dk1">
+          <a:lumMod val="75000"/>
+          <a:lumOff val="25000"/>
+        </a:schemeClr>
+      </a:solidFill>
+      <a:ln w="9525" cap="flat" cmpd="sng" algn="ctr">
+        <a:solidFill>
+          <a:schemeClr val="tx1">
+            <a:lumMod val="65000"/>
+            <a:lumOff val="35000"/>
+          </a:schemeClr>
+        </a:solidFill>
+        <a:round/>
+      </a:ln>
+    </cs:spPr>
+  </cs:downBar>
+  <cs:dropLine>
+    <cs:lnRef idx="0"/>
+    <cs:fillRef idx="0"/>
+    <cs:effectRef idx="0"/>
+    <cs:fontRef idx="minor">
+      <a:schemeClr val="tx1"/>
+    </cs:fontRef>
+    <cs:spPr>
+      <a:ln w="9525" cap="flat" cmpd="sng" algn="ctr">
+        <a:solidFill>
+          <a:schemeClr val="tx1">
+            <a:lumMod val="35000"/>
+            <a:lumOff val="65000"/>
+          </a:schemeClr>
+        </a:solidFill>
+        <a:round/>
+      </a:ln>
+    </cs:spPr>
+  </cs:dropLine>
+  <cs:errorBar>
+    <cs:lnRef idx="0"/>
+    <cs:fillRef idx="0"/>
+    <cs:effectRef idx="0"/>
+    <cs:fontRef idx="minor">
+      <a:schemeClr val="tx1"/>
+    </cs:fontRef>
+    <cs:spPr>
+      <a:ln w="9525" cap="flat" cmpd="sng" algn="ctr">
+        <a:solidFill>
+          <a:schemeClr val="tx1">
+            <a:lumMod val="65000"/>
+            <a:lumOff val="35000"/>
+          </a:schemeClr>
+        </a:solidFill>
+        <a:round/>
+      </a:ln>
+    </cs:spPr>
+  </cs:errorBar>
+  <cs:floor>
+    <cs:lnRef idx="0"/>
+    <cs:fillRef idx="0"/>
+    <cs:effectRef idx="0"/>
+    <cs:fontRef idx="minor">
+      <a:schemeClr val="tx1"/>
+    </cs:fontRef>
+    <cs:spPr>
+      <a:noFill/>
+      <a:ln>
+        <a:noFill/>
+      </a:ln>
+    </cs:spPr>
+  </cs:floor>
+  <cs:gridlineMajor>
+    <cs:lnRef idx="0"/>
+    <cs:fillRef idx="0"/>
+    <cs:effectRef idx="0"/>
+    <cs:fontRef idx="minor">
+      <a:schemeClr val="tx1"/>
+    </cs:fontRef>
+    <cs:spPr>
+      <a:ln w="9525" cap="flat" cmpd="sng" algn="ctr">
+        <a:solidFill>
+          <a:schemeClr val="tx1">
+            <a:lumMod val="15000"/>
+            <a:lumOff val="85000"/>
+          </a:schemeClr>
+        </a:solidFill>
+        <a:round/>
+      </a:ln>
+    </cs:spPr>
+  </cs:gridlineMajor>
+  <cs:gridlineMinor>
+    <cs:lnRef idx="0"/>
+    <cs:fillRef idx="0"/>
+    <cs:effectRef idx="0"/>
+    <cs:fontRef idx="minor">
+      <a:schemeClr val="tx1"/>
+    </cs:fontRef>
+    <cs:spPr>
+      <a:ln w="9525" cap="flat" cmpd="sng" algn="ctr">
+        <a:solidFill>
+          <a:schemeClr val="tx1">
+            <a:lumMod val="5000"/>
+            <a:lumOff val="95000"/>
+          </a:schemeClr>
+        </a:solidFill>
+        <a:round/>
+      </a:ln>
+    </cs:spPr>
+  </cs:gridlineMinor>
+  <cs:hiLoLine>
+    <cs:lnRef idx="0"/>
+    <cs:fillRef idx="0"/>
+    <cs:effectRef idx="0"/>
+    <cs:fontRef idx="minor">
+      <a:schemeClr val="tx1"/>
+    </cs:fontRef>
+    <cs:spPr>
+      <a:ln w="9525" cap="flat" cmpd="sng" algn="ctr">
+        <a:solidFill>
+          <a:schemeClr val="tx1">
+            <a:lumMod val="50000"/>
+            <a:lumOff val="50000"/>
+          </a:schemeClr>
+        </a:solidFill>
+        <a:round/>
+      </a:ln>
+    </cs:spPr>
+  </cs:hiLoLine>
+  <cs:leaderLine>
+    <cs:lnRef idx="0"/>
+    <cs:fillRef idx="0"/>
+    <cs:effectRef idx="0"/>
+    <cs:fontRef idx="minor">
+      <a:schemeClr val="tx1"/>
+    </cs:fontRef>
+    <cs:spPr>
+      <a:ln w="9525" cap="flat" cmpd="sng" algn="ctr">
+        <a:solidFill>
+          <a:schemeClr val="tx1">
+            <a:lumMod val="35000"/>
+            <a:lumOff val="65000"/>
+          </a:schemeClr>
+        </a:solidFill>
+        <a:round/>
+      </a:ln>
+    </cs:spPr>
+  </cs:leaderLine>
+  <cs:legend>
+    <cs:lnRef idx="0"/>
+    <cs:fillRef idx="0"/>
+    <cs:effectRef idx="0"/>
+    <cs:fontRef idx="minor">
+      <a:schemeClr val="tx1">
+        <a:lumMod val="65000"/>
+        <a:lumOff val="35000"/>
+      </a:schemeClr>
+    </cs:fontRef>
+    <cs:defRPr sz="1197" kern="1200"/>
+  </cs:legend>
+  <cs:plotArea mods="allowNoFillOverride allowNoLineOverride">
+    <cs:lnRef idx="0"/>
+    <cs:fillRef idx="0"/>
+    <cs:effectRef idx="0"/>
+    <cs:fontRef idx="minor">
+      <a:schemeClr val="tx1"/>
+    </cs:fontRef>
+  </cs:plotArea>
+  <cs:plotArea3D mods="allowNoFillOverride allowNoLineOverride">
+    <cs:lnRef idx="0"/>
+    <cs:fillRef idx="0"/>
+    <cs:effectRef idx="0"/>
+    <cs:fontRef idx="minor">
+      <a:schemeClr val="tx1"/>
+    </cs:fontRef>
+  </cs:plotArea3D>
+  <cs:seriesAxis>
+    <cs:lnRef idx="0"/>
+    <cs:fillRef idx="0"/>
+    <cs:effectRef idx="0"/>
+    <cs:fontRef idx="minor">
+      <a:schemeClr val="tx1">
+        <a:lumMod val="65000"/>
+        <a:lumOff val="35000"/>
+      </a:schemeClr>
+    </cs:fontRef>
+    <cs:defRPr sz="1197" kern="1200"/>
+  </cs:seriesAxis>
+  <cs:seriesLine>
+    <cs:lnRef idx="0"/>
+    <cs:fillRef idx="0"/>
+    <cs:effectRef idx="0"/>
+    <cs:fontRef idx="minor">
+      <a:schemeClr val="tx1"/>
+    </cs:fontRef>
+    <cs:spPr>
+      <a:ln w="9525" cap="flat" cmpd="sng" algn="ctr">
+        <a:solidFill>
+          <a:schemeClr val="tx1">
+            <a:lumMod val="35000"/>
+            <a:lumOff val="65000"/>
+          </a:schemeClr>
+        </a:solidFill>
+        <a:round/>
+      </a:ln>
+    </cs:spPr>
+  </cs:seriesLine>
+  <cs:title>
+    <cs:lnRef idx="0"/>
+    <cs:fillRef idx="0"/>
+    <cs:effectRef idx="0"/>
+    <cs:fontRef idx="minor">
+      <a:schemeClr val="tx1">
+        <a:lumMod val="65000"/>
+        <a:lumOff val="35000"/>
+      </a:schemeClr>
+    </cs:fontRef>
+    <cs:defRPr sz="1862" b="0" kern="1200" spc="0" baseline="0"/>
+  </cs:title>
+  <cs:trendline>
+    <cs:lnRef idx="0">
+      <cs:styleClr val="auto"/>
+    </cs:lnRef>
+    <cs:fillRef idx="0"/>
+    <cs:effectRef idx="0"/>
+    <cs:fontRef idx="minor">
+      <a:schemeClr val="tx1"/>
+    </cs:fontRef>
+    <cs:spPr>
+      <a:ln w="19050" cap="rnd">
+        <a:solidFill>
+          <a:schemeClr val="phClr"/>
+        </a:solidFill>
+        <a:prstDash val="sysDot"/>
+      </a:ln>
+    </cs:spPr>
+  </cs:trendline>
+  <cs:trendlineLabel>
+    <cs:lnRef idx="0"/>
+    <cs:fillRef idx="0"/>
+    <cs:effectRef idx="0"/>
+    <cs:fontRef idx="minor">
+      <a:schemeClr val="tx1">
+        <a:lumMod val="65000"/>
+        <a:lumOff val="35000"/>
+      </a:schemeClr>
+    </cs:fontRef>
+    <cs:defRPr sz="1197" kern="1200"/>
+  </cs:trendlineLabel>
+  <cs:upBar>
+    <cs:lnRef idx="0"/>
+    <cs:fillRef idx="0"/>
+    <cs:effectRef idx="0"/>
+    <cs:fontRef idx="minor">
+      <a:schemeClr val="tx1"/>
+    </cs:fontRef>
+    <cs:spPr>
+      <a:solidFill>
+        <a:schemeClr val="lt1"/>
+      </a:solidFill>
+      <a:ln w="9525" cap="flat" cmpd="sng" algn="ctr">
+        <a:solidFill>
+          <a:schemeClr val="tx1">
+            <a:lumMod val="65000"/>
+            <a:lumOff val="35000"/>
+          </a:schemeClr>
+        </a:solidFill>
+        <a:round/>
+      </a:ln>
+    </cs:spPr>
+  </cs:upBar>
+  <cs:valueAxis>
+    <cs:lnRef idx="0"/>
+    <cs:fillRef idx="0"/>
+    <cs:effectRef idx="0"/>
+    <cs:fontRef idx="minor">
+      <a:schemeClr val="tx1">
+        <a:lumMod val="65000"/>
+        <a:lumOff val="35000"/>
+      </a:schemeClr>
+    </cs:fontRef>
+    <cs:defRPr sz="1197" kern="1200"/>
+  </cs:valueAxis>
+  <cs:wall>
+    <cs:lnRef idx="0"/>
+    <cs:fillRef idx="0"/>
+    <cs:effectRef idx="0"/>
+    <cs:fontRef idx="minor">
+      <a:schemeClr val="tx1"/>
+    </cs:fontRef>
+    <cs:spPr>
+      <a:noFill/>
+      <a:ln>
+        <a:noFill/>
+      </a:ln>
+    </cs:spPr>
+  </cs:wall>
+</cs:chartStyle>
 </file>
 
 <file path=ppt/diagrams/colors1.xml><?xml version="1.0" encoding="utf-8"?>
@@ -25043,7 +26296,7 @@
           <a:p>
             <a:fld id="{C9A92D6D-776B-4EA1-8067-4F1E54142CE7}" type="datetimeFigureOut">
               <a:rPr lang="zh-CN" altLang="en-US" smtClean="0"/>
-              <a:t>2020/3/1</a:t>
+              <a:t>2020/3/10</a:t>
             </a:fld>
             <a:endParaRPr lang="zh-CN" altLang="en-US"/>
           </a:p>
@@ -25241,7 +26494,7 @@
           <a:p>
             <a:fld id="{C9A92D6D-776B-4EA1-8067-4F1E54142CE7}" type="datetimeFigureOut">
               <a:rPr lang="zh-CN" altLang="en-US" smtClean="0"/>
-              <a:t>2020/3/1</a:t>
+              <a:t>2020/3/10</a:t>
             </a:fld>
             <a:endParaRPr lang="zh-CN" altLang="en-US"/>
           </a:p>
@@ -25449,7 +26702,7 @@
           <a:p>
             <a:fld id="{C9A92D6D-776B-4EA1-8067-4F1E54142CE7}" type="datetimeFigureOut">
               <a:rPr lang="zh-CN" altLang="en-US" smtClean="0"/>
-              <a:t>2020/3/1</a:t>
+              <a:t>2020/3/10</a:t>
             </a:fld>
             <a:endParaRPr lang="zh-CN" altLang="en-US"/>
           </a:p>
@@ -25647,7 +26900,7 @@
           <a:p>
             <a:fld id="{C9A92D6D-776B-4EA1-8067-4F1E54142CE7}" type="datetimeFigureOut">
               <a:rPr lang="zh-CN" altLang="en-US" smtClean="0"/>
-              <a:t>2020/3/1</a:t>
+              <a:t>2020/3/10</a:t>
             </a:fld>
             <a:endParaRPr lang="zh-CN" altLang="en-US"/>
           </a:p>
@@ -25922,7 +27175,7 @@
           <a:p>
             <a:fld id="{C9A92D6D-776B-4EA1-8067-4F1E54142CE7}" type="datetimeFigureOut">
               <a:rPr lang="zh-CN" altLang="en-US" smtClean="0"/>
-              <a:t>2020/3/1</a:t>
+              <a:t>2020/3/10</a:t>
             </a:fld>
             <a:endParaRPr lang="zh-CN" altLang="en-US"/>
           </a:p>
@@ -26187,7 +27440,7 @@
           <a:p>
             <a:fld id="{C9A92D6D-776B-4EA1-8067-4F1E54142CE7}" type="datetimeFigureOut">
               <a:rPr lang="zh-CN" altLang="en-US" smtClean="0"/>
-              <a:t>2020/3/1</a:t>
+              <a:t>2020/3/10</a:t>
             </a:fld>
             <a:endParaRPr lang="zh-CN" altLang="en-US"/>
           </a:p>
@@ -26599,7 +27852,7 @@
           <a:p>
             <a:fld id="{C9A92D6D-776B-4EA1-8067-4F1E54142CE7}" type="datetimeFigureOut">
               <a:rPr lang="zh-CN" altLang="en-US" smtClean="0"/>
-              <a:t>2020/3/1</a:t>
+              <a:t>2020/3/10</a:t>
             </a:fld>
             <a:endParaRPr lang="zh-CN" altLang="en-US"/>
           </a:p>
@@ -26740,7 +27993,7 @@
           <a:p>
             <a:fld id="{C9A92D6D-776B-4EA1-8067-4F1E54142CE7}" type="datetimeFigureOut">
               <a:rPr lang="zh-CN" altLang="en-US" smtClean="0"/>
-              <a:t>2020/3/1</a:t>
+              <a:t>2020/3/10</a:t>
             </a:fld>
             <a:endParaRPr lang="zh-CN" altLang="en-US"/>
           </a:p>
@@ -26853,7 +28106,7 @@
           <a:p>
             <a:fld id="{C9A92D6D-776B-4EA1-8067-4F1E54142CE7}" type="datetimeFigureOut">
               <a:rPr lang="zh-CN" altLang="en-US" smtClean="0"/>
-              <a:t>2020/3/1</a:t>
+              <a:t>2020/3/10</a:t>
             </a:fld>
             <a:endParaRPr lang="zh-CN" altLang="en-US"/>
           </a:p>
@@ -27164,7 +28417,7 @@
           <a:p>
             <a:fld id="{C9A92D6D-776B-4EA1-8067-4F1E54142CE7}" type="datetimeFigureOut">
               <a:rPr lang="zh-CN" altLang="en-US" smtClean="0"/>
-              <a:t>2020/3/1</a:t>
+              <a:t>2020/3/10</a:t>
             </a:fld>
             <a:endParaRPr lang="zh-CN" altLang="en-US"/>
           </a:p>
@@ -27452,7 +28705,7 @@
           <a:p>
             <a:fld id="{C9A92D6D-776B-4EA1-8067-4F1E54142CE7}" type="datetimeFigureOut">
               <a:rPr lang="zh-CN" altLang="en-US" smtClean="0"/>
-              <a:t>2020/3/1</a:t>
+              <a:t>2020/3/10</a:t>
             </a:fld>
             <a:endParaRPr lang="zh-CN" altLang="en-US"/>
           </a:p>
@@ -27693,7 +28946,7 @@
           <a:p>
             <a:fld id="{C9A92D6D-776B-4EA1-8067-4F1E54142CE7}" type="datetimeFigureOut">
               <a:rPr lang="zh-CN" altLang="en-US" smtClean="0"/>
-              <a:t>2020/3/1</a:t>
+              <a:t>2020/3/10</a:t>
             </a:fld>
             <a:endParaRPr lang="zh-CN" altLang="en-US"/>
           </a:p>
@@ -28189,6 +29442,1772 @@
 </p:sld>
 </file>
 
+<file path=ppt/slides/slide10.xml><?xml version="1.0" encoding="utf-8"?>
+<p:sld xmlns:a="http://schemas.openxmlformats.org/drawingml/2006/main" xmlns:r="http://schemas.openxmlformats.org/officeDocument/2006/relationships" xmlns:p="http://schemas.openxmlformats.org/presentationml/2006/main">
+  <p:cSld>
+    <p:spTree>
+      <p:nvGrpSpPr>
+        <p:cNvPr id="1" name=""/>
+        <p:cNvGrpSpPr/>
+        <p:nvPr/>
+      </p:nvGrpSpPr>
+      <p:grpSpPr>
+        <a:xfrm>
+          <a:off x="0" y="0"/>
+          <a:ext cx="0" cy="0"/>
+          <a:chOff x="0" y="0"/>
+          <a:chExt cx="0" cy="0"/>
+        </a:xfrm>
+      </p:grpSpPr>
+      <p:graphicFrame>
+        <p:nvGraphicFramePr>
+          <p:cNvPr id="6" name="表格 6">
+            <a:extLst>
+              <a:ext uri="{FF2B5EF4-FFF2-40B4-BE49-F238E27FC236}">
+                <a16:creationId xmlns:a16="http://schemas.microsoft.com/office/drawing/2014/main" id="{E76D5395-524A-4532-A9EA-C03167D3C154}"/>
+              </a:ext>
+            </a:extLst>
+          </p:cNvPr>
+          <p:cNvGraphicFramePr>
+            <a:graphicFrameLocks noGrp="1"/>
+          </p:cNvGraphicFramePr>
+          <p:nvPr>
+            <p:extLst>
+              <p:ext uri="{D42A27DB-BD31-4B8C-83A1-F6EECF244321}">
+                <p14:modId xmlns:p14="http://schemas.microsoft.com/office/powerpoint/2010/main" val="580736909"/>
+              </p:ext>
+            </p:extLst>
+          </p:nvPr>
+        </p:nvGraphicFramePr>
+        <p:xfrm>
+          <a:off x="2032000" y="2687320"/>
+          <a:ext cx="8464552" cy="1293495"/>
+        </p:xfrm>
+        <a:graphic>
+          <a:graphicData uri="http://schemas.openxmlformats.org/drawingml/2006/table">
+            <a:tbl>
+              <a:tblPr firstRow="1" bandRow="1">
+                <a:tableStyleId>{5C22544A-7EE6-4342-B048-85BDC9FD1C3A}</a:tableStyleId>
+              </a:tblPr>
+              <a:tblGrid>
+                <a:gridCol w="2116138">
+                  <a:extLst>
+                    <a:ext uri="{9D8B030D-6E8A-4147-A177-3AD203B41FA5}">
+                      <a16:colId xmlns:a16="http://schemas.microsoft.com/office/drawing/2014/main" val="1147520461"/>
+                    </a:ext>
+                  </a:extLst>
+                </a:gridCol>
+                <a:gridCol w="2116138">
+                  <a:extLst>
+                    <a:ext uri="{9D8B030D-6E8A-4147-A177-3AD203B41FA5}">
+                      <a16:colId xmlns:a16="http://schemas.microsoft.com/office/drawing/2014/main" val="1813957564"/>
+                    </a:ext>
+                  </a:extLst>
+                </a:gridCol>
+                <a:gridCol w="2116138">
+                  <a:extLst>
+                    <a:ext uri="{9D8B030D-6E8A-4147-A177-3AD203B41FA5}">
+                      <a16:colId xmlns:a16="http://schemas.microsoft.com/office/drawing/2014/main" val="1038906987"/>
+                    </a:ext>
+                  </a:extLst>
+                </a:gridCol>
+                <a:gridCol w="2116138">
+                  <a:extLst>
+                    <a:ext uri="{9D8B030D-6E8A-4147-A177-3AD203B41FA5}">
+                      <a16:colId xmlns:a16="http://schemas.microsoft.com/office/drawing/2014/main" val="1241844297"/>
+                    </a:ext>
+                  </a:extLst>
+                </a:gridCol>
+              </a:tblGrid>
+              <a:tr h="646430">
+                <a:tc>
+                  <a:txBody>
+                    <a:bodyPr/>
+                    <a:lstStyle/>
+                    <a:p>
+                      <a:pPr algn="ctr"/>
+                      <a:r>
+                        <a:rPr lang="zh-CN" altLang="en-US" sz="2400" b="0" i="0" baseline="0" dirty="0">
+                          <a:solidFill>
+                            <a:schemeClr val="tx1"/>
+                          </a:solidFill>
+                          <a:latin typeface="Times New Roman" panose="02020603050405020304" pitchFamily="18" charset="0"/>
+                          <a:ea typeface="宋体" panose="02010600030101010101" pitchFamily="2" charset="-122"/>
+                        </a:rPr>
+                        <a:t>网站</a:t>
+                      </a:r>
+                    </a:p>
+                  </a:txBody>
+                  <a:tcPr>
+                    <a:lnL w="12700" cap="flat" cmpd="sng" algn="ctr">
+                      <a:solidFill>
+                        <a:schemeClr val="tx1"/>
+                      </a:solidFill>
+                      <a:prstDash val="solid"/>
+                      <a:round/>
+                      <a:headEnd type="none" w="med" len="med"/>
+                      <a:tailEnd type="none" w="med" len="med"/>
+                    </a:lnL>
+                    <a:lnR w="12700" cap="flat" cmpd="sng" algn="ctr">
+                      <a:solidFill>
+                        <a:schemeClr val="tx1"/>
+                      </a:solidFill>
+                      <a:prstDash val="solid"/>
+                      <a:round/>
+                      <a:headEnd type="none" w="med" len="med"/>
+                      <a:tailEnd type="none" w="med" len="med"/>
+                    </a:lnR>
+                    <a:lnT w="12700" cap="flat" cmpd="sng" algn="ctr">
+                      <a:solidFill>
+                        <a:schemeClr val="tx1"/>
+                      </a:solidFill>
+                      <a:prstDash val="solid"/>
+                      <a:round/>
+                      <a:headEnd type="none" w="med" len="med"/>
+                      <a:tailEnd type="none" w="med" len="med"/>
+                    </a:lnT>
+                    <a:lnB w="12700" cap="flat" cmpd="sng" algn="ctr">
+                      <a:solidFill>
+                        <a:schemeClr val="tx1"/>
+                      </a:solidFill>
+                      <a:prstDash val="solid"/>
+                      <a:round/>
+                      <a:headEnd type="none" w="med" len="med"/>
+                      <a:tailEnd type="none" w="med" len="med"/>
+                    </a:lnB>
+                    <a:solidFill>
+                      <a:schemeClr val="bg1"/>
+                    </a:solidFill>
+                  </a:tcPr>
+                </a:tc>
+                <a:tc>
+                  <a:txBody>
+                    <a:bodyPr/>
+                    <a:lstStyle/>
+                    <a:p>
+                      <a:pPr algn="ctr"/>
+                      <a:r>
+                        <a:rPr lang="zh-CN" altLang="en-US" sz="2400" b="0" i="0" baseline="0" dirty="0">
+                          <a:solidFill>
+                            <a:schemeClr val="tx1"/>
+                          </a:solidFill>
+                          <a:latin typeface="Times New Roman" panose="02020603050405020304" pitchFamily="18" charset="0"/>
+                          <a:ea typeface="宋体" panose="02010600030101010101" pitchFamily="2" charset="-122"/>
+                        </a:rPr>
+                        <a:t>春雨医生</a:t>
+                      </a:r>
+                    </a:p>
+                  </a:txBody>
+                  <a:tcPr>
+                    <a:lnL w="12700" cap="flat" cmpd="sng" algn="ctr">
+                      <a:solidFill>
+                        <a:schemeClr val="tx1"/>
+                      </a:solidFill>
+                      <a:prstDash val="solid"/>
+                      <a:round/>
+                      <a:headEnd type="none" w="med" len="med"/>
+                      <a:tailEnd type="none" w="med" len="med"/>
+                    </a:lnL>
+                    <a:lnR w="12700" cap="flat" cmpd="sng" algn="ctr">
+                      <a:solidFill>
+                        <a:schemeClr val="tx1"/>
+                      </a:solidFill>
+                      <a:prstDash val="solid"/>
+                      <a:round/>
+                      <a:headEnd type="none" w="med" len="med"/>
+                      <a:tailEnd type="none" w="med" len="med"/>
+                    </a:lnR>
+                    <a:lnT w="12700" cap="flat" cmpd="sng" algn="ctr">
+                      <a:solidFill>
+                        <a:schemeClr val="tx1"/>
+                      </a:solidFill>
+                      <a:prstDash val="solid"/>
+                      <a:round/>
+                      <a:headEnd type="none" w="med" len="med"/>
+                      <a:tailEnd type="none" w="med" len="med"/>
+                    </a:lnT>
+                    <a:lnB w="12700" cap="flat" cmpd="sng" algn="ctr">
+                      <a:solidFill>
+                        <a:schemeClr val="tx1"/>
+                      </a:solidFill>
+                      <a:prstDash val="solid"/>
+                      <a:round/>
+                      <a:headEnd type="none" w="med" len="med"/>
+                      <a:tailEnd type="none" w="med" len="med"/>
+                    </a:lnB>
+                    <a:solidFill>
+                      <a:schemeClr val="bg1"/>
+                    </a:solidFill>
+                  </a:tcPr>
+                </a:tc>
+                <a:tc>
+                  <a:txBody>
+                    <a:bodyPr/>
+                    <a:lstStyle/>
+                    <a:p>
+                      <a:pPr algn="ctr"/>
+                      <a:r>
+                        <a:rPr lang="zh-CN" altLang="en-US" sz="2400" b="0" i="0" baseline="0" dirty="0">
+                          <a:solidFill>
+                            <a:schemeClr val="tx1"/>
+                          </a:solidFill>
+                          <a:latin typeface="Times New Roman" panose="02020603050405020304" pitchFamily="18" charset="0"/>
+                          <a:ea typeface="宋体" panose="02010600030101010101" pitchFamily="2" charset="-122"/>
+                        </a:rPr>
+                        <a:t>丁香园</a:t>
+                      </a:r>
+                    </a:p>
+                  </a:txBody>
+                  <a:tcPr>
+                    <a:lnL w="12700" cap="flat" cmpd="sng" algn="ctr">
+                      <a:solidFill>
+                        <a:schemeClr val="tx1"/>
+                      </a:solidFill>
+                      <a:prstDash val="solid"/>
+                      <a:round/>
+                      <a:headEnd type="none" w="med" len="med"/>
+                      <a:tailEnd type="none" w="med" len="med"/>
+                    </a:lnL>
+                    <a:lnR w="12700" cap="flat" cmpd="sng" algn="ctr">
+                      <a:solidFill>
+                        <a:schemeClr val="tx1"/>
+                      </a:solidFill>
+                      <a:prstDash val="solid"/>
+                      <a:round/>
+                      <a:headEnd type="none" w="med" len="med"/>
+                      <a:tailEnd type="none" w="med" len="med"/>
+                    </a:lnR>
+                    <a:lnT w="12700" cap="flat" cmpd="sng" algn="ctr">
+                      <a:solidFill>
+                        <a:schemeClr val="tx1"/>
+                      </a:solidFill>
+                      <a:prstDash val="solid"/>
+                      <a:round/>
+                      <a:headEnd type="none" w="med" len="med"/>
+                      <a:tailEnd type="none" w="med" len="med"/>
+                    </a:lnT>
+                    <a:lnB w="12700" cap="flat" cmpd="sng" algn="ctr">
+                      <a:solidFill>
+                        <a:schemeClr val="tx1"/>
+                      </a:solidFill>
+                      <a:prstDash val="solid"/>
+                      <a:round/>
+                      <a:headEnd type="none" w="med" len="med"/>
+                      <a:tailEnd type="none" w="med" len="med"/>
+                    </a:lnB>
+                    <a:solidFill>
+                      <a:schemeClr val="bg1"/>
+                    </a:solidFill>
+                  </a:tcPr>
+                </a:tc>
+                <a:tc>
+                  <a:txBody>
+                    <a:bodyPr/>
+                    <a:lstStyle/>
+                    <a:p>
+                      <a:pPr algn="ctr"/>
+                      <a:r>
+                        <a:rPr lang="zh-CN" altLang="en-US" sz="2400" b="0" i="0" baseline="0" dirty="0">
+                          <a:solidFill>
+                            <a:schemeClr val="tx1"/>
+                          </a:solidFill>
+                          <a:latin typeface="Times New Roman" panose="02020603050405020304" pitchFamily="18" charset="0"/>
+                          <a:ea typeface="宋体" panose="02010600030101010101" pitchFamily="2" charset="-122"/>
+                        </a:rPr>
+                        <a:t>好大夫</a:t>
+                      </a:r>
+                    </a:p>
+                  </a:txBody>
+                  <a:tcPr>
+                    <a:lnL w="12700" cap="flat" cmpd="sng" algn="ctr">
+                      <a:solidFill>
+                        <a:schemeClr val="tx1"/>
+                      </a:solidFill>
+                      <a:prstDash val="solid"/>
+                      <a:round/>
+                      <a:headEnd type="none" w="med" len="med"/>
+                      <a:tailEnd type="none" w="med" len="med"/>
+                    </a:lnL>
+                    <a:lnR w="12700" cap="flat" cmpd="sng" algn="ctr">
+                      <a:solidFill>
+                        <a:schemeClr val="tx1"/>
+                      </a:solidFill>
+                      <a:prstDash val="solid"/>
+                      <a:round/>
+                      <a:headEnd type="none" w="med" len="med"/>
+                      <a:tailEnd type="none" w="med" len="med"/>
+                    </a:lnR>
+                    <a:lnT w="12700" cap="flat" cmpd="sng" algn="ctr">
+                      <a:solidFill>
+                        <a:schemeClr val="tx1"/>
+                      </a:solidFill>
+                      <a:prstDash val="solid"/>
+                      <a:round/>
+                      <a:headEnd type="none" w="med" len="med"/>
+                      <a:tailEnd type="none" w="med" len="med"/>
+                    </a:lnT>
+                    <a:lnB w="12700" cap="flat" cmpd="sng" algn="ctr">
+                      <a:solidFill>
+                        <a:schemeClr val="tx1"/>
+                      </a:solidFill>
+                      <a:prstDash val="solid"/>
+                      <a:round/>
+                      <a:headEnd type="none" w="med" len="med"/>
+                      <a:tailEnd type="none" w="med" len="med"/>
+                    </a:lnB>
+                    <a:solidFill>
+                      <a:schemeClr val="bg1"/>
+                    </a:solidFill>
+                  </a:tcPr>
+                </a:tc>
+                <a:extLst>
+                  <a:ext uri="{0D108BD9-81ED-4DB2-BD59-A6C34878D82A}">
+                    <a16:rowId xmlns:a16="http://schemas.microsoft.com/office/drawing/2014/main" val="4178603067"/>
+                  </a:ext>
+                </a:extLst>
+              </a:tr>
+              <a:tr h="647065">
+                <a:tc>
+                  <a:txBody>
+                    <a:bodyPr/>
+                    <a:lstStyle/>
+                    <a:p>
+                      <a:pPr algn="ctr"/>
+                      <a:r>
+                        <a:rPr lang="zh-CN" altLang="en-US" sz="2400" b="0" i="0" baseline="0" dirty="0">
+                          <a:solidFill>
+                            <a:schemeClr val="tx1"/>
+                          </a:solidFill>
+                          <a:latin typeface="Times New Roman" panose="02020603050405020304" pitchFamily="18" charset="0"/>
+                          <a:ea typeface="宋体" panose="02010600030101010101" pitchFamily="2" charset="-122"/>
+                        </a:rPr>
+                        <a:t>记录数</a:t>
+                      </a:r>
+                    </a:p>
+                  </a:txBody>
+                  <a:tcPr>
+                    <a:lnL w="12700" cap="flat" cmpd="sng" algn="ctr">
+                      <a:solidFill>
+                        <a:schemeClr val="tx1"/>
+                      </a:solidFill>
+                      <a:prstDash val="solid"/>
+                      <a:round/>
+                      <a:headEnd type="none" w="med" len="med"/>
+                      <a:tailEnd type="none" w="med" len="med"/>
+                    </a:lnL>
+                    <a:lnR w="12700" cap="flat" cmpd="sng" algn="ctr">
+                      <a:solidFill>
+                        <a:schemeClr val="tx1"/>
+                      </a:solidFill>
+                      <a:prstDash val="solid"/>
+                      <a:round/>
+                      <a:headEnd type="none" w="med" len="med"/>
+                      <a:tailEnd type="none" w="med" len="med"/>
+                    </a:lnR>
+                    <a:lnT w="12700" cap="flat" cmpd="sng" algn="ctr">
+                      <a:solidFill>
+                        <a:schemeClr val="tx1"/>
+                      </a:solidFill>
+                      <a:prstDash val="solid"/>
+                      <a:round/>
+                      <a:headEnd type="none" w="med" len="med"/>
+                      <a:tailEnd type="none" w="med" len="med"/>
+                    </a:lnT>
+                    <a:lnB w="12700" cap="flat" cmpd="sng" algn="ctr">
+                      <a:solidFill>
+                        <a:schemeClr val="tx1"/>
+                      </a:solidFill>
+                      <a:prstDash val="solid"/>
+                      <a:round/>
+                      <a:headEnd type="none" w="med" len="med"/>
+                      <a:tailEnd type="none" w="med" len="med"/>
+                    </a:lnB>
+                    <a:solidFill>
+                      <a:schemeClr val="bg1"/>
+                    </a:solidFill>
+                  </a:tcPr>
+                </a:tc>
+                <a:tc>
+                  <a:txBody>
+                    <a:bodyPr/>
+                    <a:lstStyle/>
+                    <a:p>
+                      <a:pPr algn="ctr"/>
+                      <a:r>
+                        <a:rPr lang="en-US" altLang="zh-CN" sz="2400" b="0" i="0" baseline="0" dirty="0">
+                          <a:solidFill>
+                            <a:schemeClr val="tx1"/>
+                          </a:solidFill>
+                          <a:latin typeface="Times New Roman" panose="02020603050405020304" pitchFamily="18" charset="0"/>
+                          <a:ea typeface="宋体" panose="02010600030101010101" pitchFamily="2" charset="-122"/>
+                        </a:rPr>
+                        <a:t>6737210</a:t>
+                      </a:r>
+                      <a:endParaRPr lang="zh-CN" altLang="en-US" sz="2400" b="0" i="0" baseline="0" dirty="0">
+                        <a:solidFill>
+                          <a:schemeClr val="tx1"/>
+                        </a:solidFill>
+                        <a:latin typeface="Times New Roman" panose="02020603050405020304" pitchFamily="18" charset="0"/>
+                        <a:ea typeface="宋体" panose="02010600030101010101" pitchFamily="2" charset="-122"/>
+                      </a:endParaRPr>
+                    </a:p>
+                  </a:txBody>
+                  <a:tcPr>
+                    <a:lnL w="12700" cap="flat" cmpd="sng" algn="ctr">
+                      <a:solidFill>
+                        <a:schemeClr val="tx1"/>
+                      </a:solidFill>
+                      <a:prstDash val="solid"/>
+                      <a:round/>
+                      <a:headEnd type="none" w="med" len="med"/>
+                      <a:tailEnd type="none" w="med" len="med"/>
+                    </a:lnL>
+                    <a:lnR w="12700" cap="flat" cmpd="sng" algn="ctr">
+                      <a:solidFill>
+                        <a:schemeClr val="tx1"/>
+                      </a:solidFill>
+                      <a:prstDash val="solid"/>
+                      <a:round/>
+                      <a:headEnd type="none" w="med" len="med"/>
+                      <a:tailEnd type="none" w="med" len="med"/>
+                    </a:lnR>
+                    <a:lnT w="12700" cap="flat" cmpd="sng" algn="ctr">
+                      <a:solidFill>
+                        <a:schemeClr val="tx1"/>
+                      </a:solidFill>
+                      <a:prstDash val="solid"/>
+                      <a:round/>
+                      <a:headEnd type="none" w="med" len="med"/>
+                      <a:tailEnd type="none" w="med" len="med"/>
+                    </a:lnT>
+                    <a:lnB w="12700" cap="flat" cmpd="sng" algn="ctr">
+                      <a:solidFill>
+                        <a:schemeClr val="tx1"/>
+                      </a:solidFill>
+                      <a:prstDash val="solid"/>
+                      <a:round/>
+                      <a:headEnd type="none" w="med" len="med"/>
+                      <a:tailEnd type="none" w="med" len="med"/>
+                    </a:lnB>
+                    <a:solidFill>
+                      <a:schemeClr val="bg1"/>
+                    </a:solidFill>
+                  </a:tcPr>
+                </a:tc>
+                <a:tc>
+                  <a:txBody>
+                    <a:bodyPr/>
+                    <a:lstStyle/>
+                    <a:p>
+                      <a:pPr algn="ctr"/>
+                      <a:r>
+                        <a:rPr lang="en-US" altLang="zh-CN" sz="2400" b="0" i="0" baseline="0" dirty="0">
+                          <a:solidFill>
+                            <a:schemeClr val="tx1"/>
+                          </a:solidFill>
+                          <a:latin typeface="Times New Roman" panose="02020603050405020304" pitchFamily="18" charset="0"/>
+                          <a:ea typeface="宋体" panose="02010600030101010101" pitchFamily="2" charset="-122"/>
+                        </a:rPr>
+                        <a:t>7609157</a:t>
+                      </a:r>
+                      <a:endParaRPr lang="zh-CN" altLang="en-US" sz="2400" b="0" i="0" baseline="0" dirty="0">
+                        <a:solidFill>
+                          <a:schemeClr val="tx1"/>
+                        </a:solidFill>
+                        <a:latin typeface="Times New Roman" panose="02020603050405020304" pitchFamily="18" charset="0"/>
+                        <a:ea typeface="宋体" panose="02010600030101010101" pitchFamily="2" charset="-122"/>
+                      </a:endParaRPr>
+                    </a:p>
+                  </a:txBody>
+                  <a:tcPr>
+                    <a:lnL w="12700" cap="flat" cmpd="sng" algn="ctr">
+                      <a:solidFill>
+                        <a:schemeClr val="tx1"/>
+                      </a:solidFill>
+                      <a:prstDash val="solid"/>
+                      <a:round/>
+                      <a:headEnd type="none" w="med" len="med"/>
+                      <a:tailEnd type="none" w="med" len="med"/>
+                    </a:lnL>
+                    <a:lnR w="12700" cap="flat" cmpd="sng" algn="ctr">
+                      <a:solidFill>
+                        <a:schemeClr val="tx1"/>
+                      </a:solidFill>
+                      <a:prstDash val="solid"/>
+                      <a:round/>
+                      <a:headEnd type="none" w="med" len="med"/>
+                      <a:tailEnd type="none" w="med" len="med"/>
+                    </a:lnR>
+                    <a:lnT w="12700" cap="flat" cmpd="sng" algn="ctr">
+                      <a:solidFill>
+                        <a:schemeClr val="tx1"/>
+                      </a:solidFill>
+                      <a:prstDash val="solid"/>
+                      <a:round/>
+                      <a:headEnd type="none" w="med" len="med"/>
+                      <a:tailEnd type="none" w="med" len="med"/>
+                    </a:lnT>
+                    <a:lnB w="12700" cap="flat" cmpd="sng" algn="ctr">
+                      <a:solidFill>
+                        <a:schemeClr val="tx1"/>
+                      </a:solidFill>
+                      <a:prstDash val="solid"/>
+                      <a:round/>
+                      <a:headEnd type="none" w="med" len="med"/>
+                      <a:tailEnd type="none" w="med" len="med"/>
+                    </a:lnB>
+                    <a:solidFill>
+                      <a:schemeClr val="bg1"/>
+                    </a:solidFill>
+                  </a:tcPr>
+                </a:tc>
+                <a:tc>
+                  <a:txBody>
+                    <a:bodyPr/>
+                    <a:lstStyle/>
+                    <a:p>
+                      <a:pPr algn="ctr"/>
+                      <a:r>
+                        <a:rPr lang="en-US" altLang="zh-CN" sz="2400" b="0" i="0" baseline="0" dirty="0">
+                          <a:solidFill>
+                            <a:schemeClr val="tx1"/>
+                          </a:solidFill>
+                          <a:latin typeface="Times New Roman" panose="02020603050405020304" pitchFamily="18" charset="0"/>
+                          <a:ea typeface="宋体" panose="02010600030101010101" pitchFamily="2" charset="-122"/>
+                        </a:rPr>
+                        <a:t>1458009</a:t>
+                      </a:r>
+                      <a:endParaRPr lang="zh-CN" altLang="en-US" sz="2400" b="0" i="0" baseline="0" dirty="0">
+                        <a:solidFill>
+                          <a:schemeClr val="tx1"/>
+                        </a:solidFill>
+                        <a:latin typeface="Times New Roman" panose="02020603050405020304" pitchFamily="18" charset="0"/>
+                        <a:ea typeface="宋体" panose="02010600030101010101" pitchFamily="2" charset="-122"/>
+                      </a:endParaRPr>
+                    </a:p>
+                  </a:txBody>
+                  <a:tcPr>
+                    <a:lnL w="12700" cap="flat" cmpd="sng" algn="ctr">
+                      <a:solidFill>
+                        <a:schemeClr val="tx1"/>
+                      </a:solidFill>
+                      <a:prstDash val="solid"/>
+                      <a:round/>
+                      <a:headEnd type="none" w="med" len="med"/>
+                      <a:tailEnd type="none" w="med" len="med"/>
+                    </a:lnL>
+                    <a:lnR w="12700" cap="flat" cmpd="sng" algn="ctr">
+                      <a:solidFill>
+                        <a:schemeClr val="tx1"/>
+                      </a:solidFill>
+                      <a:prstDash val="solid"/>
+                      <a:round/>
+                      <a:headEnd type="none" w="med" len="med"/>
+                      <a:tailEnd type="none" w="med" len="med"/>
+                    </a:lnR>
+                    <a:lnT w="12700" cap="flat" cmpd="sng" algn="ctr">
+                      <a:solidFill>
+                        <a:schemeClr val="tx1"/>
+                      </a:solidFill>
+                      <a:prstDash val="solid"/>
+                      <a:round/>
+                      <a:headEnd type="none" w="med" len="med"/>
+                      <a:tailEnd type="none" w="med" len="med"/>
+                    </a:lnT>
+                    <a:lnB w="12700" cap="flat" cmpd="sng" algn="ctr">
+                      <a:solidFill>
+                        <a:schemeClr val="tx1"/>
+                      </a:solidFill>
+                      <a:prstDash val="solid"/>
+                      <a:round/>
+                      <a:headEnd type="none" w="med" len="med"/>
+                      <a:tailEnd type="none" w="med" len="med"/>
+                    </a:lnB>
+                    <a:solidFill>
+                      <a:schemeClr val="bg1"/>
+                    </a:solidFill>
+                  </a:tcPr>
+                </a:tc>
+                <a:extLst>
+                  <a:ext uri="{0D108BD9-81ED-4DB2-BD59-A6C34878D82A}">
+                    <a16:rowId xmlns:a16="http://schemas.microsoft.com/office/drawing/2014/main" val="1192210918"/>
+                  </a:ext>
+                </a:extLst>
+              </a:tr>
+            </a:tbl>
+          </a:graphicData>
+        </a:graphic>
+      </p:graphicFrame>
+    </p:spTree>
+    <p:extLst>
+      <p:ext uri="{BB962C8B-B14F-4D97-AF65-F5344CB8AC3E}">
+        <p14:creationId xmlns:p14="http://schemas.microsoft.com/office/powerpoint/2010/main" val="1789941501"/>
+      </p:ext>
+    </p:extLst>
+  </p:cSld>
+  <p:clrMapOvr>
+    <a:masterClrMapping/>
+  </p:clrMapOvr>
+</p:sld>
+</file>
+
+<file path=ppt/slides/slide11.xml><?xml version="1.0" encoding="utf-8"?>
+<p:sld xmlns:a="http://schemas.openxmlformats.org/drawingml/2006/main" xmlns:r="http://schemas.openxmlformats.org/officeDocument/2006/relationships" xmlns:p="http://schemas.openxmlformats.org/presentationml/2006/main">
+  <p:cSld>
+    <p:spTree>
+      <p:nvGrpSpPr>
+        <p:cNvPr id="1" name=""/>
+        <p:cNvGrpSpPr/>
+        <p:nvPr/>
+      </p:nvGrpSpPr>
+      <p:grpSpPr>
+        <a:xfrm>
+          <a:off x="0" y="0"/>
+          <a:ext cx="0" cy="0"/>
+          <a:chOff x="0" y="0"/>
+          <a:chExt cx="0" cy="0"/>
+        </a:xfrm>
+      </p:grpSpPr>
+      <p:graphicFrame>
+        <p:nvGraphicFramePr>
+          <p:cNvPr id="6" name="图表 5">
+            <a:extLst>
+              <a:ext uri="{FF2B5EF4-FFF2-40B4-BE49-F238E27FC236}">
+                <a16:creationId xmlns:a16="http://schemas.microsoft.com/office/drawing/2014/main" id="{1555A64D-2D05-49B8-B9C1-B4A88F79C793}"/>
+              </a:ext>
+            </a:extLst>
+          </p:cNvPr>
+          <p:cNvGraphicFramePr/>
+          <p:nvPr>
+            <p:extLst>
+              <p:ext uri="{D42A27DB-BD31-4B8C-83A1-F6EECF244321}">
+                <p14:modId xmlns:p14="http://schemas.microsoft.com/office/powerpoint/2010/main" val="2032514251"/>
+              </p:ext>
+            </p:extLst>
+          </p:nvPr>
+        </p:nvGraphicFramePr>
+        <p:xfrm>
+          <a:off x="2032000" y="719668"/>
+          <a:ext cx="8316332" cy="5168176"/>
+        </p:xfrm>
+        <a:graphic>
+          <a:graphicData uri="http://schemas.openxmlformats.org/drawingml/2006/chart">
+            <c:chart xmlns:c="http://schemas.openxmlformats.org/drawingml/2006/chart" xmlns:r="http://schemas.openxmlformats.org/officeDocument/2006/relationships" r:id="rId2"/>
+          </a:graphicData>
+        </a:graphic>
+      </p:graphicFrame>
+    </p:spTree>
+    <p:extLst>
+      <p:ext uri="{BB962C8B-B14F-4D97-AF65-F5344CB8AC3E}">
+        <p14:creationId xmlns:p14="http://schemas.microsoft.com/office/powerpoint/2010/main" val="3761889465"/>
+      </p:ext>
+    </p:extLst>
+  </p:cSld>
+  <p:clrMapOvr>
+    <a:masterClrMapping/>
+  </p:clrMapOvr>
+</p:sld>
+</file>
+
+<file path=ppt/slides/slide12.xml><?xml version="1.0" encoding="utf-8"?>
+<p:sld xmlns:a="http://schemas.openxmlformats.org/drawingml/2006/main" xmlns:r="http://schemas.openxmlformats.org/officeDocument/2006/relationships" xmlns:p="http://schemas.openxmlformats.org/presentationml/2006/main">
+  <p:cSld>
+    <p:spTree>
+      <p:nvGrpSpPr>
+        <p:cNvPr id="1" name=""/>
+        <p:cNvGrpSpPr/>
+        <p:nvPr/>
+      </p:nvGrpSpPr>
+      <p:grpSpPr>
+        <a:xfrm>
+          <a:off x="0" y="0"/>
+          <a:ext cx="0" cy="0"/>
+          <a:chOff x="0" y="0"/>
+          <a:chExt cx="0" cy="0"/>
+        </a:xfrm>
+      </p:grpSpPr>
+      <p:graphicFrame>
+        <p:nvGraphicFramePr>
+          <p:cNvPr id="4" name="表格 4">
+            <a:extLst>
+              <a:ext uri="{FF2B5EF4-FFF2-40B4-BE49-F238E27FC236}">
+                <a16:creationId xmlns:a16="http://schemas.microsoft.com/office/drawing/2014/main" id="{F8DEC188-30F8-472B-8ACB-B03B48096196}"/>
+              </a:ext>
+            </a:extLst>
+          </p:cNvPr>
+          <p:cNvGraphicFramePr>
+            <a:graphicFrameLocks noGrp="1"/>
+          </p:cNvGraphicFramePr>
+          <p:nvPr>
+            <p:extLst>
+              <p:ext uri="{D42A27DB-BD31-4B8C-83A1-F6EECF244321}">
+                <p14:modId xmlns:p14="http://schemas.microsoft.com/office/powerpoint/2010/main" val="786423568"/>
+              </p:ext>
+            </p:extLst>
+          </p:nvPr>
+        </p:nvGraphicFramePr>
+        <p:xfrm>
+          <a:off x="973666" y="2270535"/>
+          <a:ext cx="10244668" cy="2694736"/>
+        </p:xfrm>
+        <a:graphic>
+          <a:graphicData uri="http://schemas.openxmlformats.org/drawingml/2006/table">
+            <a:tbl>
+              <a:tblPr firstRow="1" bandRow="1">
+                <a:tableStyleId>{5C22544A-7EE6-4342-B048-85BDC9FD1C3A}</a:tableStyleId>
+              </a:tblPr>
+              <a:tblGrid>
+                <a:gridCol w="4022907">
+                  <a:extLst>
+                    <a:ext uri="{9D8B030D-6E8A-4147-A177-3AD203B41FA5}">
+                      <a16:colId xmlns:a16="http://schemas.microsoft.com/office/drawing/2014/main" val="1977760504"/>
+                    </a:ext>
+                  </a:extLst>
+                </a:gridCol>
+                <a:gridCol w="6221761">
+                  <a:extLst>
+                    <a:ext uri="{9D8B030D-6E8A-4147-A177-3AD203B41FA5}">
+                      <a16:colId xmlns:a16="http://schemas.microsoft.com/office/drawing/2014/main" val="3029202704"/>
+                    </a:ext>
+                  </a:extLst>
+                </a:gridCol>
+              </a:tblGrid>
+              <a:tr h="469696">
+                <a:tc>
+                  <a:txBody>
+                    <a:bodyPr/>
+                    <a:lstStyle/>
+                    <a:p>
+                      <a:pPr algn="ctr"/>
+                      <a:r>
+                        <a:rPr lang="zh-CN" altLang="en-US" sz="2000" b="1" i="0" baseline="0" dirty="0">
+                          <a:solidFill>
+                            <a:schemeClr val="tx1"/>
+                          </a:solidFill>
+                          <a:latin typeface="Times New Roman" panose="02020603050405020304" pitchFamily="18" charset="0"/>
+                          <a:ea typeface="宋体" panose="02010600030101010101" pitchFamily="2" charset="-122"/>
+                        </a:rPr>
+                        <a:t>科室</a:t>
+                      </a:r>
+                    </a:p>
+                  </a:txBody>
+                  <a:tcPr>
+                    <a:lnL w="12700" cap="flat" cmpd="sng" algn="ctr">
+                      <a:noFill/>
+                      <a:prstDash val="solid"/>
+                      <a:round/>
+                      <a:headEnd type="none" w="med" len="med"/>
+                      <a:tailEnd type="none" w="med" len="med"/>
+                    </a:lnL>
+                    <a:lnR w="12700" cap="flat" cmpd="sng" algn="ctr">
+                      <a:noFill/>
+                      <a:prstDash val="solid"/>
+                      <a:round/>
+                      <a:headEnd type="none" w="med" len="med"/>
+                      <a:tailEnd type="none" w="med" len="med"/>
+                    </a:lnR>
+                    <a:lnT w="12700" cap="flat" cmpd="sng" algn="ctr">
+                      <a:solidFill>
+                        <a:schemeClr val="tx1"/>
+                      </a:solidFill>
+                      <a:prstDash val="solid"/>
+                      <a:round/>
+                      <a:headEnd type="none" w="med" len="med"/>
+                      <a:tailEnd type="none" w="med" len="med"/>
+                    </a:lnT>
+                    <a:lnB w="12700" cap="flat" cmpd="sng" algn="ctr">
+                      <a:solidFill>
+                        <a:schemeClr val="tx1"/>
+                      </a:solidFill>
+                      <a:prstDash val="solid"/>
+                      <a:round/>
+                      <a:headEnd type="none" w="med" len="med"/>
+                      <a:tailEnd type="none" w="med" len="med"/>
+                    </a:lnB>
+                    <a:lnTlToBr w="12700" cmpd="sng">
+                      <a:noFill/>
+                      <a:prstDash val="solid"/>
+                    </a:lnTlToBr>
+                    <a:lnBlToTr w="12700" cmpd="sng">
+                      <a:noFill/>
+                      <a:prstDash val="solid"/>
+                    </a:lnBlToTr>
+                    <a:solidFill>
+                      <a:schemeClr val="bg1"/>
+                    </a:solidFill>
+                  </a:tcPr>
+                </a:tc>
+                <a:tc>
+                  <a:txBody>
+                    <a:bodyPr/>
+                    <a:lstStyle/>
+                    <a:p>
+                      <a:pPr algn="ctr"/>
+                      <a:r>
+                        <a:rPr lang="zh-CN" altLang="en-US" sz="2000" b="1" i="0" baseline="0" dirty="0">
+                          <a:solidFill>
+                            <a:schemeClr val="tx1"/>
+                          </a:solidFill>
+                          <a:latin typeface="Times New Roman" panose="02020603050405020304" pitchFamily="18" charset="0"/>
+                          <a:ea typeface="宋体" panose="02010600030101010101" pitchFamily="2" charset="-122"/>
+                        </a:rPr>
+                        <a:t>症状</a:t>
+                      </a:r>
+                    </a:p>
+                  </a:txBody>
+                  <a:tcPr>
+                    <a:lnL w="12700" cap="flat" cmpd="sng" algn="ctr">
+                      <a:noFill/>
+                      <a:prstDash val="solid"/>
+                      <a:round/>
+                      <a:headEnd type="none" w="med" len="med"/>
+                      <a:tailEnd type="none" w="med" len="med"/>
+                    </a:lnL>
+                    <a:lnR w="12700" cap="flat" cmpd="sng" algn="ctr">
+                      <a:noFill/>
+                      <a:prstDash val="solid"/>
+                      <a:round/>
+                      <a:headEnd type="none" w="med" len="med"/>
+                      <a:tailEnd type="none" w="med" len="med"/>
+                    </a:lnR>
+                    <a:lnT w="12700" cap="flat" cmpd="sng" algn="ctr">
+                      <a:solidFill>
+                        <a:schemeClr val="tx1"/>
+                      </a:solidFill>
+                      <a:prstDash val="solid"/>
+                      <a:round/>
+                      <a:headEnd type="none" w="med" len="med"/>
+                      <a:tailEnd type="none" w="med" len="med"/>
+                    </a:lnT>
+                    <a:lnB w="12700" cap="flat" cmpd="sng" algn="ctr">
+                      <a:solidFill>
+                        <a:schemeClr val="tx1"/>
+                      </a:solidFill>
+                      <a:prstDash val="solid"/>
+                      <a:round/>
+                      <a:headEnd type="none" w="med" len="med"/>
+                      <a:tailEnd type="none" w="med" len="med"/>
+                    </a:lnB>
+                    <a:lnTlToBr w="12700" cmpd="sng">
+                      <a:noFill/>
+                      <a:prstDash val="solid"/>
+                    </a:lnTlToBr>
+                    <a:lnBlToTr w="12700" cmpd="sng">
+                      <a:noFill/>
+                      <a:prstDash val="solid"/>
+                    </a:lnBlToTr>
+                    <a:solidFill>
+                      <a:schemeClr val="bg1"/>
+                    </a:solidFill>
+                  </a:tcPr>
+                </a:tc>
+                <a:extLst>
+                  <a:ext uri="{0D108BD9-81ED-4DB2-BD59-A6C34878D82A}">
+                    <a16:rowId xmlns:a16="http://schemas.microsoft.com/office/drawing/2014/main" val="3787481754"/>
+                  </a:ext>
+                </a:extLst>
+              </a:tr>
+              <a:tr h="1951169">
+                <a:tc>
+                  <a:txBody>
+                    <a:bodyPr/>
+                    <a:lstStyle/>
+                    <a:p>
+                      <a:pPr algn="ctr"/>
+                      <a:r>
+                        <a:rPr lang="zh-CN" altLang="en-US" sz="2000" b="0" i="0" baseline="0" dirty="0">
+                          <a:solidFill>
+                            <a:schemeClr val="tx1"/>
+                          </a:solidFill>
+                          <a:latin typeface="Times New Roman" panose="02020603050405020304" pitchFamily="18" charset="0"/>
+                          <a:ea typeface="宋体" panose="02010600030101010101" pitchFamily="2" charset="-122"/>
+                        </a:rPr>
+                        <a:t>内科</a:t>
+                      </a:r>
+                    </a:p>
+                  </a:txBody>
+                  <a:tcPr>
+                    <a:lnL w="12700" cap="flat" cmpd="sng" algn="ctr">
+                      <a:noFill/>
+                      <a:prstDash val="solid"/>
+                      <a:round/>
+                      <a:headEnd type="none" w="med" len="med"/>
+                      <a:tailEnd type="none" w="med" len="med"/>
+                    </a:lnL>
+                    <a:lnR w="12700" cap="flat" cmpd="sng" algn="ctr">
+                      <a:noFill/>
+                      <a:prstDash val="solid"/>
+                      <a:round/>
+                      <a:headEnd type="none" w="med" len="med"/>
+                      <a:tailEnd type="none" w="med" len="med"/>
+                    </a:lnR>
+                    <a:lnT w="12700" cap="flat" cmpd="sng" algn="ctr">
+                      <a:solidFill>
+                        <a:schemeClr val="tx1"/>
+                      </a:solidFill>
+                      <a:prstDash val="solid"/>
+                      <a:round/>
+                      <a:headEnd type="none" w="med" len="med"/>
+                      <a:tailEnd type="none" w="med" len="med"/>
+                    </a:lnT>
+                    <a:lnB w="12700" cap="flat" cmpd="sng" algn="ctr">
+                      <a:solidFill>
+                        <a:schemeClr val="tx1"/>
+                      </a:solidFill>
+                      <a:prstDash val="solid"/>
+                      <a:round/>
+                      <a:headEnd type="none" w="med" len="med"/>
+                      <a:tailEnd type="none" w="med" len="med"/>
+                    </a:lnB>
+                    <a:lnTlToBr w="12700" cmpd="sng">
+                      <a:noFill/>
+                      <a:prstDash val="solid"/>
+                    </a:lnTlToBr>
+                    <a:lnBlToTr w="12700" cmpd="sng">
+                      <a:noFill/>
+                      <a:prstDash val="solid"/>
+                    </a:lnBlToTr>
+                    <a:solidFill>
+                      <a:schemeClr val="bg1"/>
+                    </a:solidFill>
+                  </a:tcPr>
+                </a:tc>
+                <a:tc>
+                  <a:txBody>
+                    <a:bodyPr/>
+                    <a:lstStyle/>
+                    <a:p>
+                      <a:r>
+                        <a:rPr lang="en-US" altLang="zh-CN" sz="2000" b="0" i="0" baseline="0" dirty="0">
+                          <a:solidFill>
+                            <a:schemeClr val="tx1"/>
+                          </a:solidFill>
+                          <a:latin typeface="Times New Roman" panose="02020603050405020304" pitchFamily="18" charset="0"/>
+                          <a:ea typeface="宋体" panose="02010600030101010101" pitchFamily="2" charset="-122"/>
+                        </a:rPr>
+                        <a:t>1 </a:t>
+                      </a:r>
+                      <a:r>
+                        <a:rPr lang="zh-CN" altLang="en-US" sz="2000" b="0" i="0" baseline="0" dirty="0">
+                          <a:solidFill>
+                            <a:schemeClr val="tx1"/>
+                          </a:solidFill>
+                          <a:latin typeface="Times New Roman" panose="02020603050405020304" pitchFamily="18" charset="0"/>
+                          <a:ea typeface="宋体" panose="02010600030101010101" pitchFamily="2" charset="-122"/>
+                        </a:rPr>
+                        <a:t>头晕 </a:t>
+                      </a:r>
+                      <a:r>
+                        <a:rPr lang="en-US" altLang="zh-CN" sz="2000" b="0" i="0" baseline="0" dirty="0">
+                          <a:solidFill>
+                            <a:schemeClr val="tx1"/>
+                          </a:solidFill>
+                          <a:latin typeface="Times New Roman" panose="02020603050405020304" pitchFamily="18" charset="0"/>
+                          <a:ea typeface="宋体" panose="02010600030101010101" pitchFamily="2" charset="-122"/>
+                        </a:rPr>
+                        <a:t>2 </a:t>
+                      </a:r>
+                      <a:r>
+                        <a:rPr lang="zh-CN" altLang="en-US" sz="2000" b="0" i="0" baseline="0" dirty="0">
+                          <a:solidFill>
+                            <a:schemeClr val="tx1"/>
+                          </a:solidFill>
+                          <a:latin typeface="Times New Roman" panose="02020603050405020304" pitchFamily="18" charset="0"/>
+                          <a:ea typeface="宋体" panose="02010600030101010101" pitchFamily="2" charset="-122"/>
+                        </a:rPr>
+                        <a:t>头痛 </a:t>
+                      </a:r>
+                      <a:r>
+                        <a:rPr lang="en-US" altLang="zh-CN" sz="2000" b="0" i="0" baseline="0" dirty="0">
+                          <a:solidFill>
+                            <a:schemeClr val="tx1"/>
+                          </a:solidFill>
+                          <a:latin typeface="Times New Roman" panose="02020603050405020304" pitchFamily="18" charset="0"/>
+                          <a:ea typeface="宋体" panose="02010600030101010101" pitchFamily="2" charset="-122"/>
+                        </a:rPr>
+                        <a:t>3 </a:t>
+                      </a:r>
+                      <a:r>
+                        <a:rPr lang="zh-CN" altLang="en-US" sz="2000" b="0" i="0" baseline="0" dirty="0">
+                          <a:solidFill>
+                            <a:schemeClr val="tx1"/>
+                          </a:solidFill>
+                          <a:latin typeface="Times New Roman" panose="02020603050405020304" pitchFamily="18" charset="0"/>
+                          <a:ea typeface="宋体" panose="02010600030101010101" pitchFamily="2" charset="-122"/>
+                        </a:rPr>
+                        <a:t>颈项僵硬 </a:t>
+                      </a:r>
+                      <a:r>
+                        <a:rPr lang="en-US" altLang="zh-CN" sz="2000" b="0" i="0" baseline="0" dirty="0">
+                          <a:solidFill>
+                            <a:schemeClr val="tx1"/>
+                          </a:solidFill>
+                          <a:latin typeface="Times New Roman" panose="02020603050405020304" pitchFamily="18" charset="0"/>
+                          <a:ea typeface="宋体" panose="02010600030101010101" pitchFamily="2" charset="-122"/>
+                        </a:rPr>
+                        <a:t>4 </a:t>
+                      </a:r>
+                      <a:r>
+                        <a:rPr lang="zh-CN" altLang="en-US" sz="2000" b="0" i="0" baseline="0" dirty="0">
+                          <a:solidFill>
+                            <a:schemeClr val="tx1"/>
+                          </a:solidFill>
+                          <a:latin typeface="Times New Roman" panose="02020603050405020304" pitchFamily="18" charset="0"/>
+                          <a:ea typeface="宋体" panose="02010600030101010101" pitchFamily="2" charset="-122"/>
+                        </a:rPr>
+                        <a:t>疲劳 </a:t>
+                      </a:r>
+                      <a:r>
+                        <a:rPr lang="en-US" altLang="zh-CN" sz="2000" b="0" i="0" baseline="0" dirty="0">
+                          <a:solidFill>
+                            <a:schemeClr val="tx1"/>
+                          </a:solidFill>
+                          <a:latin typeface="Times New Roman" panose="02020603050405020304" pitchFamily="18" charset="0"/>
+                          <a:ea typeface="宋体" panose="02010600030101010101" pitchFamily="2" charset="-122"/>
+                        </a:rPr>
+                        <a:t>5 </a:t>
+                      </a:r>
+                      <a:r>
+                        <a:rPr lang="zh-CN" altLang="en-US" sz="2000" b="0" i="0" baseline="0" dirty="0">
+                          <a:solidFill>
+                            <a:schemeClr val="tx1"/>
+                          </a:solidFill>
+                          <a:latin typeface="Times New Roman" panose="02020603050405020304" pitchFamily="18" charset="0"/>
+                          <a:ea typeface="宋体" panose="02010600030101010101" pitchFamily="2" charset="-122"/>
+                        </a:rPr>
+                        <a:t>心悸 </a:t>
+                      </a:r>
+                      <a:r>
+                        <a:rPr lang="en-US" altLang="zh-CN" sz="2000" b="0" i="0" baseline="0" dirty="0">
+                          <a:solidFill>
+                            <a:schemeClr val="tx1"/>
+                          </a:solidFill>
+                          <a:latin typeface="Times New Roman" panose="02020603050405020304" pitchFamily="18" charset="0"/>
+                          <a:ea typeface="宋体" panose="02010600030101010101" pitchFamily="2" charset="-122"/>
+                        </a:rPr>
+                        <a:t>6 </a:t>
+                      </a:r>
+                      <a:r>
+                        <a:rPr lang="zh-CN" altLang="en-US" sz="2000" b="0" i="0" baseline="0" dirty="0">
+                          <a:solidFill>
+                            <a:schemeClr val="tx1"/>
+                          </a:solidFill>
+                          <a:latin typeface="Times New Roman" panose="02020603050405020304" pitchFamily="18" charset="0"/>
+                          <a:ea typeface="宋体" panose="02010600030101010101" pitchFamily="2" charset="-122"/>
+                        </a:rPr>
+                        <a:t>持续性紧张 </a:t>
+                      </a:r>
+                      <a:r>
+                        <a:rPr lang="en-US" altLang="zh-CN" sz="2000" b="0" i="0" baseline="0" dirty="0">
+                          <a:solidFill>
+                            <a:schemeClr val="tx1"/>
+                          </a:solidFill>
+                          <a:latin typeface="Times New Roman" panose="02020603050405020304" pitchFamily="18" charset="0"/>
+                          <a:ea typeface="宋体" panose="02010600030101010101" pitchFamily="2" charset="-122"/>
+                        </a:rPr>
+                        <a:t>7 </a:t>
+                      </a:r>
+                      <a:r>
+                        <a:rPr lang="zh-CN" altLang="en-US" sz="2000" b="0" i="0" baseline="0" dirty="0">
+                          <a:solidFill>
+                            <a:schemeClr val="tx1"/>
+                          </a:solidFill>
+                          <a:latin typeface="Times New Roman" panose="02020603050405020304" pitchFamily="18" charset="0"/>
+                          <a:ea typeface="宋体" panose="02010600030101010101" pitchFamily="2" charset="-122"/>
+                        </a:rPr>
+                        <a:t>夜间睡眠不安 </a:t>
+                      </a:r>
+                      <a:r>
+                        <a:rPr lang="en-US" altLang="zh-CN" sz="2000" b="0" i="0" baseline="0" dirty="0">
+                          <a:solidFill>
+                            <a:schemeClr val="tx1"/>
+                          </a:solidFill>
+                          <a:latin typeface="Times New Roman" panose="02020603050405020304" pitchFamily="18" charset="0"/>
+                          <a:ea typeface="宋体" panose="02010600030101010101" pitchFamily="2" charset="-122"/>
+                        </a:rPr>
+                        <a:t>8 </a:t>
+                      </a:r>
+                      <a:r>
+                        <a:rPr lang="zh-CN" altLang="en-US" sz="2000" b="0" i="0" baseline="0" dirty="0">
+                          <a:solidFill>
+                            <a:schemeClr val="tx1"/>
+                          </a:solidFill>
+                          <a:latin typeface="Times New Roman" panose="02020603050405020304" pitchFamily="18" charset="0"/>
+                          <a:ea typeface="宋体" panose="02010600030101010101" pitchFamily="2" charset="-122"/>
+                        </a:rPr>
+                        <a:t>多梦 </a:t>
+                      </a:r>
+                      <a:r>
+                        <a:rPr lang="en-US" altLang="zh-CN" sz="2000" b="0" i="0" baseline="0" dirty="0">
+                          <a:solidFill>
+                            <a:schemeClr val="tx1"/>
+                          </a:solidFill>
+                          <a:latin typeface="Times New Roman" panose="02020603050405020304" pitchFamily="18" charset="0"/>
+                          <a:ea typeface="宋体" panose="02010600030101010101" pitchFamily="2" charset="-122"/>
+                        </a:rPr>
+                        <a:t>9 </a:t>
+                      </a:r>
+                      <a:r>
+                        <a:rPr lang="zh-CN" altLang="en-US" sz="2000" b="0" i="0" baseline="0" dirty="0">
+                          <a:solidFill>
+                            <a:schemeClr val="tx1"/>
+                          </a:solidFill>
+                          <a:latin typeface="Times New Roman" panose="02020603050405020304" pitchFamily="18" charset="0"/>
+                          <a:ea typeface="宋体" panose="02010600030101010101" pitchFamily="2" charset="-122"/>
+                        </a:rPr>
+                        <a:t>早醒 </a:t>
+                      </a:r>
+                      <a:r>
+                        <a:rPr lang="en-US" altLang="zh-CN" sz="2000" b="0" i="0" baseline="0" dirty="0">
+                          <a:solidFill>
+                            <a:schemeClr val="tx1"/>
+                          </a:solidFill>
+                          <a:latin typeface="Times New Roman" panose="02020603050405020304" pitchFamily="18" charset="0"/>
+                          <a:ea typeface="宋体" panose="02010600030101010101" pitchFamily="2" charset="-122"/>
+                        </a:rPr>
+                        <a:t>10 </a:t>
+                      </a:r>
+                      <a:r>
+                        <a:rPr lang="zh-CN" altLang="en-US" sz="2000" b="0" i="0" baseline="0" dirty="0">
+                          <a:solidFill>
+                            <a:schemeClr val="tx1"/>
+                          </a:solidFill>
+                          <a:latin typeface="Times New Roman" panose="02020603050405020304" pitchFamily="18" charset="0"/>
+                          <a:ea typeface="宋体" panose="02010600030101010101" pitchFamily="2" charset="-122"/>
+                        </a:rPr>
+                        <a:t>鼻塞 </a:t>
+                      </a:r>
+                      <a:r>
+                        <a:rPr lang="en-US" altLang="zh-CN" sz="2000" b="0" i="0" baseline="0" dirty="0">
+                          <a:solidFill>
+                            <a:schemeClr val="tx1"/>
+                          </a:solidFill>
+                          <a:latin typeface="Times New Roman" panose="02020603050405020304" pitchFamily="18" charset="0"/>
+                          <a:ea typeface="宋体" panose="02010600030101010101" pitchFamily="2" charset="-122"/>
+                        </a:rPr>
+                        <a:t>11 </a:t>
+                      </a:r>
+                      <a:r>
+                        <a:rPr lang="zh-CN" altLang="en-US" sz="2000" b="0" i="0" baseline="0" dirty="0">
+                          <a:solidFill>
+                            <a:schemeClr val="tx1"/>
+                          </a:solidFill>
+                          <a:latin typeface="Times New Roman" panose="02020603050405020304" pitchFamily="18" charset="0"/>
+                          <a:ea typeface="宋体" panose="02010600030101010101" pitchFamily="2" charset="-122"/>
+                        </a:rPr>
+                        <a:t>流涕 </a:t>
+                      </a:r>
+                      <a:r>
+                        <a:rPr lang="en-US" altLang="zh-CN" sz="2000" b="0" i="0" baseline="0" dirty="0">
+                          <a:solidFill>
+                            <a:schemeClr val="tx1"/>
+                          </a:solidFill>
+                          <a:latin typeface="Times New Roman" panose="02020603050405020304" pitchFamily="18" charset="0"/>
+                          <a:ea typeface="宋体" panose="02010600030101010101" pitchFamily="2" charset="-122"/>
+                        </a:rPr>
+                        <a:t>12 </a:t>
+                      </a:r>
+                      <a:r>
+                        <a:rPr lang="zh-CN" altLang="en-US" sz="2000" b="0" i="0" baseline="0" dirty="0">
+                          <a:solidFill>
+                            <a:schemeClr val="tx1"/>
+                          </a:solidFill>
+                          <a:latin typeface="Times New Roman" panose="02020603050405020304" pitchFamily="18" charset="0"/>
+                          <a:ea typeface="宋体" panose="02010600030101010101" pitchFamily="2" charset="-122"/>
+                        </a:rPr>
+                        <a:t>乏力 </a:t>
+                      </a:r>
+                      <a:r>
+                        <a:rPr lang="en-US" altLang="zh-CN" sz="2000" b="0" i="0" baseline="0" dirty="0">
+                          <a:solidFill>
+                            <a:schemeClr val="tx1"/>
+                          </a:solidFill>
+                          <a:latin typeface="Times New Roman" panose="02020603050405020304" pitchFamily="18" charset="0"/>
+                          <a:ea typeface="宋体" panose="02010600030101010101" pitchFamily="2" charset="-122"/>
+                        </a:rPr>
+                        <a:t>13 </a:t>
+                      </a:r>
+                      <a:r>
+                        <a:rPr lang="zh-CN" altLang="en-US" sz="2000" b="0" i="0" baseline="0" dirty="0">
+                          <a:solidFill>
+                            <a:schemeClr val="tx1"/>
+                          </a:solidFill>
+                          <a:latin typeface="Times New Roman" panose="02020603050405020304" pitchFamily="18" charset="0"/>
+                          <a:ea typeface="宋体" panose="02010600030101010101" pitchFamily="2" charset="-122"/>
+                        </a:rPr>
+                        <a:t>咽喉疼痛 </a:t>
+                      </a:r>
+                      <a:r>
+                        <a:rPr lang="en-US" altLang="zh-CN" sz="2000" b="0" i="0" baseline="0" dirty="0">
+                          <a:solidFill>
+                            <a:schemeClr val="tx1"/>
+                          </a:solidFill>
+                          <a:latin typeface="Times New Roman" panose="02020603050405020304" pitchFamily="18" charset="0"/>
+                          <a:ea typeface="宋体" panose="02010600030101010101" pitchFamily="2" charset="-122"/>
+                        </a:rPr>
+                        <a:t>14 </a:t>
+                      </a:r>
+                      <a:r>
+                        <a:rPr lang="zh-CN" altLang="en-US" sz="2000" b="0" i="0" baseline="0" dirty="0">
+                          <a:solidFill>
+                            <a:schemeClr val="tx1"/>
+                          </a:solidFill>
+                          <a:latin typeface="Times New Roman" panose="02020603050405020304" pitchFamily="18" charset="0"/>
+                          <a:ea typeface="宋体" panose="02010600030101010101" pitchFamily="2" charset="-122"/>
+                        </a:rPr>
+                        <a:t>多尿 </a:t>
+                      </a:r>
+                      <a:r>
+                        <a:rPr lang="en-US" altLang="zh-CN" sz="2000" b="0" i="0" baseline="0" dirty="0">
+                          <a:solidFill>
+                            <a:schemeClr val="tx1"/>
+                          </a:solidFill>
+                          <a:latin typeface="Times New Roman" panose="02020603050405020304" pitchFamily="18" charset="0"/>
+                          <a:ea typeface="宋体" panose="02010600030101010101" pitchFamily="2" charset="-122"/>
+                        </a:rPr>
+                        <a:t>15 </a:t>
+                      </a:r>
+                      <a:r>
+                        <a:rPr lang="zh-CN" altLang="en-US" sz="2000" b="0" i="0" baseline="0" dirty="0">
+                          <a:solidFill>
+                            <a:schemeClr val="tx1"/>
+                          </a:solidFill>
+                          <a:latin typeface="Times New Roman" panose="02020603050405020304" pitchFamily="18" charset="0"/>
+                          <a:ea typeface="宋体" panose="02010600030101010101" pitchFamily="2" charset="-122"/>
+                        </a:rPr>
+                        <a:t>多饮 </a:t>
+                      </a:r>
+                      <a:r>
+                        <a:rPr lang="en-US" altLang="zh-CN" sz="2000" b="0" i="0" baseline="0" dirty="0">
+                          <a:solidFill>
+                            <a:schemeClr val="tx1"/>
+                          </a:solidFill>
+                          <a:latin typeface="Times New Roman" panose="02020603050405020304" pitchFamily="18" charset="0"/>
+                          <a:ea typeface="宋体" panose="02010600030101010101" pitchFamily="2" charset="-122"/>
+                        </a:rPr>
+                        <a:t>16 </a:t>
+                      </a:r>
+                      <a:r>
+                        <a:rPr lang="zh-CN" altLang="en-US" sz="2000" b="0" i="0" baseline="0" dirty="0">
+                          <a:solidFill>
+                            <a:schemeClr val="tx1"/>
+                          </a:solidFill>
+                          <a:latin typeface="Times New Roman" panose="02020603050405020304" pitchFamily="18" charset="0"/>
+                          <a:ea typeface="宋体" panose="02010600030101010101" pitchFamily="2" charset="-122"/>
+                        </a:rPr>
+                        <a:t>多食 </a:t>
+                      </a:r>
+                      <a:r>
+                        <a:rPr lang="en-US" altLang="zh-CN" sz="2000" b="0" i="0" baseline="0" dirty="0">
+                          <a:solidFill>
+                            <a:schemeClr val="tx1"/>
+                          </a:solidFill>
+                          <a:latin typeface="Times New Roman" panose="02020603050405020304" pitchFamily="18" charset="0"/>
+                          <a:ea typeface="宋体" panose="02010600030101010101" pitchFamily="2" charset="-122"/>
+                        </a:rPr>
+                        <a:t>17 </a:t>
+                      </a:r>
+                      <a:r>
+                        <a:rPr lang="zh-CN" altLang="en-US" sz="2000" b="0" i="0" baseline="0" dirty="0">
+                          <a:solidFill>
+                            <a:schemeClr val="tx1"/>
+                          </a:solidFill>
+                          <a:latin typeface="Times New Roman" panose="02020603050405020304" pitchFamily="18" charset="0"/>
+                          <a:ea typeface="宋体" panose="02010600030101010101" pitchFamily="2" charset="-122"/>
+                        </a:rPr>
+                        <a:t>消瘦 </a:t>
+                      </a:r>
+                      <a:r>
+                        <a:rPr lang="en-US" altLang="zh-CN" sz="2000" b="0" i="0" baseline="0" dirty="0">
+                          <a:solidFill>
+                            <a:schemeClr val="tx1"/>
+                          </a:solidFill>
+                          <a:latin typeface="Times New Roman" panose="02020603050405020304" pitchFamily="18" charset="0"/>
+                          <a:ea typeface="宋体" panose="02010600030101010101" pitchFamily="2" charset="-122"/>
+                        </a:rPr>
+                        <a:t>18 </a:t>
+                      </a:r>
+                      <a:r>
+                        <a:rPr lang="zh-CN" altLang="en-US" sz="2000" b="0" i="0" baseline="0" dirty="0">
+                          <a:solidFill>
+                            <a:schemeClr val="tx1"/>
+                          </a:solidFill>
+                          <a:latin typeface="Times New Roman" panose="02020603050405020304" pitchFamily="18" charset="0"/>
+                          <a:ea typeface="宋体" panose="02010600030101010101" pitchFamily="2" charset="-122"/>
+                        </a:rPr>
+                        <a:t>头昏 </a:t>
+                      </a:r>
+                      <a:r>
+                        <a:rPr lang="en-US" altLang="zh-CN" sz="2000" b="0" i="0" baseline="0" dirty="0">
+                          <a:solidFill>
+                            <a:schemeClr val="tx1"/>
+                          </a:solidFill>
+                          <a:latin typeface="Times New Roman" panose="02020603050405020304" pitchFamily="18" charset="0"/>
+                          <a:ea typeface="宋体" panose="02010600030101010101" pitchFamily="2" charset="-122"/>
+                        </a:rPr>
+                        <a:t>19 </a:t>
+                      </a:r>
+                      <a:r>
+                        <a:rPr lang="zh-CN" altLang="en-US" sz="2000" b="0" i="0" baseline="0" dirty="0">
+                          <a:solidFill>
+                            <a:schemeClr val="tx1"/>
+                          </a:solidFill>
+                          <a:latin typeface="Times New Roman" panose="02020603050405020304" pitchFamily="18" charset="0"/>
+                          <a:ea typeface="宋体" panose="02010600030101010101" pitchFamily="2" charset="-122"/>
+                        </a:rPr>
+                        <a:t>食欲不振 </a:t>
+                      </a:r>
+                      <a:r>
+                        <a:rPr lang="en-US" altLang="zh-CN" sz="2000" b="0" i="0" baseline="0" dirty="0">
+                          <a:solidFill>
+                            <a:schemeClr val="tx1"/>
+                          </a:solidFill>
+                          <a:latin typeface="Times New Roman" panose="02020603050405020304" pitchFamily="18" charset="0"/>
+                          <a:ea typeface="宋体" panose="02010600030101010101" pitchFamily="2" charset="-122"/>
+                        </a:rPr>
+                        <a:t>20 </a:t>
+                      </a:r>
+                      <a:r>
+                        <a:rPr lang="zh-CN" altLang="en-US" sz="2000" b="0" i="0" baseline="0" dirty="0">
+                          <a:solidFill>
+                            <a:schemeClr val="tx1"/>
+                          </a:solidFill>
+                          <a:latin typeface="Times New Roman" panose="02020603050405020304" pitchFamily="18" charset="0"/>
+                          <a:ea typeface="宋体" panose="02010600030101010101" pitchFamily="2" charset="-122"/>
+                        </a:rPr>
+                        <a:t>恶心 </a:t>
+                      </a:r>
+                      <a:r>
+                        <a:rPr lang="en-US" altLang="zh-CN" sz="2000" b="0" i="0" baseline="0" dirty="0">
+                          <a:solidFill>
+                            <a:schemeClr val="tx1"/>
+                          </a:solidFill>
+                          <a:latin typeface="Times New Roman" panose="02020603050405020304" pitchFamily="18" charset="0"/>
+                          <a:ea typeface="宋体" panose="02010600030101010101" pitchFamily="2" charset="-122"/>
+                        </a:rPr>
+                        <a:t>21</a:t>
+                      </a:r>
+                      <a:r>
+                        <a:rPr lang="zh-CN" altLang="en-US" sz="2000" b="0" i="0" baseline="0" dirty="0">
+                          <a:solidFill>
+                            <a:schemeClr val="tx1"/>
+                          </a:solidFill>
+                          <a:latin typeface="Times New Roman" panose="02020603050405020304" pitchFamily="18" charset="0"/>
+                          <a:ea typeface="宋体" panose="02010600030101010101" pitchFamily="2" charset="-122"/>
+                        </a:rPr>
+                        <a:t>呕吐 </a:t>
+                      </a:r>
+                      <a:r>
+                        <a:rPr lang="en-US" altLang="zh-CN" sz="2000" b="0" i="0" baseline="0" dirty="0">
+                          <a:solidFill>
+                            <a:schemeClr val="tx1"/>
+                          </a:solidFill>
+                          <a:latin typeface="Times New Roman" panose="02020603050405020304" pitchFamily="18" charset="0"/>
+                          <a:ea typeface="宋体" panose="02010600030101010101" pitchFamily="2" charset="-122"/>
+                        </a:rPr>
+                        <a:t>22 </a:t>
+                      </a:r>
+                      <a:r>
+                        <a:rPr lang="zh-CN" altLang="en-US" sz="2000" b="0" i="0" baseline="0" dirty="0">
+                          <a:solidFill>
+                            <a:schemeClr val="tx1"/>
+                          </a:solidFill>
+                          <a:latin typeface="Times New Roman" panose="02020603050405020304" pitchFamily="18" charset="0"/>
+                          <a:ea typeface="宋体" panose="02010600030101010101" pitchFamily="2" charset="-122"/>
+                        </a:rPr>
+                        <a:t>腹痛 </a:t>
+                      </a:r>
+                      <a:r>
+                        <a:rPr lang="en-US" altLang="zh-CN" sz="2000" b="0" i="0" baseline="0" dirty="0">
+                          <a:solidFill>
+                            <a:schemeClr val="tx1"/>
+                          </a:solidFill>
+                          <a:latin typeface="Times New Roman" panose="02020603050405020304" pitchFamily="18" charset="0"/>
+                          <a:ea typeface="宋体" panose="02010600030101010101" pitchFamily="2" charset="-122"/>
+                        </a:rPr>
+                        <a:t>23 </a:t>
+                      </a:r>
+                      <a:r>
+                        <a:rPr lang="zh-CN" altLang="en-US" sz="2000" b="0" i="0" baseline="0" dirty="0">
+                          <a:solidFill>
+                            <a:schemeClr val="tx1"/>
+                          </a:solidFill>
+                          <a:latin typeface="Times New Roman" panose="02020603050405020304" pitchFamily="18" charset="0"/>
+                          <a:ea typeface="宋体" panose="02010600030101010101" pitchFamily="2" charset="-122"/>
+                        </a:rPr>
+                        <a:t>嗜睡 </a:t>
+                      </a:r>
+                      <a:r>
+                        <a:rPr lang="en-US" altLang="zh-CN" sz="2000" b="0" i="0" baseline="0" dirty="0">
+                          <a:solidFill>
+                            <a:schemeClr val="tx1"/>
+                          </a:solidFill>
+                          <a:latin typeface="Times New Roman" panose="02020603050405020304" pitchFamily="18" charset="0"/>
+                          <a:ea typeface="宋体" panose="02010600030101010101" pitchFamily="2" charset="-122"/>
+                        </a:rPr>
+                        <a:t>24 </a:t>
+                      </a:r>
+                      <a:r>
+                        <a:rPr lang="zh-CN" altLang="en-US" sz="2000" b="0" i="0" baseline="0" dirty="0">
+                          <a:solidFill>
+                            <a:schemeClr val="tx1"/>
+                          </a:solidFill>
+                          <a:latin typeface="Times New Roman" panose="02020603050405020304" pitchFamily="18" charset="0"/>
+                          <a:ea typeface="宋体" panose="02010600030101010101" pitchFamily="2" charset="-122"/>
+                        </a:rPr>
+                        <a:t>视物模糊 </a:t>
+                      </a:r>
+                      <a:r>
+                        <a:rPr lang="en-US" altLang="zh-CN" sz="2000" b="0" i="0" baseline="0" dirty="0">
+                          <a:solidFill>
+                            <a:schemeClr val="tx1"/>
+                          </a:solidFill>
+                          <a:latin typeface="Times New Roman" panose="02020603050405020304" pitchFamily="18" charset="0"/>
+                          <a:ea typeface="宋体" panose="02010600030101010101" pitchFamily="2" charset="-122"/>
+                        </a:rPr>
+                        <a:t>25 </a:t>
+                      </a:r>
+                      <a:r>
+                        <a:rPr lang="zh-CN" altLang="en-US" sz="2000" b="0" i="0" baseline="0" dirty="0">
+                          <a:solidFill>
+                            <a:schemeClr val="tx1"/>
+                          </a:solidFill>
+                          <a:latin typeface="Times New Roman" panose="02020603050405020304" pitchFamily="18" charset="0"/>
+                          <a:ea typeface="宋体" panose="02010600030101010101" pitchFamily="2" charset="-122"/>
+                        </a:rPr>
+                        <a:t>呼吸困难 </a:t>
+                      </a:r>
+                      <a:r>
+                        <a:rPr lang="en-US" altLang="zh-CN" sz="2000" b="0" i="0" baseline="0" dirty="0">
+                          <a:solidFill>
+                            <a:schemeClr val="tx1"/>
+                          </a:solidFill>
+                          <a:latin typeface="Times New Roman" panose="02020603050405020304" pitchFamily="18" charset="0"/>
+                          <a:ea typeface="宋体" panose="02010600030101010101" pitchFamily="2" charset="-122"/>
+                        </a:rPr>
+                        <a:t>26</a:t>
+                      </a:r>
+                      <a:r>
+                        <a:rPr lang="zh-CN" altLang="en-US" sz="2000" b="0" i="0" baseline="0" dirty="0">
+                          <a:solidFill>
+                            <a:schemeClr val="tx1"/>
+                          </a:solidFill>
+                          <a:latin typeface="Times New Roman" panose="02020603050405020304" pitchFamily="18" charset="0"/>
+                          <a:ea typeface="宋体" panose="02010600030101010101" pitchFamily="2" charset="-122"/>
+                        </a:rPr>
+                        <a:t>腹泻 </a:t>
+                      </a:r>
+                      <a:r>
+                        <a:rPr lang="en-US" altLang="zh-CN" sz="2000" b="0" i="0" baseline="0" dirty="0">
+                          <a:solidFill>
+                            <a:schemeClr val="tx1"/>
+                          </a:solidFill>
+                          <a:latin typeface="Times New Roman" panose="02020603050405020304" pitchFamily="18" charset="0"/>
+                          <a:ea typeface="宋体" panose="02010600030101010101" pitchFamily="2" charset="-122"/>
+                        </a:rPr>
+                        <a:t>27 </a:t>
+                      </a:r>
+                      <a:r>
+                        <a:rPr lang="zh-CN" altLang="en-US" sz="2000" b="0" i="0" baseline="0" dirty="0">
+                          <a:solidFill>
+                            <a:schemeClr val="tx1"/>
+                          </a:solidFill>
+                          <a:latin typeface="Times New Roman" panose="02020603050405020304" pitchFamily="18" charset="0"/>
+                          <a:ea typeface="宋体" panose="02010600030101010101" pitchFamily="2" charset="-122"/>
+                        </a:rPr>
+                        <a:t>便秘 </a:t>
+                      </a:r>
+                      <a:r>
+                        <a:rPr lang="en-US" altLang="zh-CN" sz="2000" b="0" i="0" baseline="0" dirty="0">
+                          <a:solidFill>
+                            <a:schemeClr val="tx1"/>
+                          </a:solidFill>
+                          <a:latin typeface="Times New Roman" panose="02020603050405020304" pitchFamily="18" charset="0"/>
+                          <a:ea typeface="宋体" panose="02010600030101010101" pitchFamily="2" charset="-122"/>
+                        </a:rPr>
+                        <a:t>28 </a:t>
+                      </a:r>
+                      <a:r>
+                        <a:rPr lang="zh-CN" altLang="en-US" sz="2000" b="0" i="0" baseline="0" dirty="0">
+                          <a:solidFill>
+                            <a:schemeClr val="tx1"/>
+                          </a:solidFill>
+                          <a:latin typeface="Times New Roman" panose="02020603050405020304" pitchFamily="18" charset="0"/>
+                          <a:ea typeface="宋体" panose="02010600030101010101" pitchFamily="2" charset="-122"/>
+                        </a:rPr>
+                        <a:t>出汗 </a:t>
+                      </a:r>
+                      <a:r>
+                        <a:rPr lang="en-US" altLang="zh-CN" sz="2000" b="0" i="0" baseline="0" dirty="0">
+                          <a:solidFill>
+                            <a:schemeClr val="tx1"/>
+                          </a:solidFill>
+                          <a:latin typeface="Times New Roman" panose="02020603050405020304" pitchFamily="18" charset="0"/>
+                          <a:ea typeface="宋体" panose="02010600030101010101" pitchFamily="2" charset="-122"/>
+                        </a:rPr>
+                        <a:t>29 </a:t>
+                      </a:r>
+                      <a:r>
+                        <a:rPr lang="zh-CN" altLang="en-US" sz="2000" b="0" i="0" baseline="0" dirty="0">
+                          <a:solidFill>
+                            <a:schemeClr val="tx1"/>
+                          </a:solidFill>
+                          <a:latin typeface="Times New Roman" panose="02020603050405020304" pitchFamily="18" charset="0"/>
+                          <a:ea typeface="宋体" panose="02010600030101010101" pitchFamily="2" charset="-122"/>
+                        </a:rPr>
+                        <a:t>上腹痛 </a:t>
+                      </a:r>
+                      <a:r>
+                        <a:rPr lang="en-US" altLang="zh-CN" sz="2000" b="0" i="0" baseline="0" dirty="0">
+                          <a:solidFill>
+                            <a:schemeClr val="tx1"/>
+                          </a:solidFill>
+                          <a:latin typeface="Times New Roman" panose="02020603050405020304" pitchFamily="18" charset="0"/>
+                          <a:ea typeface="宋体" panose="02010600030101010101" pitchFamily="2" charset="-122"/>
+                        </a:rPr>
+                        <a:t>30 </a:t>
+                      </a:r>
+                      <a:r>
+                        <a:rPr lang="zh-CN" altLang="en-US" sz="2000" b="0" i="0" baseline="0" dirty="0">
+                          <a:solidFill>
+                            <a:schemeClr val="tx1"/>
+                          </a:solidFill>
+                          <a:latin typeface="Times New Roman" panose="02020603050405020304" pitchFamily="18" charset="0"/>
+                          <a:ea typeface="宋体" panose="02010600030101010101" pitchFamily="2" charset="-122"/>
+                        </a:rPr>
+                        <a:t>胃胀 </a:t>
+                      </a:r>
+                      <a:r>
+                        <a:rPr lang="en-US" altLang="zh-CN" sz="2000" b="0" i="0" baseline="0" dirty="0">
+                          <a:solidFill>
+                            <a:schemeClr val="tx1"/>
+                          </a:solidFill>
+                          <a:latin typeface="Times New Roman" panose="02020603050405020304" pitchFamily="18" charset="0"/>
+                          <a:ea typeface="宋体" panose="02010600030101010101" pitchFamily="2" charset="-122"/>
+                        </a:rPr>
+                        <a:t>31 </a:t>
+                      </a:r>
+                      <a:r>
+                        <a:rPr lang="zh-CN" altLang="en-US" sz="2000" b="0" i="0" baseline="0" dirty="0">
+                          <a:solidFill>
+                            <a:schemeClr val="tx1"/>
+                          </a:solidFill>
+                          <a:latin typeface="Times New Roman" panose="02020603050405020304" pitchFamily="18" charset="0"/>
+                          <a:ea typeface="宋体" panose="02010600030101010101" pitchFamily="2" charset="-122"/>
+                        </a:rPr>
+                        <a:t>胃寒 </a:t>
+                      </a:r>
+                      <a:r>
+                        <a:rPr lang="en-US" altLang="zh-CN" sz="2000" b="0" i="0" baseline="0" dirty="0">
+                          <a:solidFill>
+                            <a:schemeClr val="tx1"/>
+                          </a:solidFill>
+                          <a:latin typeface="Times New Roman" panose="02020603050405020304" pitchFamily="18" charset="0"/>
+                          <a:ea typeface="宋体" panose="02010600030101010101" pitchFamily="2" charset="-122"/>
+                        </a:rPr>
+                        <a:t>32 </a:t>
+                      </a:r>
+                      <a:r>
+                        <a:rPr lang="zh-CN" altLang="en-US" sz="2000" b="0" i="0" baseline="0" dirty="0">
+                          <a:solidFill>
+                            <a:schemeClr val="tx1"/>
+                          </a:solidFill>
+                          <a:latin typeface="Times New Roman" panose="02020603050405020304" pitchFamily="18" charset="0"/>
+                          <a:ea typeface="宋体" panose="02010600030101010101" pitchFamily="2" charset="-122"/>
+                        </a:rPr>
+                        <a:t>痰多 </a:t>
+                      </a:r>
+                      <a:r>
+                        <a:rPr lang="en-US" altLang="zh-CN" sz="2000" b="0" i="0" baseline="0" dirty="0">
+                          <a:solidFill>
+                            <a:schemeClr val="tx1"/>
+                          </a:solidFill>
+                          <a:latin typeface="Times New Roman" panose="02020603050405020304" pitchFamily="18" charset="0"/>
+                          <a:ea typeface="宋体" panose="02010600030101010101" pitchFamily="2" charset="-122"/>
+                        </a:rPr>
+                        <a:t>33</a:t>
+                      </a:r>
+                      <a:r>
+                        <a:rPr lang="zh-CN" altLang="en-US" sz="2000" b="0" i="0" baseline="0" dirty="0">
+                          <a:solidFill>
+                            <a:schemeClr val="tx1"/>
+                          </a:solidFill>
+                          <a:latin typeface="Times New Roman" panose="02020603050405020304" pitchFamily="18" charset="0"/>
+                          <a:ea typeface="宋体" panose="02010600030101010101" pitchFamily="2" charset="-122"/>
+                        </a:rPr>
+                        <a:t>脱水 </a:t>
+                      </a:r>
+                      <a:r>
+                        <a:rPr lang="en-US" altLang="zh-CN" sz="2000" b="0" i="0" baseline="0" dirty="0">
+                          <a:solidFill>
+                            <a:schemeClr val="tx1"/>
+                          </a:solidFill>
+                          <a:latin typeface="Times New Roman" panose="02020603050405020304" pitchFamily="18" charset="0"/>
+                          <a:ea typeface="宋体" panose="02010600030101010101" pitchFamily="2" charset="-122"/>
+                        </a:rPr>
+                        <a:t>34</a:t>
+                      </a:r>
+                      <a:r>
+                        <a:rPr lang="zh-CN" altLang="en-US" sz="2000" b="0" i="0" baseline="0" dirty="0">
+                          <a:solidFill>
+                            <a:schemeClr val="tx1"/>
+                          </a:solidFill>
+                          <a:latin typeface="Times New Roman" panose="02020603050405020304" pitchFamily="18" charset="0"/>
+                          <a:ea typeface="宋体" panose="02010600030101010101" pitchFamily="2" charset="-122"/>
+                        </a:rPr>
+                        <a:t>休克 </a:t>
+                      </a:r>
+                      <a:r>
+                        <a:rPr lang="en-US" altLang="zh-CN" sz="2000" b="0" i="0" baseline="0" dirty="0">
+                          <a:solidFill>
+                            <a:schemeClr val="tx1"/>
+                          </a:solidFill>
+                          <a:latin typeface="Times New Roman" panose="02020603050405020304" pitchFamily="18" charset="0"/>
+                          <a:ea typeface="宋体" panose="02010600030101010101" pitchFamily="2" charset="-122"/>
+                        </a:rPr>
+                        <a:t>35</a:t>
+                      </a:r>
+                      <a:r>
+                        <a:rPr lang="zh-CN" altLang="en-US" sz="2000" b="0" i="0" baseline="0" dirty="0">
+                          <a:solidFill>
+                            <a:schemeClr val="tx1"/>
+                          </a:solidFill>
+                          <a:latin typeface="Times New Roman" panose="02020603050405020304" pitchFamily="18" charset="0"/>
+                          <a:ea typeface="宋体" panose="02010600030101010101" pitchFamily="2" charset="-122"/>
+                        </a:rPr>
+                        <a:t>腹部绞痛 </a:t>
+                      </a:r>
+                      <a:r>
+                        <a:rPr lang="en-US" altLang="zh-CN" sz="2000" b="0" i="0" baseline="0" dirty="0">
+                          <a:solidFill>
+                            <a:schemeClr val="tx1"/>
+                          </a:solidFill>
+                          <a:latin typeface="Times New Roman" panose="02020603050405020304" pitchFamily="18" charset="0"/>
+                          <a:ea typeface="宋体" panose="02010600030101010101" pitchFamily="2" charset="-122"/>
+                        </a:rPr>
+                        <a:t>36 </a:t>
+                      </a:r>
+                      <a:r>
+                        <a:rPr lang="zh-CN" altLang="en-US" sz="2000" b="0" i="0" baseline="0" dirty="0">
+                          <a:solidFill>
+                            <a:schemeClr val="tx1"/>
+                          </a:solidFill>
+                          <a:latin typeface="Times New Roman" panose="02020603050405020304" pitchFamily="18" charset="0"/>
+                          <a:ea typeface="宋体" panose="02010600030101010101" pitchFamily="2" charset="-122"/>
+                        </a:rPr>
+                        <a:t>发热 </a:t>
+                      </a:r>
+                      <a:r>
+                        <a:rPr lang="en-US" altLang="zh-CN" sz="2000" b="0" i="0" baseline="0" dirty="0">
+                          <a:solidFill>
+                            <a:schemeClr val="tx1"/>
+                          </a:solidFill>
+                          <a:latin typeface="Times New Roman" panose="02020603050405020304" pitchFamily="18" charset="0"/>
+                          <a:ea typeface="宋体" panose="02010600030101010101" pitchFamily="2" charset="-122"/>
+                        </a:rPr>
+                        <a:t>37 </a:t>
+                      </a:r>
+                      <a:r>
+                        <a:rPr lang="zh-CN" altLang="en-US" sz="2000" b="0" i="0" baseline="0" dirty="0">
+                          <a:solidFill>
+                            <a:schemeClr val="tx1"/>
+                          </a:solidFill>
+                          <a:latin typeface="Times New Roman" panose="02020603050405020304" pitchFamily="18" charset="0"/>
+                          <a:ea typeface="宋体" panose="02010600030101010101" pitchFamily="2" charset="-122"/>
+                        </a:rPr>
+                        <a:t>全身酸痛 </a:t>
+                      </a:r>
+                      <a:r>
+                        <a:rPr lang="en-US" altLang="zh-CN" sz="2000" b="0" i="0" baseline="0" dirty="0">
+                          <a:solidFill>
+                            <a:schemeClr val="tx1"/>
+                          </a:solidFill>
+                          <a:latin typeface="Times New Roman" panose="02020603050405020304" pitchFamily="18" charset="0"/>
+                          <a:ea typeface="宋体" panose="02010600030101010101" pitchFamily="2" charset="-122"/>
+                        </a:rPr>
+                        <a:t>38 </a:t>
+                      </a:r>
+                      <a:r>
+                        <a:rPr lang="zh-CN" altLang="en-US" sz="2000" b="0" i="0" baseline="0" dirty="0">
+                          <a:solidFill>
+                            <a:schemeClr val="tx1"/>
+                          </a:solidFill>
+                          <a:latin typeface="Times New Roman" panose="02020603050405020304" pitchFamily="18" charset="0"/>
+                          <a:ea typeface="宋体" panose="02010600030101010101" pitchFamily="2" charset="-122"/>
+                        </a:rPr>
+                        <a:t>发烧</a:t>
+                      </a:r>
+                    </a:p>
+                  </a:txBody>
+                  <a:tcPr>
+                    <a:lnL w="12700" cap="flat" cmpd="sng" algn="ctr">
+                      <a:noFill/>
+                      <a:prstDash val="solid"/>
+                      <a:round/>
+                      <a:headEnd type="none" w="med" len="med"/>
+                      <a:tailEnd type="none" w="med" len="med"/>
+                    </a:lnL>
+                    <a:lnR w="12700" cap="flat" cmpd="sng" algn="ctr">
+                      <a:noFill/>
+                      <a:prstDash val="solid"/>
+                      <a:round/>
+                      <a:headEnd type="none" w="med" len="med"/>
+                      <a:tailEnd type="none" w="med" len="med"/>
+                    </a:lnR>
+                    <a:lnT w="12700" cap="flat" cmpd="sng" algn="ctr">
+                      <a:solidFill>
+                        <a:schemeClr val="tx1"/>
+                      </a:solidFill>
+                      <a:prstDash val="solid"/>
+                      <a:round/>
+                      <a:headEnd type="none" w="med" len="med"/>
+                      <a:tailEnd type="none" w="med" len="med"/>
+                    </a:lnT>
+                    <a:lnB w="12700" cap="flat" cmpd="sng" algn="ctr">
+                      <a:solidFill>
+                        <a:schemeClr val="tx1"/>
+                      </a:solidFill>
+                      <a:prstDash val="solid"/>
+                      <a:round/>
+                      <a:headEnd type="none" w="med" len="med"/>
+                      <a:tailEnd type="none" w="med" len="med"/>
+                    </a:lnB>
+                    <a:lnTlToBr w="12700" cmpd="sng">
+                      <a:noFill/>
+                      <a:prstDash val="solid"/>
+                    </a:lnTlToBr>
+                    <a:lnBlToTr w="12700" cmpd="sng">
+                      <a:noFill/>
+                      <a:prstDash val="solid"/>
+                    </a:lnBlToTr>
+                    <a:solidFill>
+                      <a:schemeClr val="bg1"/>
+                    </a:solidFill>
+                  </a:tcPr>
+                </a:tc>
+                <a:extLst>
+                  <a:ext uri="{0D108BD9-81ED-4DB2-BD59-A6C34878D82A}">
+                    <a16:rowId xmlns:a16="http://schemas.microsoft.com/office/drawing/2014/main" val="2998817700"/>
+                  </a:ext>
+                </a:extLst>
+              </a:tr>
+            </a:tbl>
+          </a:graphicData>
+        </a:graphic>
+      </p:graphicFrame>
+    </p:spTree>
+    <p:extLst>
+      <p:ext uri="{BB962C8B-B14F-4D97-AF65-F5344CB8AC3E}">
+        <p14:creationId xmlns:p14="http://schemas.microsoft.com/office/powerpoint/2010/main" val="4294549328"/>
+      </p:ext>
+    </p:extLst>
+  </p:cSld>
+  <p:clrMapOvr>
+    <a:masterClrMapping/>
+  </p:clrMapOvr>
+</p:sld>
+</file>
+
 <file path=ppt/slides/slide2.xml><?xml version="1.0" encoding="utf-8"?>
 <p:sld xmlns:a="http://schemas.openxmlformats.org/drawingml/2006/main" xmlns:r="http://schemas.openxmlformats.org/officeDocument/2006/relationships" xmlns:p="http://schemas.openxmlformats.org/presentationml/2006/main">
   <p:cSld>
@@ -28669,6 +31688,1680 @@
 </p:sld>
 </file>
 
+<file path=ppt/slides/slide7.xml><?xml version="1.0" encoding="utf-8"?>
+<p:sld xmlns:a="http://schemas.openxmlformats.org/drawingml/2006/main" xmlns:r="http://schemas.openxmlformats.org/officeDocument/2006/relationships" xmlns:p="http://schemas.openxmlformats.org/presentationml/2006/main">
+  <p:cSld>
+    <p:spTree>
+      <p:nvGrpSpPr>
+        <p:cNvPr id="1" name=""/>
+        <p:cNvGrpSpPr/>
+        <p:nvPr/>
+      </p:nvGrpSpPr>
+      <p:grpSpPr>
+        <a:xfrm>
+          <a:off x="0" y="0"/>
+          <a:ext cx="0" cy="0"/>
+          <a:chOff x="0" y="0"/>
+          <a:chExt cx="0" cy="0"/>
+        </a:xfrm>
+      </p:grpSpPr>
+      <p:sp>
+        <p:nvSpPr>
+          <p:cNvPr id="4" name="流程图: 可选过程 3">
+            <a:extLst>
+              <a:ext uri="{FF2B5EF4-FFF2-40B4-BE49-F238E27FC236}">
+                <a16:creationId xmlns:a16="http://schemas.microsoft.com/office/drawing/2014/main" id="{866E1858-31B8-4247-9DA3-E368F3DC1409}"/>
+              </a:ext>
+            </a:extLst>
+          </p:cNvPr>
+          <p:cNvSpPr/>
+          <p:nvPr/>
+        </p:nvSpPr>
+        <p:spPr>
+          <a:xfrm>
+            <a:off x="1540626" y="1014152"/>
+            <a:ext cx="1363287" cy="947651"/>
+          </a:xfrm>
+          <a:prstGeom prst="flowChartAlternateProcess">
+            <a:avLst/>
+          </a:prstGeom>
+          <a:solidFill>
+            <a:schemeClr val="bg1"/>
+          </a:solidFill>
+        </p:spPr>
+        <p:style>
+          <a:lnRef idx="2">
+            <a:schemeClr val="accent1">
+              <a:shade val="50000"/>
+            </a:schemeClr>
+          </a:lnRef>
+          <a:fillRef idx="1">
+            <a:schemeClr val="accent1"/>
+          </a:fillRef>
+          <a:effectRef idx="0">
+            <a:schemeClr val="accent1"/>
+          </a:effectRef>
+          <a:fontRef idx="minor">
+            <a:schemeClr val="lt1"/>
+          </a:fontRef>
+        </p:style>
+        <p:txBody>
+          <a:bodyPr rtlCol="0" anchor="ctr"/>
+          <a:lstStyle/>
+          <a:p>
+            <a:pPr algn="ctr"/>
+            <a:r>
+              <a:rPr lang="en-US" altLang="zh-CN" dirty="0">
+                <a:solidFill>
+                  <a:schemeClr val="tx1"/>
+                </a:solidFill>
+              </a:rPr>
+              <a:t>URL</a:t>
+            </a:r>
+          </a:p>
+          <a:p>
+            <a:pPr algn="ctr"/>
+            <a:r>
+              <a:rPr lang="zh-CN" altLang="en-US" dirty="0">
+                <a:solidFill>
+                  <a:schemeClr val="tx1"/>
+                </a:solidFill>
+              </a:rPr>
+              <a:t>链接</a:t>
+            </a:r>
+          </a:p>
+        </p:txBody>
+      </p:sp>
+      <p:sp>
+        <p:nvSpPr>
+          <p:cNvPr id="5" name="流程图: 可选过程 4">
+            <a:extLst>
+              <a:ext uri="{FF2B5EF4-FFF2-40B4-BE49-F238E27FC236}">
+                <a16:creationId xmlns:a16="http://schemas.microsoft.com/office/drawing/2014/main" id="{87604D0C-8D21-40F3-8ECE-544E58B57689}"/>
+              </a:ext>
+            </a:extLst>
+          </p:cNvPr>
+          <p:cNvSpPr/>
+          <p:nvPr/>
+        </p:nvSpPr>
+        <p:spPr>
+          <a:xfrm>
+            <a:off x="3477491" y="1014152"/>
+            <a:ext cx="1363287" cy="947651"/>
+          </a:xfrm>
+          <a:prstGeom prst="flowChartAlternateProcess">
+            <a:avLst/>
+          </a:prstGeom>
+          <a:solidFill>
+            <a:schemeClr val="bg1"/>
+          </a:solidFill>
+        </p:spPr>
+        <p:style>
+          <a:lnRef idx="2">
+            <a:schemeClr val="accent1">
+              <a:shade val="50000"/>
+            </a:schemeClr>
+          </a:lnRef>
+          <a:fillRef idx="1">
+            <a:schemeClr val="accent1"/>
+          </a:fillRef>
+          <a:effectRef idx="0">
+            <a:schemeClr val="accent1"/>
+          </a:effectRef>
+          <a:fontRef idx="minor">
+            <a:schemeClr val="lt1"/>
+          </a:fontRef>
+        </p:style>
+        <p:txBody>
+          <a:bodyPr rtlCol="0" anchor="ctr"/>
+          <a:lstStyle/>
+          <a:p>
+            <a:pPr algn="ctr"/>
+            <a:r>
+              <a:rPr lang="zh-CN" altLang="en-US" dirty="0">
+                <a:solidFill>
+                  <a:schemeClr val="tx1"/>
+                </a:solidFill>
+              </a:rPr>
+              <a:t>待获取的</a:t>
+            </a:r>
+            <a:r>
+              <a:rPr lang="en-US" altLang="zh-CN" dirty="0">
+                <a:solidFill>
+                  <a:schemeClr val="tx1"/>
+                </a:solidFill>
+              </a:rPr>
+              <a:t>URL</a:t>
+            </a:r>
+            <a:r>
+              <a:rPr lang="zh-CN" altLang="en-US" dirty="0">
+                <a:solidFill>
+                  <a:schemeClr val="tx1"/>
+                </a:solidFill>
+              </a:rPr>
+              <a:t>链接</a:t>
+            </a:r>
+          </a:p>
+        </p:txBody>
+      </p:sp>
+      <p:sp>
+        <p:nvSpPr>
+          <p:cNvPr id="6" name="流程图: 可选过程 5">
+            <a:extLst>
+              <a:ext uri="{FF2B5EF4-FFF2-40B4-BE49-F238E27FC236}">
+                <a16:creationId xmlns:a16="http://schemas.microsoft.com/office/drawing/2014/main" id="{5BB94377-7F58-42D3-8E2B-4BBD429DA2F7}"/>
+              </a:ext>
+            </a:extLst>
+          </p:cNvPr>
+          <p:cNvSpPr/>
+          <p:nvPr/>
+        </p:nvSpPr>
+        <p:spPr>
+          <a:xfrm>
+            <a:off x="5414356" y="1014152"/>
+            <a:ext cx="1363287" cy="947651"/>
+          </a:xfrm>
+          <a:prstGeom prst="flowChartAlternateProcess">
+            <a:avLst/>
+          </a:prstGeom>
+          <a:solidFill>
+            <a:schemeClr val="bg1"/>
+          </a:solidFill>
+        </p:spPr>
+        <p:style>
+          <a:lnRef idx="2">
+            <a:schemeClr val="accent1">
+              <a:shade val="50000"/>
+            </a:schemeClr>
+          </a:lnRef>
+          <a:fillRef idx="1">
+            <a:schemeClr val="accent1"/>
+          </a:fillRef>
+          <a:effectRef idx="0">
+            <a:schemeClr val="accent1"/>
+          </a:effectRef>
+          <a:fontRef idx="minor">
+            <a:schemeClr val="lt1"/>
+          </a:fontRef>
+        </p:style>
+        <p:txBody>
+          <a:bodyPr rtlCol="0" anchor="ctr"/>
+          <a:lstStyle/>
+          <a:p>
+            <a:pPr algn="ctr"/>
+            <a:r>
+              <a:rPr lang="zh-CN" altLang="en-US" dirty="0">
+                <a:solidFill>
+                  <a:schemeClr val="tx1"/>
+                </a:solidFill>
+              </a:rPr>
+              <a:t>访问网页获取数据</a:t>
+            </a:r>
+          </a:p>
+        </p:txBody>
+      </p:sp>
+      <p:sp>
+        <p:nvSpPr>
+          <p:cNvPr id="7" name="流程图: 可选过程 6">
+            <a:extLst>
+              <a:ext uri="{FF2B5EF4-FFF2-40B4-BE49-F238E27FC236}">
+                <a16:creationId xmlns:a16="http://schemas.microsoft.com/office/drawing/2014/main" id="{501DFD33-E659-4E73-BC5E-DEABB40ADA90}"/>
+              </a:ext>
+            </a:extLst>
+          </p:cNvPr>
+          <p:cNvSpPr/>
+          <p:nvPr/>
+        </p:nvSpPr>
+        <p:spPr>
+          <a:xfrm>
+            <a:off x="5414356" y="2481349"/>
+            <a:ext cx="1363287" cy="947651"/>
+          </a:xfrm>
+          <a:prstGeom prst="flowChartAlternateProcess">
+            <a:avLst/>
+          </a:prstGeom>
+          <a:solidFill>
+            <a:schemeClr val="bg1"/>
+          </a:solidFill>
+        </p:spPr>
+        <p:style>
+          <a:lnRef idx="2">
+            <a:schemeClr val="accent1">
+              <a:shade val="50000"/>
+            </a:schemeClr>
+          </a:lnRef>
+          <a:fillRef idx="1">
+            <a:schemeClr val="accent1"/>
+          </a:fillRef>
+          <a:effectRef idx="0">
+            <a:schemeClr val="accent1"/>
+          </a:effectRef>
+          <a:fontRef idx="minor">
+            <a:schemeClr val="lt1"/>
+          </a:fontRef>
+        </p:style>
+        <p:txBody>
+          <a:bodyPr rtlCol="0" anchor="ctr"/>
+          <a:lstStyle/>
+          <a:p>
+            <a:pPr algn="ctr"/>
+            <a:r>
+              <a:rPr lang="zh-CN" altLang="en-US" dirty="0">
+                <a:solidFill>
+                  <a:schemeClr val="tx1"/>
+                </a:solidFill>
+              </a:rPr>
+              <a:t>抽取</a:t>
+            </a:r>
+            <a:r>
+              <a:rPr lang="en-US" altLang="zh-CN" dirty="0">
+                <a:solidFill>
+                  <a:schemeClr val="tx1"/>
+                </a:solidFill>
+              </a:rPr>
+              <a:t>URL</a:t>
+            </a:r>
+            <a:endParaRPr lang="zh-CN" altLang="en-US" dirty="0">
+              <a:solidFill>
+                <a:schemeClr val="tx1"/>
+              </a:solidFill>
+            </a:endParaRPr>
+          </a:p>
+        </p:txBody>
+      </p:sp>
+      <p:cxnSp>
+        <p:nvCxnSpPr>
+          <p:cNvPr id="9" name="直接箭头连接符 8">
+            <a:extLst>
+              <a:ext uri="{FF2B5EF4-FFF2-40B4-BE49-F238E27FC236}">
+                <a16:creationId xmlns:a16="http://schemas.microsoft.com/office/drawing/2014/main" id="{88F1226E-B213-4544-B6F4-7024BBF54AED}"/>
+              </a:ext>
+            </a:extLst>
+          </p:cNvPr>
+          <p:cNvCxnSpPr>
+            <a:cxnSpLocks/>
+            <a:stCxn id="4" idx="3"/>
+            <a:endCxn id="5" idx="1"/>
+          </p:cNvCxnSpPr>
+          <p:nvPr/>
+        </p:nvCxnSpPr>
+        <p:spPr>
+          <a:xfrm>
+            <a:off x="2903913" y="1487978"/>
+            <a:ext cx="573578" cy="0"/>
+          </a:xfrm>
+          <a:prstGeom prst="straightConnector1">
+            <a:avLst/>
+          </a:prstGeom>
+          <a:ln>
+            <a:tailEnd type="triangle"/>
+          </a:ln>
+        </p:spPr>
+        <p:style>
+          <a:lnRef idx="1">
+            <a:schemeClr val="accent1"/>
+          </a:lnRef>
+          <a:fillRef idx="0">
+            <a:schemeClr val="accent1"/>
+          </a:fillRef>
+          <a:effectRef idx="0">
+            <a:schemeClr val="accent1"/>
+          </a:effectRef>
+          <a:fontRef idx="minor">
+            <a:schemeClr val="tx1"/>
+          </a:fontRef>
+        </p:style>
+      </p:cxnSp>
+      <p:cxnSp>
+        <p:nvCxnSpPr>
+          <p:cNvPr id="13" name="直接箭头连接符 12">
+            <a:extLst>
+              <a:ext uri="{FF2B5EF4-FFF2-40B4-BE49-F238E27FC236}">
+                <a16:creationId xmlns:a16="http://schemas.microsoft.com/office/drawing/2014/main" id="{D3D3691E-C96D-40ED-B4F6-E1EB7FCC7150}"/>
+              </a:ext>
+            </a:extLst>
+          </p:cNvPr>
+          <p:cNvCxnSpPr>
+            <a:cxnSpLocks/>
+            <a:stCxn id="5" idx="3"/>
+            <a:endCxn id="6" idx="1"/>
+          </p:cNvCxnSpPr>
+          <p:nvPr/>
+        </p:nvCxnSpPr>
+        <p:spPr>
+          <a:xfrm>
+            <a:off x="4840778" y="1487978"/>
+            <a:ext cx="573578" cy="0"/>
+          </a:xfrm>
+          <a:prstGeom prst="straightConnector1">
+            <a:avLst/>
+          </a:prstGeom>
+          <a:ln>
+            <a:tailEnd type="triangle"/>
+          </a:ln>
+        </p:spPr>
+        <p:style>
+          <a:lnRef idx="1">
+            <a:schemeClr val="accent1"/>
+          </a:lnRef>
+          <a:fillRef idx="0">
+            <a:schemeClr val="accent1"/>
+          </a:fillRef>
+          <a:effectRef idx="0">
+            <a:schemeClr val="accent1"/>
+          </a:effectRef>
+          <a:fontRef idx="minor">
+            <a:schemeClr val="tx1"/>
+          </a:fontRef>
+        </p:style>
+      </p:cxnSp>
+      <p:cxnSp>
+        <p:nvCxnSpPr>
+          <p:cNvPr id="16" name="直接箭头连接符 15">
+            <a:extLst>
+              <a:ext uri="{FF2B5EF4-FFF2-40B4-BE49-F238E27FC236}">
+                <a16:creationId xmlns:a16="http://schemas.microsoft.com/office/drawing/2014/main" id="{B347CE32-05EA-47DC-9CF5-19B8DAB23529}"/>
+              </a:ext>
+            </a:extLst>
+          </p:cNvPr>
+          <p:cNvCxnSpPr>
+            <a:cxnSpLocks/>
+            <a:stCxn id="6" idx="2"/>
+            <a:endCxn id="7" idx="0"/>
+          </p:cNvCxnSpPr>
+          <p:nvPr/>
+        </p:nvCxnSpPr>
+        <p:spPr>
+          <a:xfrm>
+            <a:off x="6096000" y="1961803"/>
+            <a:ext cx="0" cy="519546"/>
+          </a:xfrm>
+          <a:prstGeom prst="straightConnector1">
+            <a:avLst/>
+          </a:prstGeom>
+          <a:ln>
+            <a:tailEnd type="triangle"/>
+          </a:ln>
+        </p:spPr>
+        <p:style>
+          <a:lnRef idx="1">
+            <a:schemeClr val="accent1"/>
+          </a:lnRef>
+          <a:fillRef idx="0">
+            <a:schemeClr val="accent1"/>
+          </a:fillRef>
+          <a:effectRef idx="0">
+            <a:schemeClr val="accent1"/>
+          </a:effectRef>
+          <a:fontRef idx="minor">
+            <a:schemeClr val="tx1"/>
+          </a:fontRef>
+        </p:style>
+      </p:cxnSp>
+      <p:cxnSp>
+        <p:nvCxnSpPr>
+          <p:cNvPr id="19" name="直接箭头连接符 18">
+            <a:extLst>
+              <a:ext uri="{FF2B5EF4-FFF2-40B4-BE49-F238E27FC236}">
+                <a16:creationId xmlns:a16="http://schemas.microsoft.com/office/drawing/2014/main" id="{52B3AF97-3A46-4223-B279-575F1C597BFF}"/>
+              </a:ext>
+            </a:extLst>
+          </p:cNvPr>
+          <p:cNvCxnSpPr>
+            <a:cxnSpLocks/>
+            <a:stCxn id="7" idx="1"/>
+            <a:endCxn id="5" idx="2"/>
+          </p:cNvCxnSpPr>
+          <p:nvPr/>
+        </p:nvCxnSpPr>
+        <p:spPr>
+          <a:xfrm flipH="1" flipV="1">
+            <a:off x="4159135" y="1961803"/>
+            <a:ext cx="1255221" cy="993372"/>
+          </a:xfrm>
+          <a:prstGeom prst="straightConnector1">
+            <a:avLst/>
+          </a:prstGeom>
+          <a:ln>
+            <a:tailEnd type="triangle"/>
+          </a:ln>
+        </p:spPr>
+        <p:style>
+          <a:lnRef idx="1">
+            <a:schemeClr val="accent1"/>
+          </a:lnRef>
+          <a:fillRef idx="0">
+            <a:schemeClr val="accent1"/>
+          </a:fillRef>
+          <a:effectRef idx="0">
+            <a:schemeClr val="accent1"/>
+          </a:effectRef>
+          <a:fontRef idx="minor">
+            <a:schemeClr val="tx1"/>
+          </a:fontRef>
+        </p:style>
+      </p:cxnSp>
+      <p:sp>
+        <p:nvSpPr>
+          <p:cNvPr id="22" name="文本框 21">
+            <a:extLst>
+              <a:ext uri="{FF2B5EF4-FFF2-40B4-BE49-F238E27FC236}">
+                <a16:creationId xmlns:a16="http://schemas.microsoft.com/office/drawing/2014/main" id="{AA87CB30-207F-4E3C-95D5-80EB29E69ABF}"/>
+              </a:ext>
+            </a:extLst>
+          </p:cNvPr>
+          <p:cNvSpPr txBox="1"/>
+          <p:nvPr/>
+        </p:nvSpPr>
+        <p:spPr>
+          <a:xfrm>
+            <a:off x="4786745" y="1241980"/>
+            <a:ext cx="747529" cy="261610"/>
+          </a:xfrm>
+          <a:prstGeom prst="rect">
+            <a:avLst/>
+          </a:prstGeom>
+          <a:noFill/>
+        </p:spPr>
+        <p:txBody>
+          <a:bodyPr wrap="square" rtlCol="0">
+            <a:spAutoFit/>
+          </a:bodyPr>
+          <a:lstStyle/>
+          <a:p>
+            <a:r>
+              <a:rPr lang="zh-CN" altLang="en-US" sz="1100" dirty="0"/>
+              <a:t>读取</a:t>
+            </a:r>
+            <a:r>
+              <a:rPr lang="en-US" altLang="zh-CN" sz="1100" dirty="0"/>
+              <a:t>URL</a:t>
+            </a:r>
+            <a:endParaRPr lang="zh-CN" altLang="en-US" sz="1100" dirty="0"/>
+          </a:p>
+        </p:txBody>
+      </p:sp>
+      <p:sp>
+        <p:nvSpPr>
+          <p:cNvPr id="23" name="文本框 22">
+            <a:extLst>
+              <a:ext uri="{FF2B5EF4-FFF2-40B4-BE49-F238E27FC236}">
+                <a16:creationId xmlns:a16="http://schemas.microsoft.com/office/drawing/2014/main" id="{707C706C-2CF7-459F-8D2E-A79E2BA1E7FD}"/>
+              </a:ext>
+            </a:extLst>
+          </p:cNvPr>
+          <p:cNvSpPr txBox="1"/>
+          <p:nvPr/>
+        </p:nvSpPr>
+        <p:spPr>
+          <a:xfrm>
+            <a:off x="6030114" y="2057089"/>
+            <a:ext cx="747529" cy="261610"/>
+          </a:xfrm>
+          <a:prstGeom prst="rect">
+            <a:avLst/>
+          </a:prstGeom>
+          <a:noFill/>
+        </p:spPr>
+        <p:txBody>
+          <a:bodyPr wrap="square" rtlCol="0">
+            <a:spAutoFit/>
+          </a:bodyPr>
+          <a:lstStyle/>
+          <a:p>
+            <a:r>
+              <a:rPr lang="zh-CN" altLang="en-US" sz="1100" dirty="0"/>
+              <a:t>下载</a:t>
+            </a:r>
+            <a:r>
+              <a:rPr lang="en-US" altLang="zh-CN" sz="1100" dirty="0"/>
+              <a:t>URL</a:t>
+            </a:r>
+            <a:endParaRPr lang="zh-CN" altLang="en-US" sz="1100" dirty="0"/>
+          </a:p>
+        </p:txBody>
+      </p:sp>
+    </p:spTree>
+    <p:extLst>
+      <p:ext uri="{BB962C8B-B14F-4D97-AF65-F5344CB8AC3E}">
+        <p14:creationId xmlns:p14="http://schemas.microsoft.com/office/powerpoint/2010/main" val="2463879119"/>
+      </p:ext>
+    </p:extLst>
+  </p:cSld>
+  <p:clrMapOvr>
+    <a:masterClrMapping/>
+  </p:clrMapOvr>
+</p:sld>
+</file>
+
+<file path=ppt/slides/slide8.xml><?xml version="1.0" encoding="utf-8"?>
+<p:sld xmlns:a="http://schemas.openxmlformats.org/drawingml/2006/main" xmlns:r="http://schemas.openxmlformats.org/officeDocument/2006/relationships" xmlns:p="http://schemas.openxmlformats.org/presentationml/2006/main">
+  <p:cSld>
+    <p:spTree>
+      <p:nvGrpSpPr>
+        <p:cNvPr id="1" name=""/>
+        <p:cNvGrpSpPr/>
+        <p:nvPr/>
+      </p:nvGrpSpPr>
+      <p:grpSpPr>
+        <a:xfrm>
+          <a:off x="0" y="0"/>
+          <a:ext cx="0" cy="0"/>
+          <a:chOff x="0" y="0"/>
+          <a:chExt cx="0" cy="0"/>
+        </a:xfrm>
+      </p:grpSpPr>
+      <p:sp>
+        <p:nvSpPr>
+          <p:cNvPr id="4" name="流程图: 可选过程 3">
+            <a:extLst>
+              <a:ext uri="{FF2B5EF4-FFF2-40B4-BE49-F238E27FC236}">
+                <a16:creationId xmlns:a16="http://schemas.microsoft.com/office/drawing/2014/main" id="{866E1858-31B8-4247-9DA3-E368F3DC1409}"/>
+              </a:ext>
+            </a:extLst>
+          </p:cNvPr>
+          <p:cNvSpPr/>
+          <p:nvPr/>
+        </p:nvSpPr>
+        <p:spPr>
+          <a:xfrm>
+            <a:off x="1540626" y="1014152"/>
+            <a:ext cx="1363287" cy="947651"/>
+          </a:xfrm>
+          <a:prstGeom prst="flowChartAlternateProcess">
+            <a:avLst/>
+          </a:prstGeom>
+          <a:solidFill>
+            <a:schemeClr val="bg1"/>
+          </a:solidFill>
+        </p:spPr>
+        <p:style>
+          <a:lnRef idx="2">
+            <a:schemeClr val="accent1">
+              <a:shade val="50000"/>
+            </a:schemeClr>
+          </a:lnRef>
+          <a:fillRef idx="1">
+            <a:schemeClr val="accent1"/>
+          </a:fillRef>
+          <a:effectRef idx="0">
+            <a:schemeClr val="accent1"/>
+          </a:effectRef>
+          <a:fontRef idx="minor">
+            <a:schemeClr val="lt1"/>
+          </a:fontRef>
+        </p:style>
+        <p:txBody>
+          <a:bodyPr rtlCol="0" anchor="ctr"/>
+          <a:lstStyle/>
+          <a:p>
+            <a:pPr algn="ctr"/>
+            <a:r>
+              <a:rPr lang="zh-CN" altLang="en-US" dirty="0">
+                <a:solidFill>
+                  <a:schemeClr val="tx1"/>
+                </a:solidFill>
+              </a:rPr>
+              <a:t>发送请求</a:t>
+            </a:r>
+          </a:p>
+        </p:txBody>
+      </p:sp>
+      <p:sp>
+        <p:nvSpPr>
+          <p:cNvPr id="5" name="流程图: 可选过程 4">
+            <a:extLst>
+              <a:ext uri="{FF2B5EF4-FFF2-40B4-BE49-F238E27FC236}">
+                <a16:creationId xmlns:a16="http://schemas.microsoft.com/office/drawing/2014/main" id="{87604D0C-8D21-40F3-8ECE-544E58B57689}"/>
+              </a:ext>
+            </a:extLst>
+          </p:cNvPr>
+          <p:cNvSpPr/>
+          <p:nvPr/>
+        </p:nvSpPr>
+        <p:spPr>
+          <a:xfrm>
+            <a:off x="3477491" y="1014152"/>
+            <a:ext cx="1363287" cy="947651"/>
+          </a:xfrm>
+          <a:prstGeom prst="flowChartAlternateProcess">
+            <a:avLst/>
+          </a:prstGeom>
+          <a:solidFill>
+            <a:schemeClr val="bg1"/>
+          </a:solidFill>
+        </p:spPr>
+        <p:style>
+          <a:lnRef idx="2">
+            <a:schemeClr val="accent1">
+              <a:shade val="50000"/>
+            </a:schemeClr>
+          </a:lnRef>
+          <a:fillRef idx="1">
+            <a:schemeClr val="accent1"/>
+          </a:fillRef>
+          <a:effectRef idx="0">
+            <a:schemeClr val="accent1"/>
+          </a:effectRef>
+          <a:fontRef idx="minor">
+            <a:schemeClr val="lt1"/>
+          </a:fontRef>
+        </p:style>
+        <p:txBody>
+          <a:bodyPr rtlCol="0" anchor="ctr"/>
+          <a:lstStyle/>
+          <a:p>
+            <a:pPr algn="ctr"/>
+            <a:r>
+              <a:rPr lang="zh-CN" altLang="en-US" dirty="0">
+                <a:solidFill>
+                  <a:schemeClr val="tx1"/>
+                </a:solidFill>
+              </a:rPr>
+              <a:t>获取响应内容</a:t>
+            </a:r>
+          </a:p>
+        </p:txBody>
+      </p:sp>
+      <p:sp>
+        <p:nvSpPr>
+          <p:cNvPr id="6" name="流程图: 可选过程 5">
+            <a:extLst>
+              <a:ext uri="{FF2B5EF4-FFF2-40B4-BE49-F238E27FC236}">
+                <a16:creationId xmlns:a16="http://schemas.microsoft.com/office/drawing/2014/main" id="{5BB94377-7F58-42D3-8E2B-4BBD429DA2F7}"/>
+              </a:ext>
+            </a:extLst>
+          </p:cNvPr>
+          <p:cNvSpPr/>
+          <p:nvPr/>
+        </p:nvSpPr>
+        <p:spPr>
+          <a:xfrm>
+            <a:off x="5414356" y="1014152"/>
+            <a:ext cx="1363287" cy="947651"/>
+          </a:xfrm>
+          <a:prstGeom prst="flowChartAlternateProcess">
+            <a:avLst/>
+          </a:prstGeom>
+          <a:solidFill>
+            <a:schemeClr val="bg1"/>
+          </a:solidFill>
+        </p:spPr>
+        <p:style>
+          <a:lnRef idx="2">
+            <a:schemeClr val="accent1">
+              <a:shade val="50000"/>
+            </a:schemeClr>
+          </a:lnRef>
+          <a:fillRef idx="1">
+            <a:schemeClr val="accent1"/>
+          </a:fillRef>
+          <a:effectRef idx="0">
+            <a:schemeClr val="accent1"/>
+          </a:effectRef>
+          <a:fontRef idx="minor">
+            <a:schemeClr val="lt1"/>
+          </a:fontRef>
+        </p:style>
+        <p:txBody>
+          <a:bodyPr rtlCol="0" anchor="ctr"/>
+          <a:lstStyle/>
+          <a:p>
+            <a:pPr algn="ctr"/>
+            <a:r>
+              <a:rPr lang="zh-CN" altLang="en-US" dirty="0">
+                <a:solidFill>
+                  <a:schemeClr val="tx1"/>
+                </a:solidFill>
+              </a:rPr>
+              <a:t>解析内容</a:t>
+            </a:r>
+          </a:p>
+        </p:txBody>
+      </p:sp>
+      <p:cxnSp>
+        <p:nvCxnSpPr>
+          <p:cNvPr id="9" name="直接箭头连接符 8">
+            <a:extLst>
+              <a:ext uri="{FF2B5EF4-FFF2-40B4-BE49-F238E27FC236}">
+                <a16:creationId xmlns:a16="http://schemas.microsoft.com/office/drawing/2014/main" id="{88F1226E-B213-4544-B6F4-7024BBF54AED}"/>
+              </a:ext>
+            </a:extLst>
+          </p:cNvPr>
+          <p:cNvCxnSpPr>
+            <a:cxnSpLocks/>
+            <a:stCxn id="4" idx="3"/>
+            <a:endCxn id="5" idx="1"/>
+          </p:cNvCxnSpPr>
+          <p:nvPr/>
+        </p:nvCxnSpPr>
+        <p:spPr>
+          <a:xfrm>
+            <a:off x="2903913" y="1487978"/>
+            <a:ext cx="573578" cy="0"/>
+          </a:xfrm>
+          <a:prstGeom prst="straightConnector1">
+            <a:avLst/>
+          </a:prstGeom>
+          <a:ln>
+            <a:tailEnd type="triangle"/>
+          </a:ln>
+        </p:spPr>
+        <p:style>
+          <a:lnRef idx="1">
+            <a:schemeClr val="accent1"/>
+          </a:lnRef>
+          <a:fillRef idx="0">
+            <a:schemeClr val="accent1"/>
+          </a:fillRef>
+          <a:effectRef idx="0">
+            <a:schemeClr val="accent1"/>
+          </a:effectRef>
+          <a:fontRef idx="minor">
+            <a:schemeClr val="tx1"/>
+          </a:fontRef>
+        </p:style>
+      </p:cxnSp>
+      <p:cxnSp>
+        <p:nvCxnSpPr>
+          <p:cNvPr id="13" name="直接箭头连接符 12">
+            <a:extLst>
+              <a:ext uri="{FF2B5EF4-FFF2-40B4-BE49-F238E27FC236}">
+                <a16:creationId xmlns:a16="http://schemas.microsoft.com/office/drawing/2014/main" id="{D3D3691E-C96D-40ED-B4F6-E1EB7FCC7150}"/>
+              </a:ext>
+            </a:extLst>
+          </p:cNvPr>
+          <p:cNvCxnSpPr>
+            <a:cxnSpLocks/>
+            <a:stCxn id="5" idx="3"/>
+            <a:endCxn id="6" idx="1"/>
+          </p:cNvCxnSpPr>
+          <p:nvPr/>
+        </p:nvCxnSpPr>
+        <p:spPr>
+          <a:xfrm>
+            <a:off x="4840778" y="1487978"/>
+            <a:ext cx="573578" cy="0"/>
+          </a:xfrm>
+          <a:prstGeom prst="straightConnector1">
+            <a:avLst/>
+          </a:prstGeom>
+          <a:ln>
+            <a:tailEnd type="triangle"/>
+          </a:ln>
+        </p:spPr>
+        <p:style>
+          <a:lnRef idx="1">
+            <a:schemeClr val="accent1"/>
+          </a:lnRef>
+          <a:fillRef idx="0">
+            <a:schemeClr val="accent1"/>
+          </a:fillRef>
+          <a:effectRef idx="0">
+            <a:schemeClr val="accent1"/>
+          </a:effectRef>
+          <a:fontRef idx="minor">
+            <a:schemeClr val="tx1"/>
+          </a:fontRef>
+        </p:style>
+      </p:cxnSp>
+      <p:sp>
+        <p:nvSpPr>
+          <p:cNvPr id="14" name="流程图: 可选过程 13">
+            <a:extLst>
+              <a:ext uri="{FF2B5EF4-FFF2-40B4-BE49-F238E27FC236}">
+                <a16:creationId xmlns:a16="http://schemas.microsoft.com/office/drawing/2014/main" id="{53154D13-4A2E-4792-8C7D-9BF2F74A99BB}"/>
+              </a:ext>
+            </a:extLst>
+          </p:cNvPr>
+          <p:cNvSpPr/>
+          <p:nvPr/>
+        </p:nvSpPr>
+        <p:spPr>
+          <a:xfrm>
+            <a:off x="7351221" y="1014151"/>
+            <a:ext cx="1363287" cy="947651"/>
+          </a:xfrm>
+          <a:prstGeom prst="flowChartAlternateProcess">
+            <a:avLst/>
+          </a:prstGeom>
+          <a:solidFill>
+            <a:schemeClr val="bg1"/>
+          </a:solidFill>
+        </p:spPr>
+        <p:style>
+          <a:lnRef idx="2">
+            <a:schemeClr val="accent1">
+              <a:shade val="50000"/>
+            </a:schemeClr>
+          </a:lnRef>
+          <a:fillRef idx="1">
+            <a:schemeClr val="accent1"/>
+          </a:fillRef>
+          <a:effectRef idx="0">
+            <a:schemeClr val="accent1"/>
+          </a:effectRef>
+          <a:fontRef idx="minor">
+            <a:schemeClr val="lt1"/>
+          </a:fontRef>
+        </p:style>
+        <p:txBody>
+          <a:bodyPr rtlCol="0" anchor="ctr"/>
+          <a:lstStyle/>
+          <a:p>
+            <a:pPr algn="ctr"/>
+            <a:r>
+              <a:rPr lang="zh-CN" altLang="en-US" dirty="0">
+                <a:solidFill>
+                  <a:schemeClr val="tx1"/>
+                </a:solidFill>
+              </a:rPr>
+              <a:t>保存数据</a:t>
+            </a:r>
+          </a:p>
+        </p:txBody>
+      </p:sp>
+      <p:cxnSp>
+        <p:nvCxnSpPr>
+          <p:cNvPr id="8" name="直接箭头连接符 7">
+            <a:extLst>
+              <a:ext uri="{FF2B5EF4-FFF2-40B4-BE49-F238E27FC236}">
+                <a16:creationId xmlns:a16="http://schemas.microsoft.com/office/drawing/2014/main" id="{B6C96509-8429-4904-BCB8-FB406CDDBF54}"/>
+              </a:ext>
+            </a:extLst>
+          </p:cNvPr>
+          <p:cNvCxnSpPr>
+            <a:cxnSpLocks/>
+            <a:stCxn id="6" idx="3"/>
+            <a:endCxn id="14" idx="1"/>
+          </p:cNvCxnSpPr>
+          <p:nvPr/>
+        </p:nvCxnSpPr>
+        <p:spPr>
+          <a:xfrm flipV="1">
+            <a:off x="6777643" y="1487977"/>
+            <a:ext cx="573578" cy="1"/>
+          </a:xfrm>
+          <a:prstGeom prst="straightConnector1">
+            <a:avLst/>
+          </a:prstGeom>
+          <a:ln>
+            <a:tailEnd type="triangle"/>
+          </a:ln>
+        </p:spPr>
+        <p:style>
+          <a:lnRef idx="1">
+            <a:schemeClr val="accent1"/>
+          </a:lnRef>
+          <a:fillRef idx="0">
+            <a:schemeClr val="accent1"/>
+          </a:fillRef>
+          <a:effectRef idx="0">
+            <a:schemeClr val="accent1"/>
+          </a:effectRef>
+          <a:fontRef idx="minor">
+            <a:schemeClr val="tx1"/>
+          </a:fontRef>
+        </p:style>
+      </p:cxnSp>
+    </p:spTree>
+    <p:extLst>
+      <p:ext uri="{BB962C8B-B14F-4D97-AF65-F5344CB8AC3E}">
+        <p14:creationId xmlns:p14="http://schemas.microsoft.com/office/powerpoint/2010/main" val="1605002174"/>
+      </p:ext>
+    </p:extLst>
+  </p:cSld>
+  <p:clrMapOvr>
+    <a:masterClrMapping/>
+  </p:clrMapOvr>
+</p:sld>
+</file>
+
+<file path=ppt/slides/slide9.xml><?xml version="1.0" encoding="utf-8"?>
+<p:sld xmlns:a="http://schemas.openxmlformats.org/drawingml/2006/main" xmlns:r="http://schemas.openxmlformats.org/officeDocument/2006/relationships" xmlns:p="http://schemas.openxmlformats.org/presentationml/2006/main">
+  <p:cSld>
+    <p:spTree>
+      <p:nvGrpSpPr>
+        <p:cNvPr id="1" name=""/>
+        <p:cNvGrpSpPr/>
+        <p:nvPr/>
+      </p:nvGrpSpPr>
+      <p:grpSpPr>
+        <a:xfrm>
+          <a:off x="0" y="0"/>
+          <a:ext cx="0" cy="0"/>
+          <a:chOff x="0" y="0"/>
+          <a:chExt cx="0" cy="0"/>
+        </a:xfrm>
+      </p:grpSpPr>
+      <p:sp>
+        <p:nvSpPr>
+          <p:cNvPr id="2" name="流程图: 过程 1">
+            <a:extLst>
+              <a:ext uri="{FF2B5EF4-FFF2-40B4-BE49-F238E27FC236}">
+                <a16:creationId xmlns:a16="http://schemas.microsoft.com/office/drawing/2014/main" id="{8D58E675-68E7-4C15-9F01-675E2BB289C5}"/>
+              </a:ext>
+            </a:extLst>
+          </p:cNvPr>
+          <p:cNvSpPr/>
+          <p:nvPr/>
+        </p:nvSpPr>
+        <p:spPr>
+          <a:xfrm>
+            <a:off x="2016370" y="2145324"/>
+            <a:ext cx="2368062" cy="855784"/>
+          </a:xfrm>
+          <a:prstGeom prst="flowChartProcess">
+            <a:avLst/>
+          </a:prstGeom>
+          <a:solidFill>
+            <a:schemeClr val="bg1"/>
+          </a:solidFill>
+          <a:ln>
+            <a:solidFill>
+              <a:schemeClr val="tx1"/>
+            </a:solidFill>
+          </a:ln>
+        </p:spPr>
+        <p:style>
+          <a:lnRef idx="2">
+            <a:schemeClr val="accent1">
+              <a:shade val="50000"/>
+            </a:schemeClr>
+          </a:lnRef>
+          <a:fillRef idx="1">
+            <a:schemeClr val="accent1"/>
+          </a:fillRef>
+          <a:effectRef idx="0">
+            <a:schemeClr val="accent1"/>
+          </a:effectRef>
+          <a:fontRef idx="minor">
+            <a:schemeClr val="lt1"/>
+          </a:fontRef>
+        </p:style>
+        <p:txBody>
+          <a:bodyPr rtlCol="0" anchor="ctr"/>
+          <a:lstStyle/>
+          <a:p>
+            <a:pPr algn="ctr"/>
+            <a:r>
+              <a:rPr lang="zh-CN" altLang="en-US" sz="3600" b="1" dirty="0">
+                <a:solidFill>
+                  <a:schemeClr val="tx1"/>
+                </a:solidFill>
+              </a:rPr>
+              <a:t>数据库</a:t>
+            </a:r>
+            <a:endParaRPr lang="en-US" altLang="zh-CN" sz="2800" b="1" dirty="0">
+              <a:solidFill>
+                <a:schemeClr val="tx1"/>
+              </a:solidFill>
+            </a:endParaRPr>
+          </a:p>
+        </p:txBody>
+      </p:sp>
+      <p:sp>
+        <p:nvSpPr>
+          <p:cNvPr id="3" name="流程图: 过程 2">
+            <a:extLst>
+              <a:ext uri="{FF2B5EF4-FFF2-40B4-BE49-F238E27FC236}">
+                <a16:creationId xmlns:a16="http://schemas.microsoft.com/office/drawing/2014/main" id="{C0B4F811-7091-45D1-B0E1-CDAC7CDCAD6C}"/>
+              </a:ext>
+            </a:extLst>
+          </p:cNvPr>
+          <p:cNvSpPr/>
+          <p:nvPr/>
+        </p:nvSpPr>
+        <p:spPr>
+          <a:xfrm>
+            <a:off x="2016370" y="597878"/>
+            <a:ext cx="2368062" cy="855784"/>
+          </a:xfrm>
+          <a:prstGeom prst="flowChartProcess">
+            <a:avLst/>
+          </a:prstGeom>
+          <a:solidFill>
+            <a:schemeClr val="bg1"/>
+          </a:solidFill>
+          <a:ln>
+            <a:solidFill>
+              <a:schemeClr val="tx1"/>
+            </a:solidFill>
+          </a:ln>
+        </p:spPr>
+        <p:style>
+          <a:lnRef idx="2">
+            <a:schemeClr val="accent1">
+              <a:shade val="50000"/>
+            </a:schemeClr>
+          </a:lnRef>
+          <a:fillRef idx="1">
+            <a:schemeClr val="accent1"/>
+          </a:fillRef>
+          <a:effectRef idx="0">
+            <a:schemeClr val="accent1"/>
+          </a:effectRef>
+          <a:fontRef idx="minor">
+            <a:schemeClr val="lt1"/>
+          </a:fontRef>
+        </p:style>
+        <p:txBody>
+          <a:bodyPr rtlCol="0" anchor="ctr"/>
+          <a:lstStyle/>
+          <a:p>
+            <a:pPr algn="ctr"/>
+            <a:r>
+              <a:rPr lang="zh-CN" altLang="en-US" sz="3600" b="1" dirty="0">
+                <a:solidFill>
+                  <a:schemeClr val="tx1"/>
+                </a:solidFill>
+              </a:rPr>
+              <a:t>数据集</a:t>
+            </a:r>
+            <a:endParaRPr lang="en-US" altLang="zh-CN" sz="2800" b="1" dirty="0">
+              <a:solidFill>
+                <a:schemeClr val="tx1"/>
+              </a:solidFill>
+            </a:endParaRPr>
+          </a:p>
+        </p:txBody>
+      </p:sp>
+      <p:sp>
+        <p:nvSpPr>
+          <p:cNvPr id="4" name="流程图: 过程 3">
+            <a:extLst>
+              <a:ext uri="{FF2B5EF4-FFF2-40B4-BE49-F238E27FC236}">
+                <a16:creationId xmlns:a16="http://schemas.microsoft.com/office/drawing/2014/main" id="{55019476-D72F-4570-9D15-18C9B298BB18}"/>
+              </a:ext>
+            </a:extLst>
+          </p:cNvPr>
+          <p:cNvSpPr/>
+          <p:nvPr/>
+        </p:nvSpPr>
+        <p:spPr>
+          <a:xfrm>
+            <a:off x="5134709" y="2145324"/>
+            <a:ext cx="2368062" cy="855784"/>
+          </a:xfrm>
+          <a:prstGeom prst="flowChartProcess">
+            <a:avLst/>
+          </a:prstGeom>
+          <a:solidFill>
+            <a:schemeClr val="bg1"/>
+          </a:solidFill>
+          <a:ln>
+            <a:solidFill>
+              <a:schemeClr val="tx1"/>
+            </a:solidFill>
+          </a:ln>
+        </p:spPr>
+        <p:style>
+          <a:lnRef idx="2">
+            <a:schemeClr val="accent1">
+              <a:shade val="50000"/>
+            </a:schemeClr>
+          </a:lnRef>
+          <a:fillRef idx="1">
+            <a:schemeClr val="accent1"/>
+          </a:fillRef>
+          <a:effectRef idx="0">
+            <a:schemeClr val="accent1"/>
+          </a:effectRef>
+          <a:fontRef idx="minor">
+            <a:schemeClr val="lt1"/>
+          </a:fontRef>
+        </p:style>
+        <p:txBody>
+          <a:bodyPr rtlCol="0" anchor="ctr"/>
+          <a:lstStyle/>
+          <a:p>
+            <a:pPr algn="ctr"/>
+            <a:r>
+              <a:rPr lang="zh-CN" altLang="en-US" sz="3600" b="1" dirty="0">
+                <a:solidFill>
+                  <a:schemeClr val="tx1"/>
+                </a:solidFill>
+              </a:rPr>
+              <a:t>分类器</a:t>
+            </a:r>
+            <a:endParaRPr lang="en-US" altLang="zh-CN" sz="3600" b="1" dirty="0">
+              <a:solidFill>
+                <a:schemeClr val="tx1"/>
+              </a:solidFill>
+            </a:endParaRPr>
+          </a:p>
+        </p:txBody>
+      </p:sp>
+      <p:sp>
+        <p:nvSpPr>
+          <p:cNvPr id="5" name="流程图: 过程 4">
+            <a:extLst>
+              <a:ext uri="{FF2B5EF4-FFF2-40B4-BE49-F238E27FC236}">
+                <a16:creationId xmlns:a16="http://schemas.microsoft.com/office/drawing/2014/main" id="{4105D3F2-356F-4984-BA63-E4589B4E8203}"/>
+              </a:ext>
+            </a:extLst>
+          </p:cNvPr>
+          <p:cNvSpPr/>
+          <p:nvPr/>
+        </p:nvSpPr>
+        <p:spPr>
+          <a:xfrm>
+            <a:off x="9026769" y="2145324"/>
+            <a:ext cx="2368062" cy="855784"/>
+          </a:xfrm>
+          <a:prstGeom prst="flowChartProcess">
+            <a:avLst/>
+          </a:prstGeom>
+          <a:solidFill>
+            <a:schemeClr val="bg1"/>
+          </a:solidFill>
+          <a:ln>
+            <a:solidFill>
+              <a:schemeClr val="tx1"/>
+            </a:solidFill>
+          </a:ln>
+        </p:spPr>
+        <p:style>
+          <a:lnRef idx="2">
+            <a:schemeClr val="accent1">
+              <a:shade val="50000"/>
+            </a:schemeClr>
+          </a:lnRef>
+          <a:fillRef idx="1">
+            <a:schemeClr val="accent1"/>
+          </a:fillRef>
+          <a:effectRef idx="0">
+            <a:schemeClr val="accent1"/>
+          </a:effectRef>
+          <a:fontRef idx="minor">
+            <a:schemeClr val="lt1"/>
+          </a:fontRef>
+        </p:style>
+        <p:txBody>
+          <a:bodyPr rtlCol="0" anchor="ctr"/>
+          <a:lstStyle/>
+          <a:p>
+            <a:pPr algn="ctr"/>
+            <a:r>
+              <a:rPr lang="zh-CN" altLang="en-US" sz="3600" b="1" dirty="0">
+                <a:solidFill>
+                  <a:schemeClr val="tx1"/>
+                </a:solidFill>
+              </a:rPr>
+              <a:t>网页界面</a:t>
+            </a:r>
+            <a:endParaRPr lang="en-US" altLang="zh-CN" sz="3600" b="1" dirty="0">
+              <a:solidFill>
+                <a:schemeClr val="tx1"/>
+              </a:solidFill>
+            </a:endParaRPr>
+          </a:p>
+        </p:txBody>
+      </p:sp>
+      <p:sp>
+        <p:nvSpPr>
+          <p:cNvPr id="6" name="流程图: 过程 5">
+            <a:extLst>
+              <a:ext uri="{FF2B5EF4-FFF2-40B4-BE49-F238E27FC236}">
+                <a16:creationId xmlns:a16="http://schemas.microsoft.com/office/drawing/2014/main" id="{EBA4DFD9-A0E9-4A19-ACEA-E12C30170406}"/>
+              </a:ext>
+            </a:extLst>
+          </p:cNvPr>
+          <p:cNvSpPr/>
+          <p:nvPr/>
+        </p:nvSpPr>
+        <p:spPr>
+          <a:xfrm>
+            <a:off x="9026769" y="3692770"/>
+            <a:ext cx="2368062" cy="855784"/>
+          </a:xfrm>
+          <a:prstGeom prst="flowChartProcess">
+            <a:avLst/>
+          </a:prstGeom>
+          <a:ln/>
+        </p:spPr>
+        <p:style>
+          <a:lnRef idx="2">
+            <a:schemeClr val="dk1"/>
+          </a:lnRef>
+          <a:fillRef idx="1">
+            <a:schemeClr val="lt1"/>
+          </a:fillRef>
+          <a:effectRef idx="0">
+            <a:schemeClr val="dk1"/>
+          </a:effectRef>
+          <a:fontRef idx="minor">
+            <a:schemeClr val="dk1"/>
+          </a:fontRef>
+        </p:style>
+        <p:txBody>
+          <a:bodyPr rtlCol="0" anchor="ctr"/>
+          <a:lstStyle/>
+          <a:p>
+            <a:pPr algn="ctr"/>
+            <a:r>
+              <a:rPr lang="zh-CN" altLang="en-US" sz="3600" b="1" dirty="0">
+                <a:solidFill>
+                  <a:schemeClr val="tx1"/>
+                </a:solidFill>
+              </a:rPr>
+              <a:t>输入文本</a:t>
+            </a:r>
+            <a:endParaRPr lang="en-US" altLang="zh-CN" sz="3600" b="1" dirty="0">
+              <a:solidFill>
+                <a:schemeClr val="tx1"/>
+              </a:solidFill>
+            </a:endParaRPr>
+          </a:p>
+        </p:txBody>
+      </p:sp>
+      <p:cxnSp>
+        <p:nvCxnSpPr>
+          <p:cNvPr id="8" name="直接箭头连接符 7">
+            <a:extLst>
+              <a:ext uri="{FF2B5EF4-FFF2-40B4-BE49-F238E27FC236}">
+                <a16:creationId xmlns:a16="http://schemas.microsoft.com/office/drawing/2014/main" id="{4A9BFAF9-EEDA-4807-AB5D-986348202E4C}"/>
+              </a:ext>
+            </a:extLst>
+          </p:cNvPr>
+          <p:cNvCxnSpPr>
+            <a:cxnSpLocks/>
+            <a:stCxn id="3" idx="2"/>
+            <a:endCxn id="2" idx="0"/>
+          </p:cNvCxnSpPr>
+          <p:nvPr/>
+        </p:nvCxnSpPr>
+        <p:spPr>
+          <a:xfrm>
+            <a:off x="3200401" y="1453662"/>
+            <a:ext cx="0" cy="691662"/>
+          </a:xfrm>
+          <a:prstGeom prst="straightConnector1">
+            <a:avLst/>
+          </a:prstGeom>
+          <a:ln>
+            <a:tailEnd type="triangle"/>
+          </a:ln>
+        </p:spPr>
+        <p:style>
+          <a:lnRef idx="1">
+            <a:schemeClr val="accent1"/>
+          </a:lnRef>
+          <a:fillRef idx="0">
+            <a:schemeClr val="accent1"/>
+          </a:fillRef>
+          <a:effectRef idx="0">
+            <a:schemeClr val="accent1"/>
+          </a:effectRef>
+          <a:fontRef idx="minor">
+            <a:schemeClr val="tx1"/>
+          </a:fontRef>
+        </p:style>
+      </p:cxnSp>
+      <p:cxnSp>
+        <p:nvCxnSpPr>
+          <p:cNvPr id="14" name="直接箭头连接符 13">
+            <a:extLst>
+              <a:ext uri="{FF2B5EF4-FFF2-40B4-BE49-F238E27FC236}">
+                <a16:creationId xmlns:a16="http://schemas.microsoft.com/office/drawing/2014/main" id="{6C2F150C-CCAE-4677-BBEE-C95C9620F63D}"/>
+              </a:ext>
+            </a:extLst>
+          </p:cNvPr>
+          <p:cNvCxnSpPr>
+            <a:cxnSpLocks/>
+            <a:stCxn id="6" idx="0"/>
+            <a:endCxn id="5" idx="2"/>
+          </p:cNvCxnSpPr>
+          <p:nvPr/>
+        </p:nvCxnSpPr>
+        <p:spPr>
+          <a:xfrm flipV="1">
+            <a:off x="10210800" y="3001108"/>
+            <a:ext cx="0" cy="691662"/>
+          </a:xfrm>
+          <a:prstGeom prst="straightConnector1">
+            <a:avLst/>
+          </a:prstGeom>
+          <a:ln>
+            <a:tailEnd type="triangle"/>
+          </a:ln>
+        </p:spPr>
+        <p:style>
+          <a:lnRef idx="1">
+            <a:schemeClr val="accent1"/>
+          </a:lnRef>
+          <a:fillRef idx="0">
+            <a:schemeClr val="accent1"/>
+          </a:fillRef>
+          <a:effectRef idx="0">
+            <a:schemeClr val="accent1"/>
+          </a:effectRef>
+          <a:fontRef idx="minor">
+            <a:schemeClr val="tx1"/>
+          </a:fontRef>
+        </p:style>
+      </p:cxnSp>
+      <p:cxnSp>
+        <p:nvCxnSpPr>
+          <p:cNvPr id="18" name="直接箭头连接符 17">
+            <a:extLst>
+              <a:ext uri="{FF2B5EF4-FFF2-40B4-BE49-F238E27FC236}">
+                <a16:creationId xmlns:a16="http://schemas.microsoft.com/office/drawing/2014/main" id="{34550F6F-42C1-4AFF-83F2-C7774E0B8AE7}"/>
+              </a:ext>
+            </a:extLst>
+          </p:cNvPr>
+          <p:cNvCxnSpPr>
+            <a:cxnSpLocks/>
+          </p:cNvCxnSpPr>
+          <p:nvPr/>
+        </p:nvCxnSpPr>
+        <p:spPr>
+          <a:xfrm flipH="1">
+            <a:off x="7502772" y="2338756"/>
+            <a:ext cx="1523997" cy="0"/>
+          </a:xfrm>
+          <a:prstGeom prst="straightConnector1">
+            <a:avLst/>
+          </a:prstGeom>
+          <a:ln>
+            <a:tailEnd type="triangle"/>
+          </a:ln>
+        </p:spPr>
+        <p:style>
+          <a:lnRef idx="1">
+            <a:schemeClr val="accent1"/>
+          </a:lnRef>
+          <a:fillRef idx="0">
+            <a:schemeClr val="accent1"/>
+          </a:fillRef>
+          <a:effectRef idx="0">
+            <a:schemeClr val="accent1"/>
+          </a:effectRef>
+          <a:fontRef idx="minor">
+            <a:schemeClr val="tx1"/>
+          </a:fontRef>
+        </p:style>
+      </p:cxnSp>
+      <p:cxnSp>
+        <p:nvCxnSpPr>
+          <p:cNvPr id="21" name="直接箭头连接符 20">
+            <a:extLst>
+              <a:ext uri="{FF2B5EF4-FFF2-40B4-BE49-F238E27FC236}">
+                <a16:creationId xmlns:a16="http://schemas.microsoft.com/office/drawing/2014/main" id="{FF31DB97-46C9-4BF3-8376-C3472A78233D}"/>
+              </a:ext>
+            </a:extLst>
+          </p:cNvPr>
+          <p:cNvCxnSpPr>
+            <a:cxnSpLocks/>
+          </p:cNvCxnSpPr>
+          <p:nvPr/>
+        </p:nvCxnSpPr>
+        <p:spPr>
+          <a:xfrm>
+            <a:off x="7502771" y="2766648"/>
+            <a:ext cx="1523998" cy="0"/>
+          </a:xfrm>
+          <a:prstGeom prst="straightConnector1">
+            <a:avLst/>
+          </a:prstGeom>
+          <a:ln>
+            <a:tailEnd type="triangle"/>
+          </a:ln>
+        </p:spPr>
+        <p:style>
+          <a:lnRef idx="1">
+            <a:schemeClr val="accent1"/>
+          </a:lnRef>
+          <a:fillRef idx="0">
+            <a:schemeClr val="accent1"/>
+          </a:fillRef>
+          <a:effectRef idx="0">
+            <a:schemeClr val="accent1"/>
+          </a:effectRef>
+          <a:fontRef idx="minor">
+            <a:schemeClr val="tx1"/>
+          </a:fontRef>
+        </p:style>
+      </p:cxnSp>
+      <p:cxnSp>
+        <p:nvCxnSpPr>
+          <p:cNvPr id="24" name="直接箭头连接符 23">
+            <a:extLst>
+              <a:ext uri="{FF2B5EF4-FFF2-40B4-BE49-F238E27FC236}">
+                <a16:creationId xmlns:a16="http://schemas.microsoft.com/office/drawing/2014/main" id="{4130EDC4-1A0A-4FF0-8919-AB26D873E713}"/>
+              </a:ext>
+            </a:extLst>
+          </p:cNvPr>
+          <p:cNvCxnSpPr>
+            <a:cxnSpLocks/>
+            <a:stCxn id="2" idx="3"/>
+            <a:endCxn id="4" idx="1"/>
+          </p:cNvCxnSpPr>
+          <p:nvPr/>
+        </p:nvCxnSpPr>
+        <p:spPr>
+          <a:xfrm>
+            <a:off x="4384432" y="2573216"/>
+            <a:ext cx="750277" cy="0"/>
+          </a:xfrm>
+          <a:prstGeom prst="straightConnector1">
+            <a:avLst/>
+          </a:prstGeom>
+          <a:ln>
+            <a:headEnd type="triangle"/>
+            <a:tailEnd type="triangle"/>
+          </a:ln>
+        </p:spPr>
+        <p:style>
+          <a:lnRef idx="1">
+            <a:schemeClr val="accent1"/>
+          </a:lnRef>
+          <a:fillRef idx="0">
+            <a:schemeClr val="accent1"/>
+          </a:fillRef>
+          <a:effectRef idx="0">
+            <a:schemeClr val="accent1"/>
+          </a:effectRef>
+          <a:fontRef idx="minor">
+            <a:schemeClr val="tx1"/>
+          </a:fontRef>
+        </p:style>
+      </p:cxnSp>
+      <p:sp>
+        <p:nvSpPr>
+          <p:cNvPr id="26" name="文本框 25">
+            <a:extLst>
+              <a:ext uri="{FF2B5EF4-FFF2-40B4-BE49-F238E27FC236}">
+                <a16:creationId xmlns:a16="http://schemas.microsoft.com/office/drawing/2014/main" id="{D06CC006-9059-4C83-A103-BEFE648AF793}"/>
+              </a:ext>
+            </a:extLst>
+          </p:cNvPr>
+          <p:cNvSpPr txBox="1"/>
+          <p:nvPr/>
+        </p:nvSpPr>
+        <p:spPr>
+          <a:xfrm>
+            <a:off x="3200401" y="1614827"/>
+            <a:ext cx="800219" cy="461665"/>
+          </a:xfrm>
+          <a:prstGeom prst="rect">
+            <a:avLst/>
+          </a:prstGeom>
+          <a:noFill/>
+        </p:spPr>
+        <p:txBody>
+          <a:bodyPr wrap="none" rtlCol="0">
+            <a:spAutoFit/>
+          </a:bodyPr>
+          <a:lstStyle/>
+          <a:p>
+            <a:r>
+              <a:rPr lang="zh-CN" altLang="en-US" sz="2400" dirty="0">
+                <a:latin typeface="黑体" panose="02010609060101010101" pitchFamily="49" charset="-122"/>
+                <a:ea typeface="黑体" panose="02010609060101010101" pitchFamily="49" charset="-122"/>
+              </a:rPr>
+              <a:t>存储</a:t>
+            </a:r>
+          </a:p>
+        </p:txBody>
+      </p:sp>
+      <p:sp>
+        <p:nvSpPr>
+          <p:cNvPr id="27" name="文本框 26">
+            <a:extLst>
+              <a:ext uri="{FF2B5EF4-FFF2-40B4-BE49-F238E27FC236}">
+                <a16:creationId xmlns:a16="http://schemas.microsoft.com/office/drawing/2014/main" id="{9D95A2F3-E44C-490F-A177-9F96CAD125D2}"/>
+              </a:ext>
+            </a:extLst>
+          </p:cNvPr>
+          <p:cNvSpPr txBox="1"/>
+          <p:nvPr/>
+        </p:nvSpPr>
+        <p:spPr>
+          <a:xfrm>
+            <a:off x="4359461" y="2076492"/>
+            <a:ext cx="800219" cy="461665"/>
+          </a:xfrm>
+          <a:prstGeom prst="rect">
+            <a:avLst/>
+          </a:prstGeom>
+          <a:noFill/>
+        </p:spPr>
+        <p:txBody>
+          <a:bodyPr wrap="none" rtlCol="0">
+            <a:spAutoFit/>
+          </a:bodyPr>
+          <a:lstStyle/>
+          <a:p>
+            <a:r>
+              <a:rPr lang="zh-CN" altLang="en-US" sz="2400" dirty="0">
+                <a:latin typeface="黑体" panose="02010609060101010101" pitchFamily="49" charset="-122"/>
+                <a:ea typeface="黑体" panose="02010609060101010101" pitchFamily="49" charset="-122"/>
+              </a:rPr>
+              <a:t>训练</a:t>
+            </a:r>
+          </a:p>
+        </p:txBody>
+      </p:sp>
+      <p:sp>
+        <p:nvSpPr>
+          <p:cNvPr id="28" name="矩形 27">
+            <a:extLst>
+              <a:ext uri="{FF2B5EF4-FFF2-40B4-BE49-F238E27FC236}">
+                <a16:creationId xmlns:a16="http://schemas.microsoft.com/office/drawing/2014/main" id="{1D342A72-48F0-4F9A-852C-0703B20DBA6B}"/>
+              </a:ext>
+            </a:extLst>
+          </p:cNvPr>
+          <p:cNvSpPr/>
+          <p:nvPr/>
+        </p:nvSpPr>
+        <p:spPr>
+          <a:xfrm>
+            <a:off x="4384432" y="2631776"/>
+            <a:ext cx="800219" cy="461665"/>
+          </a:xfrm>
+          <a:prstGeom prst="rect">
+            <a:avLst/>
+          </a:prstGeom>
+        </p:spPr>
+        <p:txBody>
+          <a:bodyPr wrap="none">
+            <a:spAutoFit/>
+          </a:bodyPr>
+          <a:lstStyle/>
+          <a:p>
+            <a:r>
+              <a:rPr lang="zh-CN" altLang="en-US" sz="2400" dirty="0">
+                <a:latin typeface="黑体" panose="02010609060101010101" pitchFamily="49" charset="-122"/>
+                <a:ea typeface="黑体" panose="02010609060101010101" pitchFamily="49" charset="-122"/>
+              </a:rPr>
+              <a:t>抽取</a:t>
+            </a:r>
+            <a:endParaRPr lang="zh-CN" altLang="en-US" dirty="0"/>
+          </a:p>
+        </p:txBody>
+      </p:sp>
+      <p:sp>
+        <p:nvSpPr>
+          <p:cNvPr id="29" name="矩形 28">
+            <a:extLst>
+              <a:ext uri="{FF2B5EF4-FFF2-40B4-BE49-F238E27FC236}">
+                <a16:creationId xmlns:a16="http://schemas.microsoft.com/office/drawing/2014/main" id="{748425DB-878C-443D-93F7-DAA717FC7AC2}"/>
+              </a:ext>
+            </a:extLst>
+          </p:cNvPr>
+          <p:cNvSpPr/>
+          <p:nvPr/>
+        </p:nvSpPr>
+        <p:spPr>
+          <a:xfrm>
+            <a:off x="7095219" y="1649243"/>
+            <a:ext cx="2339102" cy="461665"/>
+          </a:xfrm>
+          <a:prstGeom prst="rect">
+            <a:avLst/>
+          </a:prstGeom>
+        </p:spPr>
+        <p:txBody>
+          <a:bodyPr wrap="none">
+            <a:spAutoFit/>
+          </a:bodyPr>
+          <a:lstStyle/>
+          <a:p>
+            <a:r>
+              <a:rPr lang="zh-CN" altLang="en-US" sz="2400" b="1" dirty="0"/>
+              <a:t>送入分类器判断</a:t>
+            </a:r>
+          </a:p>
+        </p:txBody>
+      </p:sp>
+      <p:sp>
+        <p:nvSpPr>
+          <p:cNvPr id="32" name="矩形 31">
+            <a:extLst>
+              <a:ext uri="{FF2B5EF4-FFF2-40B4-BE49-F238E27FC236}">
+                <a16:creationId xmlns:a16="http://schemas.microsoft.com/office/drawing/2014/main" id="{E3FB0938-55DF-4EAA-A0B0-29242F2DC7D4}"/>
+              </a:ext>
+            </a:extLst>
+          </p:cNvPr>
+          <p:cNvSpPr/>
+          <p:nvPr/>
+        </p:nvSpPr>
+        <p:spPr>
+          <a:xfrm>
+            <a:off x="7249108" y="2994497"/>
+            <a:ext cx="2031325" cy="461665"/>
+          </a:xfrm>
+          <a:prstGeom prst="rect">
+            <a:avLst/>
+          </a:prstGeom>
+        </p:spPr>
+        <p:txBody>
+          <a:bodyPr wrap="none">
+            <a:spAutoFit/>
+          </a:bodyPr>
+          <a:lstStyle/>
+          <a:p>
+            <a:r>
+              <a:rPr lang="zh-CN" altLang="en-US" sz="2400" b="1" dirty="0"/>
+              <a:t>返回分类结果</a:t>
+            </a:r>
+          </a:p>
+        </p:txBody>
+      </p:sp>
+    </p:spTree>
+    <p:extLst>
+      <p:ext uri="{BB962C8B-B14F-4D97-AF65-F5344CB8AC3E}">
+        <p14:creationId xmlns:p14="http://schemas.microsoft.com/office/powerpoint/2010/main" val="3650758731"/>
+      </p:ext>
+    </p:extLst>
+  </p:cSld>
+  <p:clrMapOvr>
+    <a:masterClrMapping/>
+  </p:clrMapOvr>
+</p:sld>
+</file>
+
 <file path=ppt/theme/theme1.xml><?xml version="1.0" encoding="utf-8"?>
 <a:theme xmlns:a="http://schemas.openxmlformats.org/drawingml/2006/main" name="Office 主题​​">
   <a:themeElements>

--- a/Doc/症状_科室映射图.pptx
+++ b/Doc/症状_科室映射图.pptx
@@ -16,7 +16,12 @@
     <p:sldId id="263" r:id="rId10"/>
     <p:sldId id="265" r:id="rId11"/>
     <p:sldId id="266" r:id="rId12"/>
-    <p:sldId id="267" r:id="rId13"/>
+    <p:sldId id="268" r:id="rId13"/>
+    <p:sldId id="267" r:id="rId14"/>
+    <p:sldId id="269" r:id="rId15"/>
+    <p:sldId id="270" r:id="rId16"/>
+    <p:sldId id="271" r:id="rId17"/>
+    <p:sldId id="272" r:id="rId18"/>
   </p:sldIdLst>
   <p:sldSz cx="12192000" cy="6858000"/>
   <p:notesSz cx="6858000" cy="9144000"/>
@@ -26296,7 +26301,7 @@
           <a:p>
             <a:fld id="{C9A92D6D-776B-4EA1-8067-4F1E54142CE7}" type="datetimeFigureOut">
               <a:rPr lang="zh-CN" altLang="en-US" smtClean="0"/>
-              <a:t>2020/3/10</a:t>
+              <a:t>2020/5/23</a:t>
             </a:fld>
             <a:endParaRPr lang="zh-CN" altLang="en-US"/>
           </a:p>
@@ -26494,7 +26499,7 @@
           <a:p>
             <a:fld id="{C9A92D6D-776B-4EA1-8067-4F1E54142CE7}" type="datetimeFigureOut">
               <a:rPr lang="zh-CN" altLang="en-US" smtClean="0"/>
-              <a:t>2020/3/10</a:t>
+              <a:t>2020/5/23</a:t>
             </a:fld>
             <a:endParaRPr lang="zh-CN" altLang="en-US"/>
           </a:p>
@@ -26702,7 +26707,7 @@
           <a:p>
             <a:fld id="{C9A92D6D-776B-4EA1-8067-4F1E54142CE7}" type="datetimeFigureOut">
               <a:rPr lang="zh-CN" altLang="en-US" smtClean="0"/>
-              <a:t>2020/3/10</a:t>
+              <a:t>2020/5/23</a:t>
             </a:fld>
             <a:endParaRPr lang="zh-CN" altLang="en-US"/>
           </a:p>
@@ -26900,7 +26905,7 @@
           <a:p>
             <a:fld id="{C9A92D6D-776B-4EA1-8067-4F1E54142CE7}" type="datetimeFigureOut">
               <a:rPr lang="zh-CN" altLang="en-US" smtClean="0"/>
-              <a:t>2020/3/10</a:t>
+              <a:t>2020/5/23</a:t>
             </a:fld>
             <a:endParaRPr lang="zh-CN" altLang="en-US"/>
           </a:p>
@@ -27175,7 +27180,7 @@
           <a:p>
             <a:fld id="{C9A92D6D-776B-4EA1-8067-4F1E54142CE7}" type="datetimeFigureOut">
               <a:rPr lang="zh-CN" altLang="en-US" smtClean="0"/>
-              <a:t>2020/3/10</a:t>
+              <a:t>2020/5/23</a:t>
             </a:fld>
             <a:endParaRPr lang="zh-CN" altLang="en-US"/>
           </a:p>
@@ -27440,7 +27445,7 @@
           <a:p>
             <a:fld id="{C9A92D6D-776B-4EA1-8067-4F1E54142CE7}" type="datetimeFigureOut">
               <a:rPr lang="zh-CN" altLang="en-US" smtClean="0"/>
-              <a:t>2020/3/10</a:t>
+              <a:t>2020/5/23</a:t>
             </a:fld>
             <a:endParaRPr lang="zh-CN" altLang="en-US"/>
           </a:p>
@@ -27852,7 +27857,7 @@
           <a:p>
             <a:fld id="{C9A92D6D-776B-4EA1-8067-4F1E54142CE7}" type="datetimeFigureOut">
               <a:rPr lang="zh-CN" altLang="en-US" smtClean="0"/>
-              <a:t>2020/3/10</a:t>
+              <a:t>2020/5/23</a:t>
             </a:fld>
             <a:endParaRPr lang="zh-CN" altLang="en-US"/>
           </a:p>
@@ -27993,7 +27998,7 @@
           <a:p>
             <a:fld id="{C9A92D6D-776B-4EA1-8067-4F1E54142CE7}" type="datetimeFigureOut">
               <a:rPr lang="zh-CN" altLang="en-US" smtClean="0"/>
-              <a:t>2020/3/10</a:t>
+              <a:t>2020/5/23</a:t>
             </a:fld>
             <a:endParaRPr lang="zh-CN" altLang="en-US"/>
           </a:p>
@@ -28106,7 +28111,7 @@
           <a:p>
             <a:fld id="{C9A92D6D-776B-4EA1-8067-4F1E54142CE7}" type="datetimeFigureOut">
               <a:rPr lang="zh-CN" altLang="en-US" smtClean="0"/>
-              <a:t>2020/3/10</a:t>
+              <a:t>2020/5/23</a:t>
             </a:fld>
             <a:endParaRPr lang="zh-CN" altLang="en-US"/>
           </a:p>
@@ -28417,7 +28422,7 @@
           <a:p>
             <a:fld id="{C9A92D6D-776B-4EA1-8067-4F1E54142CE7}" type="datetimeFigureOut">
               <a:rPr lang="zh-CN" altLang="en-US" smtClean="0"/>
-              <a:t>2020/3/10</a:t>
+              <a:t>2020/5/23</a:t>
             </a:fld>
             <a:endParaRPr lang="zh-CN" altLang="en-US"/>
           </a:p>
@@ -28705,7 +28710,7 @@
           <a:p>
             <a:fld id="{C9A92D6D-776B-4EA1-8067-4F1E54142CE7}" type="datetimeFigureOut">
               <a:rPr lang="zh-CN" altLang="en-US" smtClean="0"/>
-              <a:t>2020/3/10</a:t>
+              <a:t>2020/5/23</a:t>
             </a:fld>
             <a:endParaRPr lang="zh-CN" altLang="en-US"/>
           </a:p>
@@ -28946,7 +28951,7 @@
           <a:p>
             <a:fld id="{C9A92D6D-776B-4EA1-8067-4F1E54142CE7}" type="datetimeFigureOut">
               <a:rPr lang="zh-CN" altLang="en-US" smtClean="0"/>
-              <a:t>2020/3/10</a:t>
+              <a:t>2020/5/23</a:t>
             </a:fld>
             <a:endParaRPr lang="zh-CN" altLang="en-US"/>
           </a:p>
@@ -30131,6 +30136,244 @@
           <p:cNvPr id="4" name="表格 4">
             <a:extLst>
               <a:ext uri="{FF2B5EF4-FFF2-40B4-BE49-F238E27FC236}">
+                <a16:creationId xmlns:a16="http://schemas.microsoft.com/office/drawing/2014/main" id="{39F4269E-E2EC-492C-9AD5-29482DCD2DC5}"/>
+              </a:ext>
+            </a:extLst>
+          </p:cNvPr>
+          <p:cNvGraphicFramePr>
+            <a:graphicFrameLocks noGrp="1"/>
+          </p:cNvGraphicFramePr>
+          <p:nvPr>
+            <p:extLst>
+              <p:ext uri="{D42A27DB-BD31-4B8C-83A1-F6EECF244321}">
+                <p14:modId xmlns:p14="http://schemas.microsoft.com/office/powerpoint/2010/main" val="3747576867"/>
+              </p:ext>
+            </p:extLst>
+          </p:nvPr>
+        </p:nvGraphicFramePr>
+        <p:xfrm>
+          <a:off x="2032000" y="733313"/>
+          <a:ext cx="8128000" cy="1285240"/>
+        </p:xfrm>
+        <a:graphic>
+          <a:graphicData uri="http://schemas.openxmlformats.org/drawingml/2006/table">
+            <a:tbl>
+              <a:tblPr firstRow="1" bandRow="1">
+                <a:tableStyleId>{9D7B26C5-4107-4FEC-AEDC-1716B250A1EF}</a:tableStyleId>
+              </a:tblPr>
+              <a:tblGrid>
+                <a:gridCol w="2032000">
+                  <a:extLst>
+                    <a:ext uri="{9D8B030D-6E8A-4147-A177-3AD203B41FA5}">
+                      <a16:colId xmlns:a16="http://schemas.microsoft.com/office/drawing/2014/main" val="2881094151"/>
+                    </a:ext>
+                  </a:extLst>
+                </a:gridCol>
+                <a:gridCol w="2032000">
+                  <a:extLst>
+                    <a:ext uri="{9D8B030D-6E8A-4147-A177-3AD203B41FA5}">
+                      <a16:colId xmlns:a16="http://schemas.microsoft.com/office/drawing/2014/main" val="742351203"/>
+                    </a:ext>
+                  </a:extLst>
+                </a:gridCol>
+                <a:gridCol w="2032000">
+                  <a:extLst>
+                    <a:ext uri="{9D8B030D-6E8A-4147-A177-3AD203B41FA5}">
+                      <a16:colId xmlns:a16="http://schemas.microsoft.com/office/drawing/2014/main" val="2512360919"/>
+                    </a:ext>
+                  </a:extLst>
+                </a:gridCol>
+                <a:gridCol w="2032000">
+                  <a:extLst>
+                    <a:ext uri="{9D8B030D-6E8A-4147-A177-3AD203B41FA5}">
+                      <a16:colId xmlns:a16="http://schemas.microsoft.com/office/drawing/2014/main" val="3933505009"/>
+                    </a:ext>
+                  </a:extLst>
+                </a:gridCol>
+              </a:tblGrid>
+              <a:tr h="370840">
+                <a:tc>
+                  <a:txBody>
+                    <a:bodyPr/>
+                    <a:lstStyle/>
+                    <a:p>
+                      <a:r>
+                        <a:rPr lang="zh-CN" altLang="en-US" dirty="0"/>
+                        <a:t>科室</a:t>
+                      </a:r>
+                    </a:p>
+                  </a:txBody>
+                  <a:tcPr/>
+                </a:tc>
+                <a:tc>
+                  <a:txBody>
+                    <a:bodyPr/>
+                    <a:lstStyle/>
+                    <a:p>
+                      <a:r>
+                        <a:rPr lang="zh-CN" altLang="en-US" dirty="0"/>
+                        <a:t>问题</a:t>
+                      </a:r>
+                    </a:p>
+                  </a:txBody>
+                  <a:tcPr/>
+                </a:tc>
+                <a:tc>
+                  <a:txBody>
+                    <a:bodyPr/>
+                    <a:lstStyle/>
+                    <a:p>
+                      <a:r>
+                        <a:rPr lang="zh-CN" altLang="en-US" dirty="0"/>
+                        <a:t>回答</a:t>
+                      </a:r>
+                    </a:p>
+                  </a:txBody>
+                  <a:tcPr/>
+                </a:tc>
+                <a:tc>
+                  <a:txBody>
+                    <a:bodyPr/>
+                    <a:lstStyle/>
+                    <a:p>
+                      <a:r>
+                        <a:rPr lang="zh-CN" altLang="en-US" dirty="0"/>
+                        <a:t>时间</a:t>
+                      </a:r>
+                    </a:p>
+                  </a:txBody>
+                  <a:tcPr/>
+                </a:tc>
+                <a:extLst>
+                  <a:ext uri="{0D108BD9-81ED-4DB2-BD59-A6C34878D82A}">
+                    <a16:rowId xmlns:a16="http://schemas.microsoft.com/office/drawing/2014/main" val="2113913812"/>
+                  </a:ext>
+                </a:extLst>
+              </a:tr>
+              <a:tr h="370840">
+                <a:tc>
+                  <a:txBody>
+                    <a:bodyPr/>
+                    <a:lstStyle/>
+                    <a:p>
+                      <a:r>
+                        <a:rPr lang="zh-CN" altLang="en-US" dirty="0"/>
+                        <a:t>儿科</a:t>
+                      </a:r>
+                    </a:p>
+                  </a:txBody>
+                  <a:tcPr>
+                    <a:noFill/>
+                  </a:tcPr>
+                </a:tc>
+                <a:tc>
+                  <a:txBody>
+                    <a:bodyPr/>
+                    <a:lstStyle/>
+                    <a:p>
+                      <a:r>
+                        <a:rPr lang="en-US" altLang="zh-CN" dirty="0"/>
+                        <a:t>19</a:t>
+                      </a:r>
+                      <a:r>
+                        <a:rPr lang="zh-CN" altLang="en-US" dirty="0"/>
+                        <a:t>个月宝宝吃完退烧药又开始发烧了怎么回事</a:t>
+                      </a:r>
+                    </a:p>
+                  </a:txBody>
+                  <a:tcPr>
+                    <a:noFill/>
+                  </a:tcPr>
+                </a:tc>
+                <a:tc>
+                  <a:txBody>
+                    <a:bodyPr/>
+                    <a:lstStyle/>
+                    <a:p>
+                      <a:r>
+                        <a:rPr lang="zh-CN" altLang="en-US" dirty="0"/>
+                        <a:t>你好，请问现在孩子体温多少 </a:t>
+                      </a:r>
+                      <a:r>
+                        <a:rPr lang="en-US" altLang="zh-CN" dirty="0"/>
+                        <a:t>……</a:t>
+                      </a:r>
+                      <a:endParaRPr lang="zh-CN" altLang="en-US" dirty="0"/>
+                    </a:p>
+                  </a:txBody>
+                  <a:tcPr>
+                    <a:noFill/>
+                  </a:tcPr>
+                </a:tc>
+                <a:tc>
+                  <a:txBody>
+                    <a:bodyPr/>
+                    <a:lstStyle/>
+                    <a:p>
+                      <a:r>
+                        <a:rPr lang="en-US" altLang="zh-CN" sz="1800" b="0" i="0" kern="1200" dirty="0">
+                          <a:solidFill>
+                            <a:schemeClr val="tx1"/>
+                          </a:solidFill>
+                          <a:effectLst/>
+                          <a:latin typeface="+mn-lt"/>
+                          <a:ea typeface="+mn-ea"/>
+                          <a:cs typeface="+mn-cs"/>
+                        </a:rPr>
+                        <a:t>2018-12-31</a:t>
+                      </a:r>
+                      <a:endParaRPr lang="zh-CN" altLang="en-US" dirty="0"/>
+                    </a:p>
+                  </a:txBody>
+                  <a:tcPr>
+                    <a:noFill/>
+                  </a:tcPr>
+                </a:tc>
+                <a:extLst>
+                  <a:ext uri="{0D108BD9-81ED-4DB2-BD59-A6C34878D82A}">
+                    <a16:rowId xmlns:a16="http://schemas.microsoft.com/office/drawing/2014/main" val="4102128865"/>
+                  </a:ext>
+                </a:extLst>
+              </a:tr>
+            </a:tbl>
+          </a:graphicData>
+        </a:graphic>
+      </p:graphicFrame>
+    </p:spTree>
+    <p:extLst>
+      <p:ext uri="{BB962C8B-B14F-4D97-AF65-F5344CB8AC3E}">
+        <p14:creationId xmlns:p14="http://schemas.microsoft.com/office/powerpoint/2010/main" val="2880207592"/>
+      </p:ext>
+    </p:extLst>
+  </p:cSld>
+  <p:clrMapOvr>
+    <a:masterClrMapping/>
+  </p:clrMapOvr>
+</p:sld>
+</file>
+
+<file path=ppt/slides/slide13.xml><?xml version="1.0" encoding="utf-8"?>
+<p:sld xmlns:a="http://schemas.openxmlformats.org/drawingml/2006/main" xmlns:r="http://schemas.openxmlformats.org/officeDocument/2006/relationships" xmlns:p="http://schemas.openxmlformats.org/presentationml/2006/main">
+  <p:cSld>
+    <p:spTree>
+      <p:nvGrpSpPr>
+        <p:cNvPr id="1" name=""/>
+        <p:cNvGrpSpPr/>
+        <p:nvPr/>
+      </p:nvGrpSpPr>
+      <p:grpSpPr>
+        <a:xfrm>
+          <a:off x="0" y="0"/>
+          <a:ext cx="0" cy="0"/>
+          <a:chOff x="0" y="0"/>
+          <a:chExt cx="0" cy="0"/>
+        </a:xfrm>
+      </p:grpSpPr>
+      <p:graphicFrame>
+        <p:nvGraphicFramePr>
+          <p:cNvPr id="4" name="表格 4">
+            <a:extLst>
+              <a:ext uri="{FF2B5EF4-FFF2-40B4-BE49-F238E27FC236}">
                 <a16:creationId xmlns:a16="http://schemas.microsoft.com/office/drawing/2014/main" id="{F8DEC188-30F8-472B-8ACB-B03B48096196}"/>
               </a:ext>
             </a:extLst>
@@ -31199,6 +31442,1744 @@
     <p:extLst>
       <p:ext uri="{BB962C8B-B14F-4D97-AF65-F5344CB8AC3E}">
         <p14:creationId xmlns:p14="http://schemas.microsoft.com/office/powerpoint/2010/main" val="4294549328"/>
+      </p:ext>
+    </p:extLst>
+  </p:cSld>
+  <p:clrMapOvr>
+    <a:masterClrMapping/>
+  </p:clrMapOvr>
+</p:sld>
+</file>
+
+<file path=ppt/slides/slide14.xml><?xml version="1.0" encoding="utf-8"?>
+<p:sld xmlns:a="http://schemas.openxmlformats.org/drawingml/2006/main" xmlns:r="http://schemas.openxmlformats.org/officeDocument/2006/relationships" xmlns:p="http://schemas.openxmlformats.org/presentationml/2006/main">
+  <p:cSld>
+    <p:spTree>
+      <p:nvGrpSpPr>
+        <p:cNvPr id="1" name=""/>
+        <p:cNvGrpSpPr/>
+        <p:nvPr/>
+      </p:nvGrpSpPr>
+      <p:grpSpPr>
+        <a:xfrm>
+          <a:off x="0" y="0"/>
+          <a:ext cx="0" cy="0"/>
+          <a:chOff x="0" y="0"/>
+          <a:chExt cx="0" cy="0"/>
+        </a:xfrm>
+      </p:grpSpPr>
+      <p:graphicFrame>
+        <p:nvGraphicFramePr>
+          <p:cNvPr id="7" name="表格 7">
+            <a:extLst>
+              <a:ext uri="{FF2B5EF4-FFF2-40B4-BE49-F238E27FC236}">
+                <a16:creationId xmlns:a16="http://schemas.microsoft.com/office/drawing/2014/main" id="{9A3F6CE0-98CD-4B97-B985-EC8F24982EA2}"/>
+              </a:ext>
+            </a:extLst>
+          </p:cNvPr>
+          <p:cNvGraphicFramePr>
+            <a:graphicFrameLocks noGrp="1"/>
+          </p:cNvGraphicFramePr>
+          <p:nvPr>
+            <p:extLst>
+              <p:ext uri="{D42A27DB-BD31-4B8C-83A1-F6EECF244321}">
+                <p14:modId xmlns:p14="http://schemas.microsoft.com/office/powerpoint/2010/main" val="1065320706"/>
+              </p:ext>
+            </p:extLst>
+          </p:nvPr>
+        </p:nvGraphicFramePr>
+        <p:xfrm>
+          <a:off x="1245705" y="2082432"/>
+          <a:ext cx="8128001" cy="370840"/>
+        </p:xfrm>
+        <a:graphic>
+          <a:graphicData uri="http://schemas.openxmlformats.org/drawingml/2006/table">
+            <a:tbl>
+              <a:tblPr firstRow="1" bandRow="1">
+                <a:tableStyleId>{2D5ABB26-0587-4C30-8999-92F81FD0307C}</a:tableStyleId>
+              </a:tblPr>
+              <a:tblGrid>
+                <a:gridCol w="1161143">
+                  <a:extLst>
+                    <a:ext uri="{9D8B030D-6E8A-4147-A177-3AD203B41FA5}">
+                      <a16:colId xmlns:a16="http://schemas.microsoft.com/office/drawing/2014/main" val="3835989568"/>
+                    </a:ext>
+                  </a:extLst>
+                </a:gridCol>
+                <a:gridCol w="1161143">
+                  <a:extLst>
+                    <a:ext uri="{9D8B030D-6E8A-4147-A177-3AD203B41FA5}">
+                      <a16:colId xmlns:a16="http://schemas.microsoft.com/office/drawing/2014/main" val="2748388888"/>
+                    </a:ext>
+                  </a:extLst>
+                </a:gridCol>
+                <a:gridCol w="1161143">
+                  <a:extLst>
+                    <a:ext uri="{9D8B030D-6E8A-4147-A177-3AD203B41FA5}">
+                      <a16:colId xmlns:a16="http://schemas.microsoft.com/office/drawing/2014/main" val="1603517180"/>
+                    </a:ext>
+                  </a:extLst>
+                </a:gridCol>
+                <a:gridCol w="1161143">
+                  <a:extLst>
+                    <a:ext uri="{9D8B030D-6E8A-4147-A177-3AD203B41FA5}">
+                      <a16:colId xmlns:a16="http://schemas.microsoft.com/office/drawing/2014/main" val="1907600886"/>
+                    </a:ext>
+                  </a:extLst>
+                </a:gridCol>
+                <a:gridCol w="1161143">
+                  <a:extLst>
+                    <a:ext uri="{9D8B030D-6E8A-4147-A177-3AD203B41FA5}">
+                      <a16:colId xmlns:a16="http://schemas.microsoft.com/office/drawing/2014/main" val="3026151643"/>
+                    </a:ext>
+                  </a:extLst>
+                </a:gridCol>
+                <a:gridCol w="1161143">
+                  <a:extLst>
+                    <a:ext uri="{9D8B030D-6E8A-4147-A177-3AD203B41FA5}">
+                      <a16:colId xmlns:a16="http://schemas.microsoft.com/office/drawing/2014/main" val="28679859"/>
+                    </a:ext>
+                  </a:extLst>
+                </a:gridCol>
+                <a:gridCol w="1161143">
+                  <a:extLst>
+                    <a:ext uri="{9D8B030D-6E8A-4147-A177-3AD203B41FA5}">
+                      <a16:colId xmlns:a16="http://schemas.microsoft.com/office/drawing/2014/main" val="463184402"/>
+                    </a:ext>
+                  </a:extLst>
+                </a:gridCol>
+              </a:tblGrid>
+              <a:tr h="370840">
+                <a:tc>
+                  <a:txBody>
+                    <a:bodyPr/>
+                    <a:lstStyle/>
+                    <a:p>
+                      <a:r>
+                        <a:rPr lang="en-US" altLang="zh-CN" dirty="0"/>
+                        <a:t>……</a:t>
+                      </a:r>
+                      <a:endParaRPr lang="zh-CN" altLang="en-US" dirty="0"/>
+                    </a:p>
+                  </a:txBody>
+                  <a:tcPr>
+                    <a:lnT w="12700" cap="flat" cmpd="sng" algn="ctr">
+                      <a:solidFill>
+                        <a:schemeClr val="tx1"/>
+                      </a:solidFill>
+                      <a:prstDash val="solid"/>
+                      <a:round/>
+                      <a:headEnd type="none" w="med" len="med"/>
+                      <a:tailEnd type="none" w="med" len="med"/>
+                    </a:lnT>
+                    <a:lnB w="12700" cap="flat" cmpd="sng" algn="ctr">
+                      <a:solidFill>
+                        <a:schemeClr val="tx1"/>
+                      </a:solidFill>
+                      <a:prstDash val="solid"/>
+                      <a:round/>
+                      <a:headEnd type="none" w="med" len="med"/>
+                      <a:tailEnd type="none" w="med" len="med"/>
+                    </a:lnB>
+                  </a:tcPr>
+                </a:tc>
+                <a:tc>
+                  <a:txBody>
+                    <a:bodyPr/>
+                    <a:lstStyle/>
+                    <a:p>
+                      <a:r>
+                        <a:rPr lang="zh-CN" altLang="en-US" dirty="0"/>
+                        <a:t>一般</a:t>
+                      </a:r>
+                    </a:p>
+                  </a:txBody>
+                  <a:tcPr>
+                    <a:lnT w="12700" cap="flat" cmpd="sng" algn="ctr">
+                      <a:solidFill>
+                        <a:schemeClr val="tx1"/>
+                      </a:solidFill>
+                      <a:prstDash val="solid"/>
+                      <a:round/>
+                      <a:headEnd type="none" w="med" len="med"/>
+                      <a:tailEnd type="none" w="med" len="med"/>
+                    </a:lnT>
+                    <a:lnB w="12700" cap="flat" cmpd="sng" algn="ctr">
+                      <a:solidFill>
+                        <a:schemeClr val="tx1"/>
+                      </a:solidFill>
+                      <a:prstDash val="solid"/>
+                      <a:round/>
+                      <a:headEnd type="none" w="med" len="med"/>
+                      <a:tailEnd type="none" w="med" len="med"/>
+                    </a:lnB>
+                  </a:tcPr>
+                </a:tc>
+                <a:tc>
+                  <a:txBody>
+                    <a:bodyPr/>
+                    <a:lstStyle/>
+                    <a:p>
+                      <a:r>
+                        <a:rPr lang="zh-CN" altLang="en-US" dirty="0"/>
+                        <a:t>万一</a:t>
+                      </a:r>
+                    </a:p>
+                  </a:txBody>
+                  <a:tcPr>
+                    <a:lnT w="12700" cap="flat" cmpd="sng" algn="ctr">
+                      <a:solidFill>
+                        <a:schemeClr val="tx1"/>
+                      </a:solidFill>
+                      <a:prstDash val="solid"/>
+                      <a:round/>
+                      <a:headEnd type="none" w="med" len="med"/>
+                      <a:tailEnd type="none" w="med" len="med"/>
+                    </a:lnT>
+                    <a:lnB w="12700" cap="flat" cmpd="sng" algn="ctr">
+                      <a:solidFill>
+                        <a:schemeClr val="tx1"/>
+                      </a:solidFill>
+                      <a:prstDash val="solid"/>
+                      <a:round/>
+                      <a:headEnd type="none" w="med" len="med"/>
+                      <a:tailEnd type="none" w="med" len="med"/>
+                    </a:lnB>
+                  </a:tcPr>
+                </a:tc>
+                <a:tc>
+                  <a:txBody>
+                    <a:bodyPr/>
+                    <a:lstStyle/>
+                    <a:p>
+                      <a:r>
+                        <a:rPr lang="zh-CN" altLang="en-US" dirty="0"/>
+                        <a:t>不仅</a:t>
+                      </a:r>
+                    </a:p>
+                  </a:txBody>
+                  <a:tcPr>
+                    <a:lnT w="12700" cap="flat" cmpd="sng" algn="ctr">
+                      <a:solidFill>
+                        <a:schemeClr val="tx1"/>
+                      </a:solidFill>
+                      <a:prstDash val="solid"/>
+                      <a:round/>
+                      <a:headEnd type="none" w="med" len="med"/>
+                      <a:tailEnd type="none" w="med" len="med"/>
+                    </a:lnT>
+                    <a:lnB w="12700" cap="flat" cmpd="sng" algn="ctr">
+                      <a:solidFill>
+                        <a:schemeClr val="tx1"/>
+                      </a:solidFill>
+                      <a:prstDash val="solid"/>
+                      <a:round/>
+                      <a:headEnd type="none" w="med" len="med"/>
+                      <a:tailEnd type="none" w="med" len="med"/>
+                    </a:lnB>
+                  </a:tcPr>
+                </a:tc>
+                <a:tc>
+                  <a:txBody>
+                    <a:bodyPr/>
+                    <a:lstStyle/>
+                    <a:p>
+                      <a:r>
+                        <a:rPr lang="zh-CN" altLang="en-US" dirty="0"/>
+                        <a:t>且</a:t>
+                      </a:r>
+                    </a:p>
+                  </a:txBody>
+                  <a:tcPr>
+                    <a:lnT w="12700" cap="flat" cmpd="sng" algn="ctr">
+                      <a:solidFill>
+                        <a:schemeClr val="tx1"/>
+                      </a:solidFill>
+                      <a:prstDash val="solid"/>
+                      <a:round/>
+                      <a:headEnd type="none" w="med" len="med"/>
+                      <a:tailEnd type="none" w="med" len="med"/>
+                    </a:lnT>
+                    <a:lnB w="12700" cap="flat" cmpd="sng" algn="ctr">
+                      <a:solidFill>
+                        <a:schemeClr val="tx1"/>
+                      </a:solidFill>
+                      <a:prstDash val="solid"/>
+                      <a:round/>
+                      <a:headEnd type="none" w="med" len="med"/>
+                      <a:tailEnd type="none" w="med" len="med"/>
+                    </a:lnB>
+                  </a:tcPr>
+                </a:tc>
+                <a:tc>
+                  <a:txBody>
+                    <a:bodyPr/>
+                    <a:lstStyle/>
+                    <a:p>
+                      <a:r>
+                        <a:rPr lang="zh-CN" altLang="en-US" dirty="0"/>
+                        <a:t>为了</a:t>
+                      </a:r>
+                    </a:p>
+                  </a:txBody>
+                  <a:tcPr>
+                    <a:lnT w="12700" cap="flat" cmpd="sng" algn="ctr">
+                      <a:solidFill>
+                        <a:schemeClr val="tx1"/>
+                      </a:solidFill>
+                      <a:prstDash val="solid"/>
+                      <a:round/>
+                      <a:headEnd type="none" w="med" len="med"/>
+                      <a:tailEnd type="none" w="med" len="med"/>
+                    </a:lnT>
+                    <a:lnB w="12700" cap="flat" cmpd="sng" algn="ctr">
+                      <a:solidFill>
+                        <a:schemeClr val="tx1"/>
+                      </a:solidFill>
+                      <a:prstDash val="solid"/>
+                      <a:round/>
+                      <a:headEnd type="none" w="med" len="med"/>
+                      <a:tailEnd type="none" w="med" len="med"/>
+                    </a:lnB>
+                  </a:tcPr>
+                </a:tc>
+                <a:tc>
+                  <a:txBody>
+                    <a:bodyPr/>
+                    <a:lstStyle/>
+                    <a:p>
+                      <a:r>
+                        <a:rPr lang="en-US" altLang="zh-CN" dirty="0"/>
+                        <a:t>……</a:t>
+                      </a:r>
+                      <a:endParaRPr lang="zh-CN" altLang="en-US" dirty="0"/>
+                    </a:p>
+                  </a:txBody>
+                  <a:tcPr>
+                    <a:lnT w="12700" cap="flat" cmpd="sng" algn="ctr">
+                      <a:solidFill>
+                        <a:schemeClr val="tx1"/>
+                      </a:solidFill>
+                      <a:prstDash val="solid"/>
+                      <a:round/>
+                      <a:headEnd type="none" w="med" len="med"/>
+                      <a:tailEnd type="none" w="med" len="med"/>
+                    </a:lnT>
+                    <a:lnB w="12700" cap="flat" cmpd="sng" algn="ctr">
+                      <a:solidFill>
+                        <a:schemeClr val="tx1"/>
+                      </a:solidFill>
+                      <a:prstDash val="solid"/>
+                      <a:round/>
+                      <a:headEnd type="none" w="med" len="med"/>
+                      <a:tailEnd type="none" w="med" len="med"/>
+                    </a:lnB>
+                  </a:tcPr>
+                </a:tc>
+                <a:extLst>
+                  <a:ext uri="{0D108BD9-81ED-4DB2-BD59-A6C34878D82A}">
+                    <a16:rowId xmlns:a16="http://schemas.microsoft.com/office/drawing/2014/main" val="4135717485"/>
+                  </a:ext>
+                </a:extLst>
+              </a:tr>
+            </a:tbl>
+          </a:graphicData>
+        </a:graphic>
+      </p:graphicFrame>
+    </p:spTree>
+    <p:extLst>
+      <p:ext uri="{BB962C8B-B14F-4D97-AF65-F5344CB8AC3E}">
+        <p14:creationId xmlns:p14="http://schemas.microsoft.com/office/powerpoint/2010/main" val="2555885464"/>
+      </p:ext>
+    </p:extLst>
+  </p:cSld>
+  <p:clrMapOvr>
+    <a:masterClrMapping/>
+  </p:clrMapOvr>
+</p:sld>
+</file>
+
+<file path=ppt/slides/slide15.xml><?xml version="1.0" encoding="utf-8"?>
+<p:sld xmlns:a="http://schemas.openxmlformats.org/drawingml/2006/main" xmlns:r="http://schemas.openxmlformats.org/officeDocument/2006/relationships" xmlns:p="http://schemas.openxmlformats.org/presentationml/2006/main">
+  <p:cSld>
+    <p:spTree>
+      <p:nvGrpSpPr>
+        <p:cNvPr id="1" name=""/>
+        <p:cNvGrpSpPr/>
+        <p:nvPr/>
+      </p:nvGrpSpPr>
+      <p:grpSpPr>
+        <a:xfrm>
+          <a:off x="0" y="0"/>
+          <a:ext cx="0" cy="0"/>
+          <a:chOff x="0" y="0"/>
+          <a:chExt cx="0" cy="0"/>
+        </a:xfrm>
+      </p:grpSpPr>
+      <p:graphicFrame>
+        <p:nvGraphicFramePr>
+          <p:cNvPr id="6" name="表格 6">
+            <a:extLst>
+              <a:ext uri="{FF2B5EF4-FFF2-40B4-BE49-F238E27FC236}">
+                <a16:creationId xmlns:a16="http://schemas.microsoft.com/office/drawing/2014/main" id="{0218FC9F-87A5-4261-AAD1-2339D8E35439}"/>
+              </a:ext>
+            </a:extLst>
+          </p:cNvPr>
+          <p:cNvGraphicFramePr>
+            <a:graphicFrameLocks noGrp="1"/>
+          </p:cNvGraphicFramePr>
+          <p:nvPr>
+            <p:extLst>
+              <p:ext uri="{D42A27DB-BD31-4B8C-83A1-F6EECF244321}">
+                <p14:modId xmlns:p14="http://schemas.microsoft.com/office/powerpoint/2010/main" val="4109463793"/>
+              </p:ext>
+            </p:extLst>
+          </p:nvPr>
+        </p:nvGraphicFramePr>
+        <p:xfrm>
+          <a:off x="880533" y="719666"/>
+          <a:ext cx="10803465" cy="1828800"/>
+        </p:xfrm>
+        <a:graphic>
+          <a:graphicData uri="http://schemas.openxmlformats.org/drawingml/2006/table">
+            <a:tbl>
+              <a:tblPr firstRow="1" bandRow="1">
+                <a:tableStyleId>{2D5ABB26-0587-4C30-8999-92F81FD0307C}</a:tableStyleId>
+              </a:tblPr>
+              <a:tblGrid>
+                <a:gridCol w="2160693">
+                  <a:extLst>
+                    <a:ext uri="{9D8B030D-6E8A-4147-A177-3AD203B41FA5}">
+                      <a16:colId xmlns:a16="http://schemas.microsoft.com/office/drawing/2014/main" val="4027141526"/>
+                    </a:ext>
+                  </a:extLst>
+                </a:gridCol>
+                <a:gridCol w="2160693">
+                  <a:extLst>
+                    <a:ext uri="{9D8B030D-6E8A-4147-A177-3AD203B41FA5}">
+                      <a16:colId xmlns:a16="http://schemas.microsoft.com/office/drawing/2014/main" val="3697355643"/>
+                    </a:ext>
+                  </a:extLst>
+                </a:gridCol>
+                <a:gridCol w="2160693">
+                  <a:extLst>
+                    <a:ext uri="{9D8B030D-6E8A-4147-A177-3AD203B41FA5}">
+                      <a16:colId xmlns:a16="http://schemas.microsoft.com/office/drawing/2014/main" val="3106069445"/>
+                    </a:ext>
+                  </a:extLst>
+                </a:gridCol>
+                <a:gridCol w="2160693">
+                  <a:extLst>
+                    <a:ext uri="{9D8B030D-6E8A-4147-A177-3AD203B41FA5}">
+                      <a16:colId xmlns:a16="http://schemas.microsoft.com/office/drawing/2014/main" val="4141473080"/>
+                    </a:ext>
+                  </a:extLst>
+                </a:gridCol>
+                <a:gridCol w="2160693">
+                  <a:extLst>
+                    <a:ext uri="{9D8B030D-6E8A-4147-A177-3AD203B41FA5}">
+                      <a16:colId xmlns:a16="http://schemas.microsoft.com/office/drawing/2014/main" val="941427528"/>
+                    </a:ext>
+                  </a:extLst>
+                </a:gridCol>
+              </a:tblGrid>
+              <a:tr h="279400">
+                <a:tc>
+                  <a:txBody>
+                    <a:bodyPr/>
+                    <a:lstStyle/>
+                    <a:p>
+                      <a:r>
+                        <a:rPr lang="zh-CN" altLang="en-US" dirty="0"/>
+                        <a:t>索引</a:t>
+                      </a:r>
+                    </a:p>
+                  </a:txBody>
+                  <a:tcPr>
+                    <a:lnT w="12700" cap="flat" cmpd="sng" algn="ctr">
+                      <a:solidFill>
+                        <a:schemeClr val="tx1"/>
+                      </a:solidFill>
+                      <a:prstDash val="solid"/>
+                      <a:round/>
+                      <a:headEnd type="none" w="med" len="med"/>
+                      <a:tailEnd type="none" w="med" len="med"/>
+                    </a:lnT>
+                    <a:lnB w="12700" cap="flat" cmpd="sng" algn="ctr">
+                      <a:solidFill>
+                        <a:schemeClr val="tx1"/>
+                      </a:solidFill>
+                      <a:prstDash val="solid"/>
+                      <a:round/>
+                      <a:headEnd type="none" w="med" len="med"/>
+                      <a:tailEnd type="none" w="med" len="med"/>
+                    </a:lnB>
+                  </a:tcPr>
+                </a:tc>
+                <a:tc>
+                  <a:txBody>
+                    <a:bodyPr/>
+                    <a:lstStyle/>
+                    <a:p>
+                      <a:r>
+                        <a:rPr lang="en-US" altLang="zh-CN" dirty="0" err="1"/>
+                        <a:t>Q_Tag</a:t>
+                      </a:r>
+                      <a:endParaRPr lang="en-US" altLang="zh-CN" dirty="0"/>
+                    </a:p>
+                  </a:txBody>
+                  <a:tcPr>
+                    <a:lnT w="12700" cap="flat" cmpd="sng" algn="ctr">
+                      <a:solidFill>
+                        <a:schemeClr val="tx1"/>
+                      </a:solidFill>
+                      <a:prstDash val="solid"/>
+                      <a:round/>
+                      <a:headEnd type="none" w="med" len="med"/>
+                      <a:tailEnd type="none" w="med" len="med"/>
+                    </a:lnT>
+                    <a:lnB w="12700" cap="flat" cmpd="sng" algn="ctr">
+                      <a:solidFill>
+                        <a:schemeClr val="tx1"/>
+                      </a:solidFill>
+                      <a:prstDash val="solid"/>
+                      <a:round/>
+                      <a:headEnd type="none" w="med" len="med"/>
+                      <a:tailEnd type="none" w="med" len="med"/>
+                    </a:lnB>
+                  </a:tcPr>
+                </a:tc>
+                <a:tc>
+                  <a:txBody>
+                    <a:bodyPr/>
+                    <a:lstStyle/>
+                    <a:p>
+                      <a:r>
+                        <a:rPr lang="en-US" altLang="zh-CN" dirty="0"/>
+                        <a:t>CLINIC</a:t>
+                      </a:r>
+                      <a:endParaRPr lang="zh-CN" altLang="en-US" dirty="0"/>
+                    </a:p>
+                  </a:txBody>
+                  <a:tcPr>
+                    <a:lnT w="12700" cap="flat" cmpd="sng" algn="ctr">
+                      <a:solidFill>
+                        <a:schemeClr val="tx1"/>
+                      </a:solidFill>
+                      <a:prstDash val="solid"/>
+                      <a:round/>
+                      <a:headEnd type="none" w="med" len="med"/>
+                      <a:tailEnd type="none" w="med" len="med"/>
+                    </a:lnT>
+                    <a:lnB w="12700" cap="flat" cmpd="sng" algn="ctr">
+                      <a:solidFill>
+                        <a:schemeClr val="tx1"/>
+                      </a:solidFill>
+                      <a:prstDash val="solid"/>
+                      <a:round/>
+                      <a:headEnd type="none" w="med" len="med"/>
+                      <a:tailEnd type="none" w="med" len="med"/>
+                    </a:lnB>
+                  </a:tcPr>
+                </a:tc>
+                <a:tc>
+                  <a:txBody>
+                    <a:bodyPr/>
+                    <a:lstStyle/>
+                    <a:p>
+                      <a:r>
+                        <a:rPr lang="en-US" altLang="zh-CN" dirty="0"/>
+                        <a:t>QUESTION</a:t>
+                      </a:r>
+                      <a:endParaRPr lang="zh-CN" altLang="en-US" dirty="0"/>
+                    </a:p>
+                  </a:txBody>
+                  <a:tcPr>
+                    <a:lnT w="12700" cap="flat" cmpd="sng" algn="ctr">
+                      <a:solidFill>
+                        <a:schemeClr val="tx1"/>
+                      </a:solidFill>
+                      <a:prstDash val="solid"/>
+                      <a:round/>
+                      <a:headEnd type="none" w="med" len="med"/>
+                      <a:tailEnd type="none" w="med" len="med"/>
+                    </a:lnT>
+                    <a:lnB w="12700" cap="flat" cmpd="sng" algn="ctr">
+                      <a:solidFill>
+                        <a:schemeClr val="tx1"/>
+                      </a:solidFill>
+                      <a:prstDash val="solid"/>
+                      <a:round/>
+                      <a:headEnd type="none" w="med" len="med"/>
+                      <a:tailEnd type="none" w="med" len="med"/>
+                    </a:lnB>
+                  </a:tcPr>
+                </a:tc>
+                <a:tc>
+                  <a:txBody>
+                    <a:bodyPr/>
+                    <a:lstStyle/>
+                    <a:p>
+                      <a:r>
+                        <a:rPr lang="en-US" altLang="zh-CN" dirty="0"/>
+                        <a:t>Q_D</a:t>
+                      </a:r>
+                      <a:endParaRPr lang="zh-CN" altLang="en-US" dirty="0"/>
+                    </a:p>
+                  </a:txBody>
+                  <a:tcPr>
+                    <a:lnT w="12700" cap="flat" cmpd="sng" algn="ctr">
+                      <a:solidFill>
+                        <a:schemeClr val="tx1"/>
+                      </a:solidFill>
+                      <a:prstDash val="solid"/>
+                      <a:round/>
+                      <a:headEnd type="none" w="med" len="med"/>
+                      <a:tailEnd type="none" w="med" len="med"/>
+                    </a:lnT>
+                    <a:lnB w="12700" cap="flat" cmpd="sng" algn="ctr">
+                      <a:solidFill>
+                        <a:schemeClr val="tx1"/>
+                      </a:solidFill>
+                      <a:prstDash val="solid"/>
+                      <a:round/>
+                      <a:headEnd type="none" w="med" len="med"/>
+                      <a:tailEnd type="none" w="med" len="med"/>
+                    </a:lnB>
+                  </a:tcPr>
+                </a:tc>
+                <a:extLst>
+                  <a:ext uri="{0D108BD9-81ED-4DB2-BD59-A6C34878D82A}">
+                    <a16:rowId xmlns:a16="http://schemas.microsoft.com/office/drawing/2014/main" val="2023382216"/>
+                  </a:ext>
+                </a:extLst>
+              </a:tr>
+              <a:tr h="1117601">
+                <a:tc>
+                  <a:txBody>
+                    <a:bodyPr/>
+                    <a:lstStyle/>
+                    <a:p>
+                      <a:r>
+                        <a:rPr lang="en-US" altLang="zh-CN" dirty="0"/>
+                        <a:t>4276</a:t>
+                      </a:r>
+                      <a:endParaRPr lang="zh-CN" altLang="en-US" dirty="0"/>
+                    </a:p>
+                  </a:txBody>
+                  <a:tcPr>
+                    <a:lnT w="12700" cap="flat" cmpd="sng" algn="ctr">
+                      <a:solidFill>
+                        <a:schemeClr val="tx1"/>
+                      </a:solidFill>
+                      <a:prstDash val="solid"/>
+                      <a:round/>
+                      <a:headEnd type="none" w="med" len="med"/>
+                      <a:tailEnd type="none" w="med" len="med"/>
+                    </a:lnT>
+                    <a:lnB w="12700" cap="flat" cmpd="sng" algn="ctr">
+                      <a:solidFill>
+                        <a:schemeClr val="tx1"/>
+                      </a:solidFill>
+                      <a:prstDash val="solid"/>
+                      <a:round/>
+                      <a:headEnd type="none" w="med" len="med"/>
+                      <a:tailEnd type="none" w="med" len="med"/>
+                    </a:lnB>
+                  </a:tcPr>
+                </a:tc>
+                <a:tc>
+                  <a:txBody>
+                    <a:bodyPr/>
+                    <a:lstStyle/>
+                    <a:p>
+                      <a:r>
+                        <a:rPr lang="en-US" altLang="zh-CN" dirty="0"/>
+                        <a:t>14</a:t>
+                      </a:r>
+                      <a:endParaRPr lang="zh-CN" altLang="en-US" dirty="0"/>
+                    </a:p>
+                  </a:txBody>
+                  <a:tcPr>
+                    <a:lnT w="12700" cap="flat" cmpd="sng" algn="ctr">
+                      <a:solidFill>
+                        <a:schemeClr val="tx1"/>
+                      </a:solidFill>
+                      <a:prstDash val="solid"/>
+                      <a:round/>
+                      <a:headEnd type="none" w="med" len="med"/>
+                      <a:tailEnd type="none" w="med" len="med"/>
+                    </a:lnT>
+                    <a:lnB w="12700" cap="flat" cmpd="sng" algn="ctr">
+                      <a:solidFill>
+                        <a:schemeClr val="tx1"/>
+                      </a:solidFill>
+                      <a:prstDash val="solid"/>
+                      <a:round/>
+                      <a:headEnd type="none" w="med" len="med"/>
+                      <a:tailEnd type="none" w="med" len="med"/>
+                    </a:lnB>
+                  </a:tcPr>
+                </a:tc>
+                <a:tc>
+                  <a:txBody>
+                    <a:bodyPr/>
+                    <a:lstStyle/>
+                    <a:p>
+                      <a:r>
+                        <a:rPr lang="zh-CN" altLang="en-US" dirty="0"/>
+                        <a:t>骨伤科</a:t>
+                      </a:r>
+                    </a:p>
+                  </a:txBody>
+                  <a:tcPr>
+                    <a:lnT w="12700" cap="flat" cmpd="sng" algn="ctr">
+                      <a:solidFill>
+                        <a:schemeClr val="tx1"/>
+                      </a:solidFill>
+                      <a:prstDash val="solid"/>
+                      <a:round/>
+                      <a:headEnd type="none" w="med" len="med"/>
+                      <a:tailEnd type="none" w="med" len="med"/>
+                    </a:lnT>
+                    <a:lnB w="12700" cap="flat" cmpd="sng" algn="ctr">
+                      <a:solidFill>
+                        <a:schemeClr val="tx1"/>
+                      </a:solidFill>
+                      <a:prstDash val="solid"/>
+                      <a:round/>
+                      <a:headEnd type="none" w="med" len="med"/>
+                      <a:tailEnd type="none" w="med" len="med"/>
+                    </a:lnB>
+                  </a:tcPr>
+                </a:tc>
+                <a:tc>
+                  <a:txBody>
+                    <a:bodyPr/>
+                    <a:lstStyle/>
+                    <a:p>
+                      <a:r>
+                        <a:rPr lang="zh-CN" altLang="en-US" dirty="0"/>
+                        <a:t>脚侧面一按里面就疼就像抽筋怎么回事</a:t>
+                      </a:r>
+                    </a:p>
+                  </a:txBody>
+                  <a:tcPr>
+                    <a:lnT w="12700" cap="flat" cmpd="sng" algn="ctr">
+                      <a:solidFill>
+                        <a:schemeClr val="tx1"/>
+                      </a:solidFill>
+                      <a:prstDash val="solid"/>
+                      <a:round/>
+                      <a:headEnd type="none" w="med" len="med"/>
+                      <a:tailEnd type="none" w="med" len="med"/>
+                    </a:lnT>
+                    <a:lnB w="12700" cap="flat" cmpd="sng" algn="ctr">
+                      <a:solidFill>
+                        <a:schemeClr val="tx1"/>
+                      </a:solidFill>
+                      <a:prstDash val="solid"/>
+                      <a:round/>
+                      <a:headEnd type="none" w="med" len="med"/>
+                      <a:tailEnd type="none" w="med" len="med"/>
+                    </a:lnB>
+                  </a:tcPr>
+                </a:tc>
+                <a:tc>
+                  <a:txBody>
+                    <a:bodyPr/>
+                    <a:lstStyle/>
+                    <a:p>
+                      <a:r>
+                        <a:rPr lang="en-US" altLang="zh-CN" dirty="0"/>
+                        <a:t>[‘</a:t>
+                      </a:r>
+                      <a:r>
+                        <a:rPr lang="zh-CN" altLang="en-US" dirty="0"/>
+                        <a:t>脚</a:t>
+                      </a:r>
+                      <a:r>
+                        <a:rPr lang="en-US" altLang="zh-CN" dirty="0"/>
+                        <a:t>’</a:t>
+                      </a:r>
+                      <a:r>
+                        <a:rPr lang="zh-CN" altLang="en-US" dirty="0"/>
+                        <a:t>，‘侧面’，‘一’，‘按’，‘里面’，‘就’，‘疼’，‘就’，‘像’，‘抽筋’，‘怎么’，‘回事’，‘怎么回事’</a:t>
+                      </a:r>
+                      <a:r>
+                        <a:rPr lang="en-US" altLang="zh-CN" dirty="0"/>
+                        <a:t>]</a:t>
+                      </a:r>
+                      <a:endParaRPr lang="zh-CN" altLang="en-US" dirty="0"/>
+                    </a:p>
+                  </a:txBody>
+                  <a:tcPr>
+                    <a:lnT w="12700" cap="flat" cmpd="sng" algn="ctr">
+                      <a:solidFill>
+                        <a:schemeClr val="tx1"/>
+                      </a:solidFill>
+                      <a:prstDash val="solid"/>
+                      <a:round/>
+                      <a:headEnd type="none" w="med" len="med"/>
+                      <a:tailEnd type="none" w="med" len="med"/>
+                    </a:lnT>
+                    <a:lnB w="12700" cap="flat" cmpd="sng" algn="ctr">
+                      <a:solidFill>
+                        <a:schemeClr val="tx1"/>
+                      </a:solidFill>
+                      <a:prstDash val="solid"/>
+                      <a:round/>
+                      <a:headEnd type="none" w="med" len="med"/>
+                      <a:tailEnd type="none" w="med" len="med"/>
+                    </a:lnB>
+                  </a:tcPr>
+                </a:tc>
+                <a:extLst>
+                  <a:ext uri="{0D108BD9-81ED-4DB2-BD59-A6C34878D82A}">
+                    <a16:rowId xmlns:a16="http://schemas.microsoft.com/office/drawing/2014/main" val="1394350565"/>
+                  </a:ext>
+                </a:extLst>
+              </a:tr>
+            </a:tbl>
+          </a:graphicData>
+        </a:graphic>
+      </p:graphicFrame>
+    </p:spTree>
+    <p:extLst>
+      <p:ext uri="{BB962C8B-B14F-4D97-AF65-F5344CB8AC3E}">
+        <p14:creationId xmlns:p14="http://schemas.microsoft.com/office/powerpoint/2010/main" val="1492387601"/>
+      </p:ext>
+    </p:extLst>
+  </p:cSld>
+  <p:clrMapOvr>
+    <a:masterClrMapping/>
+  </p:clrMapOvr>
+</p:sld>
+</file>
+
+<file path=ppt/slides/slide16.xml><?xml version="1.0" encoding="utf-8"?>
+<p:sld xmlns:a="http://schemas.openxmlformats.org/drawingml/2006/main" xmlns:r="http://schemas.openxmlformats.org/officeDocument/2006/relationships" xmlns:p="http://schemas.openxmlformats.org/presentationml/2006/main">
+  <p:cSld>
+    <p:spTree>
+      <p:nvGrpSpPr>
+        <p:cNvPr id="1" name=""/>
+        <p:cNvGrpSpPr/>
+        <p:nvPr/>
+      </p:nvGrpSpPr>
+      <p:grpSpPr>
+        <a:xfrm>
+          <a:off x="0" y="0"/>
+          <a:ext cx="0" cy="0"/>
+          <a:chOff x="0" y="0"/>
+          <a:chExt cx="0" cy="0"/>
+        </a:xfrm>
+      </p:grpSpPr>
+      <p:graphicFrame>
+        <p:nvGraphicFramePr>
+          <p:cNvPr id="4" name="表格 6">
+            <a:extLst>
+              <a:ext uri="{FF2B5EF4-FFF2-40B4-BE49-F238E27FC236}">
+                <a16:creationId xmlns:a16="http://schemas.microsoft.com/office/drawing/2014/main" id="{9A4FF3CC-2857-43B0-BF17-2D34163581AD}"/>
+              </a:ext>
+            </a:extLst>
+          </p:cNvPr>
+          <p:cNvGraphicFramePr>
+            <a:graphicFrameLocks noGrp="1"/>
+          </p:cNvGraphicFramePr>
+          <p:nvPr>
+            <p:extLst>
+              <p:ext uri="{D42A27DB-BD31-4B8C-83A1-F6EECF244321}">
+                <p14:modId xmlns:p14="http://schemas.microsoft.com/office/powerpoint/2010/main" val="79569088"/>
+              </p:ext>
+            </p:extLst>
+          </p:nvPr>
+        </p:nvGraphicFramePr>
+        <p:xfrm>
+          <a:off x="880533" y="719667"/>
+          <a:ext cx="10803465" cy="1354505"/>
+        </p:xfrm>
+        <a:graphic>
+          <a:graphicData uri="http://schemas.openxmlformats.org/drawingml/2006/table">
+            <a:tbl>
+              <a:tblPr firstRow="1" bandRow="1">
+                <a:tableStyleId>{2D5ABB26-0587-4C30-8999-92F81FD0307C}</a:tableStyleId>
+              </a:tblPr>
+              <a:tblGrid>
+                <a:gridCol w="2160693">
+                  <a:extLst>
+                    <a:ext uri="{9D8B030D-6E8A-4147-A177-3AD203B41FA5}">
+                      <a16:colId xmlns:a16="http://schemas.microsoft.com/office/drawing/2014/main" val="4027141526"/>
+                    </a:ext>
+                  </a:extLst>
+                </a:gridCol>
+                <a:gridCol w="2160693">
+                  <a:extLst>
+                    <a:ext uri="{9D8B030D-6E8A-4147-A177-3AD203B41FA5}">
+                      <a16:colId xmlns:a16="http://schemas.microsoft.com/office/drawing/2014/main" val="3697355643"/>
+                    </a:ext>
+                  </a:extLst>
+                </a:gridCol>
+                <a:gridCol w="2160693">
+                  <a:extLst>
+                    <a:ext uri="{9D8B030D-6E8A-4147-A177-3AD203B41FA5}">
+                      <a16:colId xmlns:a16="http://schemas.microsoft.com/office/drawing/2014/main" val="3106069445"/>
+                    </a:ext>
+                  </a:extLst>
+                </a:gridCol>
+                <a:gridCol w="2160693">
+                  <a:extLst>
+                    <a:ext uri="{9D8B030D-6E8A-4147-A177-3AD203B41FA5}">
+                      <a16:colId xmlns:a16="http://schemas.microsoft.com/office/drawing/2014/main" val="4141473080"/>
+                    </a:ext>
+                  </a:extLst>
+                </a:gridCol>
+                <a:gridCol w="2160693">
+                  <a:extLst>
+                    <a:ext uri="{9D8B030D-6E8A-4147-A177-3AD203B41FA5}">
+                      <a16:colId xmlns:a16="http://schemas.microsoft.com/office/drawing/2014/main" val="941427528"/>
+                    </a:ext>
+                  </a:extLst>
+                </a:gridCol>
+              </a:tblGrid>
+              <a:tr h="323589">
+                <a:tc>
+                  <a:txBody>
+                    <a:bodyPr/>
+                    <a:lstStyle/>
+                    <a:p>
+                      <a:r>
+                        <a:rPr lang="zh-CN" altLang="en-US" dirty="0"/>
+                        <a:t>索引</a:t>
+                      </a:r>
+                    </a:p>
+                  </a:txBody>
+                  <a:tcPr>
+                    <a:lnT w="12700" cap="flat" cmpd="sng" algn="ctr">
+                      <a:solidFill>
+                        <a:schemeClr val="tx1"/>
+                      </a:solidFill>
+                      <a:prstDash val="solid"/>
+                      <a:round/>
+                      <a:headEnd type="none" w="med" len="med"/>
+                      <a:tailEnd type="none" w="med" len="med"/>
+                    </a:lnT>
+                    <a:lnB w="12700" cap="flat" cmpd="sng" algn="ctr">
+                      <a:solidFill>
+                        <a:schemeClr val="tx1"/>
+                      </a:solidFill>
+                      <a:prstDash val="solid"/>
+                      <a:round/>
+                      <a:headEnd type="none" w="med" len="med"/>
+                      <a:tailEnd type="none" w="med" len="med"/>
+                    </a:lnB>
+                  </a:tcPr>
+                </a:tc>
+                <a:tc>
+                  <a:txBody>
+                    <a:bodyPr/>
+                    <a:lstStyle/>
+                    <a:p>
+                      <a:r>
+                        <a:rPr lang="en-US" altLang="zh-CN" dirty="0" err="1"/>
+                        <a:t>Q_Tag</a:t>
+                      </a:r>
+                      <a:endParaRPr lang="en-US" altLang="zh-CN" dirty="0"/>
+                    </a:p>
+                  </a:txBody>
+                  <a:tcPr>
+                    <a:lnT w="12700" cap="flat" cmpd="sng" algn="ctr">
+                      <a:solidFill>
+                        <a:schemeClr val="tx1"/>
+                      </a:solidFill>
+                      <a:prstDash val="solid"/>
+                      <a:round/>
+                      <a:headEnd type="none" w="med" len="med"/>
+                      <a:tailEnd type="none" w="med" len="med"/>
+                    </a:lnT>
+                    <a:lnB w="12700" cap="flat" cmpd="sng" algn="ctr">
+                      <a:solidFill>
+                        <a:schemeClr val="tx1"/>
+                      </a:solidFill>
+                      <a:prstDash val="solid"/>
+                      <a:round/>
+                      <a:headEnd type="none" w="med" len="med"/>
+                      <a:tailEnd type="none" w="med" len="med"/>
+                    </a:lnB>
+                  </a:tcPr>
+                </a:tc>
+                <a:tc>
+                  <a:txBody>
+                    <a:bodyPr/>
+                    <a:lstStyle/>
+                    <a:p>
+                      <a:r>
+                        <a:rPr lang="en-US" altLang="zh-CN" dirty="0"/>
+                        <a:t>CLINIC</a:t>
+                      </a:r>
+                      <a:endParaRPr lang="zh-CN" altLang="en-US" dirty="0"/>
+                    </a:p>
+                  </a:txBody>
+                  <a:tcPr>
+                    <a:lnT w="12700" cap="flat" cmpd="sng" algn="ctr">
+                      <a:solidFill>
+                        <a:schemeClr val="tx1"/>
+                      </a:solidFill>
+                      <a:prstDash val="solid"/>
+                      <a:round/>
+                      <a:headEnd type="none" w="med" len="med"/>
+                      <a:tailEnd type="none" w="med" len="med"/>
+                    </a:lnT>
+                    <a:lnB w="12700" cap="flat" cmpd="sng" algn="ctr">
+                      <a:solidFill>
+                        <a:schemeClr val="tx1"/>
+                      </a:solidFill>
+                      <a:prstDash val="solid"/>
+                      <a:round/>
+                      <a:headEnd type="none" w="med" len="med"/>
+                      <a:tailEnd type="none" w="med" len="med"/>
+                    </a:lnB>
+                  </a:tcPr>
+                </a:tc>
+                <a:tc>
+                  <a:txBody>
+                    <a:bodyPr/>
+                    <a:lstStyle/>
+                    <a:p>
+                      <a:r>
+                        <a:rPr lang="en-US" altLang="zh-CN" dirty="0"/>
+                        <a:t>QUESTION</a:t>
+                      </a:r>
+                      <a:endParaRPr lang="zh-CN" altLang="en-US" dirty="0"/>
+                    </a:p>
+                  </a:txBody>
+                  <a:tcPr>
+                    <a:lnT w="12700" cap="flat" cmpd="sng" algn="ctr">
+                      <a:solidFill>
+                        <a:schemeClr val="tx1"/>
+                      </a:solidFill>
+                      <a:prstDash val="solid"/>
+                      <a:round/>
+                      <a:headEnd type="none" w="med" len="med"/>
+                      <a:tailEnd type="none" w="med" len="med"/>
+                    </a:lnT>
+                    <a:lnB w="12700" cap="flat" cmpd="sng" algn="ctr">
+                      <a:solidFill>
+                        <a:schemeClr val="tx1"/>
+                      </a:solidFill>
+                      <a:prstDash val="solid"/>
+                      <a:round/>
+                      <a:headEnd type="none" w="med" len="med"/>
+                      <a:tailEnd type="none" w="med" len="med"/>
+                    </a:lnB>
+                  </a:tcPr>
+                </a:tc>
+                <a:tc>
+                  <a:txBody>
+                    <a:bodyPr/>
+                    <a:lstStyle/>
+                    <a:p>
+                      <a:r>
+                        <a:rPr lang="en-US" altLang="zh-CN" dirty="0"/>
+                        <a:t>Q_D</a:t>
+                      </a:r>
+                      <a:endParaRPr lang="zh-CN" altLang="en-US" dirty="0"/>
+                    </a:p>
+                  </a:txBody>
+                  <a:tcPr>
+                    <a:lnT w="12700" cap="flat" cmpd="sng" algn="ctr">
+                      <a:solidFill>
+                        <a:schemeClr val="tx1"/>
+                      </a:solidFill>
+                      <a:prstDash val="solid"/>
+                      <a:round/>
+                      <a:headEnd type="none" w="med" len="med"/>
+                      <a:tailEnd type="none" w="med" len="med"/>
+                    </a:lnT>
+                    <a:lnB w="12700" cap="flat" cmpd="sng" algn="ctr">
+                      <a:solidFill>
+                        <a:schemeClr val="tx1"/>
+                      </a:solidFill>
+                      <a:prstDash val="solid"/>
+                      <a:round/>
+                      <a:headEnd type="none" w="med" len="med"/>
+                      <a:tailEnd type="none" w="med" len="med"/>
+                    </a:lnB>
+                  </a:tcPr>
+                </a:tc>
+                <a:extLst>
+                  <a:ext uri="{0D108BD9-81ED-4DB2-BD59-A6C34878D82A}">
+                    <a16:rowId xmlns:a16="http://schemas.microsoft.com/office/drawing/2014/main" val="2023382216"/>
+                  </a:ext>
+                </a:extLst>
+              </a:tr>
+              <a:tr h="988745">
+                <a:tc>
+                  <a:txBody>
+                    <a:bodyPr/>
+                    <a:lstStyle/>
+                    <a:p>
+                      <a:r>
+                        <a:rPr lang="en-US" altLang="zh-CN" dirty="0"/>
+                        <a:t>4276</a:t>
+                      </a:r>
+                      <a:endParaRPr lang="zh-CN" altLang="en-US" dirty="0"/>
+                    </a:p>
+                  </a:txBody>
+                  <a:tcPr>
+                    <a:lnT w="12700" cap="flat" cmpd="sng" algn="ctr">
+                      <a:solidFill>
+                        <a:schemeClr val="tx1"/>
+                      </a:solidFill>
+                      <a:prstDash val="solid"/>
+                      <a:round/>
+                      <a:headEnd type="none" w="med" len="med"/>
+                      <a:tailEnd type="none" w="med" len="med"/>
+                    </a:lnT>
+                    <a:lnB w="12700" cap="flat" cmpd="sng" algn="ctr">
+                      <a:solidFill>
+                        <a:schemeClr val="tx1"/>
+                      </a:solidFill>
+                      <a:prstDash val="solid"/>
+                      <a:round/>
+                      <a:headEnd type="none" w="med" len="med"/>
+                      <a:tailEnd type="none" w="med" len="med"/>
+                    </a:lnB>
+                  </a:tcPr>
+                </a:tc>
+                <a:tc>
+                  <a:txBody>
+                    <a:bodyPr/>
+                    <a:lstStyle/>
+                    <a:p>
+                      <a:r>
+                        <a:rPr lang="en-US" altLang="zh-CN" dirty="0"/>
+                        <a:t>14</a:t>
+                      </a:r>
+                      <a:endParaRPr lang="zh-CN" altLang="en-US" dirty="0"/>
+                    </a:p>
+                  </a:txBody>
+                  <a:tcPr>
+                    <a:lnT w="12700" cap="flat" cmpd="sng" algn="ctr">
+                      <a:solidFill>
+                        <a:schemeClr val="tx1"/>
+                      </a:solidFill>
+                      <a:prstDash val="solid"/>
+                      <a:round/>
+                      <a:headEnd type="none" w="med" len="med"/>
+                      <a:tailEnd type="none" w="med" len="med"/>
+                    </a:lnT>
+                    <a:lnB w="12700" cap="flat" cmpd="sng" algn="ctr">
+                      <a:solidFill>
+                        <a:schemeClr val="tx1"/>
+                      </a:solidFill>
+                      <a:prstDash val="solid"/>
+                      <a:round/>
+                      <a:headEnd type="none" w="med" len="med"/>
+                      <a:tailEnd type="none" w="med" len="med"/>
+                    </a:lnB>
+                  </a:tcPr>
+                </a:tc>
+                <a:tc>
+                  <a:txBody>
+                    <a:bodyPr/>
+                    <a:lstStyle/>
+                    <a:p>
+                      <a:r>
+                        <a:rPr lang="zh-CN" altLang="en-US" dirty="0"/>
+                        <a:t>骨伤科</a:t>
+                      </a:r>
+                    </a:p>
+                  </a:txBody>
+                  <a:tcPr>
+                    <a:lnT w="12700" cap="flat" cmpd="sng" algn="ctr">
+                      <a:solidFill>
+                        <a:schemeClr val="tx1"/>
+                      </a:solidFill>
+                      <a:prstDash val="solid"/>
+                      <a:round/>
+                      <a:headEnd type="none" w="med" len="med"/>
+                      <a:tailEnd type="none" w="med" len="med"/>
+                    </a:lnT>
+                    <a:lnB w="12700" cap="flat" cmpd="sng" algn="ctr">
+                      <a:solidFill>
+                        <a:schemeClr val="tx1"/>
+                      </a:solidFill>
+                      <a:prstDash val="solid"/>
+                      <a:round/>
+                      <a:headEnd type="none" w="med" len="med"/>
+                      <a:tailEnd type="none" w="med" len="med"/>
+                    </a:lnB>
+                  </a:tcPr>
+                </a:tc>
+                <a:tc>
+                  <a:txBody>
+                    <a:bodyPr/>
+                    <a:lstStyle/>
+                    <a:p>
+                      <a:r>
+                        <a:rPr lang="zh-CN" altLang="en-US" dirty="0"/>
+                        <a:t>脚侧面一按里面就疼就像抽筋怎么回事</a:t>
+                      </a:r>
+                    </a:p>
+                  </a:txBody>
+                  <a:tcPr>
+                    <a:lnT w="12700" cap="flat" cmpd="sng" algn="ctr">
+                      <a:solidFill>
+                        <a:schemeClr val="tx1"/>
+                      </a:solidFill>
+                      <a:prstDash val="solid"/>
+                      <a:round/>
+                      <a:headEnd type="none" w="med" len="med"/>
+                      <a:tailEnd type="none" w="med" len="med"/>
+                    </a:lnT>
+                    <a:lnB w="12700" cap="flat" cmpd="sng" algn="ctr">
+                      <a:solidFill>
+                        <a:schemeClr val="tx1"/>
+                      </a:solidFill>
+                      <a:prstDash val="solid"/>
+                      <a:round/>
+                      <a:headEnd type="none" w="med" len="med"/>
+                      <a:tailEnd type="none" w="med" len="med"/>
+                    </a:lnB>
+                  </a:tcPr>
+                </a:tc>
+                <a:tc>
+                  <a:txBody>
+                    <a:bodyPr/>
+                    <a:lstStyle/>
+                    <a:p>
+                      <a:r>
+                        <a:rPr lang="en-US" altLang="zh-CN" dirty="0"/>
+                        <a:t>[‘</a:t>
+                      </a:r>
+                      <a:r>
+                        <a:rPr lang="zh-CN" altLang="en-US" dirty="0"/>
+                        <a:t>脚</a:t>
+                      </a:r>
+                      <a:r>
+                        <a:rPr lang="en-US" altLang="zh-CN" dirty="0"/>
+                        <a:t>’</a:t>
+                      </a:r>
+                      <a:r>
+                        <a:rPr lang="zh-CN" altLang="en-US" dirty="0"/>
+                        <a:t>，‘侧面’，‘按’，，‘疼’，‘像’，‘抽筋’</a:t>
+                      </a:r>
+                      <a:r>
+                        <a:rPr lang="en-US" altLang="zh-CN" dirty="0"/>
+                        <a:t>]</a:t>
+                      </a:r>
+                      <a:endParaRPr lang="zh-CN" altLang="en-US" dirty="0"/>
+                    </a:p>
+                  </a:txBody>
+                  <a:tcPr>
+                    <a:lnT w="12700" cap="flat" cmpd="sng" algn="ctr">
+                      <a:solidFill>
+                        <a:schemeClr val="tx1"/>
+                      </a:solidFill>
+                      <a:prstDash val="solid"/>
+                      <a:round/>
+                      <a:headEnd type="none" w="med" len="med"/>
+                      <a:tailEnd type="none" w="med" len="med"/>
+                    </a:lnT>
+                    <a:lnB w="12700" cap="flat" cmpd="sng" algn="ctr">
+                      <a:solidFill>
+                        <a:schemeClr val="tx1"/>
+                      </a:solidFill>
+                      <a:prstDash val="solid"/>
+                      <a:round/>
+                      <a:headEnd type="none" w="med" len="med"/>
+                      <a:tailEnd type="none" w="med" len="med"/>
+                    </a:lnB>
+                  </a:tcPr>
+                </a:tc>
+                <a:extLst>
+                  <a:ext uri="{0D108BD9-81ED-4DB2-BD59-A6C34878D82A}">
+                    <a16:rowId xmlns:a16="http://schemas.microsoft.com/office/drawing/2014/main" val="1394350565"/>
+                  </a:ext>
+                </a:extLst>
+              </a:tr>
+            </a:tbl>
+          </a:graphicData>
+        </a:graphic>
+      </p:graphicFrame>
+    </p:spTree>
+    <p:extLst>
+      <p:ext uri="{BB962C8B-B14F-4D97-AF65-F5344CB8AC3E}">
+        <p14:creationId xmlns:p14="http://schemas.microsoft.com/office/powerpoint/2010/main" val="855046860"/>
+      </p:ext>
+    </p:extLst>
+  </p:cSld>
+  <p:clrMapOvr>
+    <a:masterClrMapping/>
+  </p:clrMapOvr>
+</p:sld>
+</file>
+
+<file path=ppt/slides/slide17.xml><?xml version="1.0" encoding="utf-8"?>
+<p:sld xmlns:a="http://schemas.openxmlformats.org/drawingml/2006/main" xmlns:r="http://schemas.openxmlformats.org/officeDocument/2006/relationships" xmlns:p="http://schemas.openxmlformats.org/presentationml/2006/main">
+  <p:cSld>
+    <p:spTree>
+      <p:nvGrpSpPr>
+        <p:cNvPr id="1" name=""/>
+        <p:cNvGrpSpPr/>
+        <p:nvPr/>
+      </p:nvGrpSpPr>
+      <p:grpSpPr>
+        <a:xfrm>
+          <a:off x="0" y="0"/>
+          <a:ext cx="0" cy="0"/>
+          <a:chOff x="0" y="0"/>
+          <a:chExt cx="0" cy="0"/>
+        </a:xfrm>
+      </p:grpSpPr>
+      <p:graphicFrame>
+        <p:nvGraphicFramePr>
+          <p:cNvPr id="5" name="表格 5">
+            <a:extLst>
+              <a:ext uri="{FF2B5EF4-FFF2-40B4-BE49-F238E27FC236}">
+                <a16:creationId xmlns:a16="http://schemas.microsoft.com/office/drawing/2014/main" id="{45309848-E071-4C73-8C33-245C699755D2}"/>
+              </a:ext>
+            </a:extLst>
+          </p:cNvPr>
+          <p:cNvGraphicFramePr>
+            <a:graphicFrameLocks noGrp="1"/>
+          </p:cNvGraphicFramePr>
+          <p:nvPr>
+            <p:extLst>
+              <p:ext uri="{D42A27DB-BD31-4B8C-83A1-F6EECF244321}">
+                <p14:modId xmlns:p14="http://schemas.microsoft.com/office/powerpoint/2010/main" val="3987213069"/>
+              </p:ext>
+            </p:extLst>
+          </p:nvPr>
+        </p:nvGraphicFramePr>
+        <p:xfrm>
+          <a:off x="1354665" y="1869440"/>
+          <a:ext cx="8974668" cy="1559560"/>
+        </p:xfrm>
+        <a:graphic>
+          <a:graphicData uri="http://schemas.openxmlformats.org/drawingml/2006/table">
+            <a:tbl>
+              <a:tblPr firstRow="1" bandRow="1">
+                <a:tableStyleId>{5C22544A-7EE6-4342-B048-85BDC9FD1C3A}</a:tableStyleId>
+              </a:tblPr>
+              <a:tblGrid>
+                <a:gridCol w="2243667">
+                  <a:extLst>
+                    <a:ext uri="{9D8B030D-6E8A-4147-A177-3AD203B41FA5}">
+                      <a16:colId xmlns:a16="http://schemas.microsoft.com/office/drawing/2014/main" val="3913965590"/>
+                    </a:ext>
+                  </a:extLst>
+                </a:gridCol>
+                <a:gridCol w="2243667">
+                  <a:extLst>
+                    <a:ext uri="{9D8B030D-6E8A-4147-A177-3AD203B41FA5}">
+                      <a16:colId xmlns:a16="http://schemas.microsoft.com/office/drawing/2014/main" val="2974982995"/>
+                    </a:ext>
+                  </a:extLst>
+                </a:gridCol>
+                <a:gridCol w="2243667">
+                  <a:extLst>
+                    <a:ext uri="{9D8B030D-6E8A-4147-A177-3AD203B41FA5}">
+                      <a16:colId xmlns:a16="http://schemas.microsoft.com/office/drawing/2014/main" val="2831040882"/>
+                    </a:ext>
+                  </a:extLst>
+                </a:gridCol>
+                <a:gridCol w="2243667">
+                  <a:extLst>
+                    <a:ext uri="{9D8B030D-6E8A-4147-A177-3AD203B41FA5}">
+                      <a16:colId xmlns:a16="http://schemas.microsoft.com/office/drawing/2014/main" val="720206728"/>
+                    </a:ext>
+                  </a:extLst>
+                </a:gridCol>
+              </a:tblGrid>
+              <a:tr h="370840">
+                <a:tc>
+                  <a:txBody>
+                    <a:bodyPr/>
+                    <a:lstStyle/>
+                    <a:p>
+                      <a:r>
+                        <a:rPr lang="zh-CN" altLang="en-US" dirty="0">
+                          <a:solidFill>
+                            <a:schemeClr val="tx1"/>
+                          </a:solidFill>
+                        </a:rPr>
+                        <a:t>索引</a:t>
+                      </a:r>
+                    </a:p>
+                  </a:txBody>
+                  <a:tcPr>
+                    <a:lnL w="12700" cap="flat" cmpd="sng" algn="ctr">
+                      <a:noFill/>
+                      <a:prstDash val="solid"/>
+                      <a:round/>
+                      <a:headEnd type="none" w="med" len="med"/>
+                      <a:tailEnd type="none" w="med" len="med"/>
+                    </a:lnL>
+                    <a:lnT w="12700" cap="flat" cmpd="sng" algn="ctr">
+                      <a:solidFill>
+                        <a:schemeClr val="tx1"/>
+                      </a:solidFill>
+                      <a:prstDash val="solid"/>
+                      <a:round/>
+                      <a:headEnd type="none" w="med" len="med"/>
+                      <a:tailEnd type="none" w="med" len="med"/>
+                    </a:lnT>
+                    <a:lnB w="12700" cap="flat" cmpd="sng" algn="ctr">
+                      <a:solidFill>
+                        <a:schemeClr val="tx1"/>
+                      </a:solidFill>
+                      <a:prstDash val="solid"/>
+                      <a:round/>
+                      <a:headEnd type="none" w="med" len="med"/>
+                      <a:tailEnd type="none" w="med" len="med"/>
+                    </a:lnB>
+                    <a:noFill/>
+                  </a:tcPr>
+                </a:tc>
+                <a:tc>
+                  <a:txBody>
+                    <a:bodyPr/>
+                    <a:lstStyle/>
+                    <a:p>
+                      <a:r>
+                        <a:rPr lang="zh-CN" altLang="en-US" dirty="0">
+                          <a:solidFill>
+                            <a:schemeClr val="tx1"/>
+                          </a:solidFill>
+                        </a:rPr>
+                        <a:t>分词</a:t>
+                      </a:r>
+                    </a:p>
+                  </a:txBody>
+                  <a:tcPr>
+                    <a:lnT w="12700" cap="flat" cmpd="sng" algn="ctr">
+                      <a:solidFill>
+                        <a:schemeClr val="tx1"/>
+                      </a:solidFill>
+                      <a:prstDash val="solid"/>
+                      <a:round/>
+                      <a:headEnd type="none" w="med" len="med"/>
+                      <a:tailEnd type="none" w="med" len="med"/>
+                    </a:lnT>
+                    <a:lnB w="12700" cap="flat" cmpd="sng" algn="ctr">
+                      <a:solidFill>
+                        <a:schemeClr val="tx1"/>
+                      </a:solidFill>
+                      <a:prstDash val="solid"/>
+                      <a:round/>
+                      <a:headEnd type="none" w="med" len="med"/>
+                      <a:tailEnd type="none" w="med" len="med"/>
+                    </a:lnB>
+                    <a:noFill/>
+                  </a:tcPr>
+                </a:tc>
+                <a:tc>
+                  <a:txBody>
+                    <a:bodyPr/>
+                    <a:lstStyle/>
+                    <a:p>
+                      <a:r>
+                        <a:rPr lang="zh-CN" altLang="en-US" dirty="0">
+                          <a:solidFill>
+                            <a:schemeClr val="tx1"/>
+                          </a:solidFill>
+                        </a:rPr>
+                        <a:t>编码</a:t>
+                      </a:r>
+                    </a:p>
+                  </a:txBody>
+                  <a:tcPr>
+                    <a:lnT w="12700" cap="flat" cmpd="sng" algn="ctr">
+                      <a:solidFill>
+                        <a:schemeClr val="tx1"/>
+                      </a:solidFill>
+                      <a:prstDash val="solid"/>
+                      <a:round/>
+                      <a:headEnd type="none" w="med" len="med"/>
+                      <a:tailEnd type="none" w="med" len="med"/>
+                    </a:lnT>
+                    <a:lnB w="12700" cap="flat" cmpd="sng" algn="ctr">
+                      <a:solidFill>
+                        <a:schemeClr val="tx1"/>
+                      </a:solidFill>
+                      <a:prstDash val="solid"/>
+                      <a:round/>
+                      <a:headEnd type="none" w="med" len="med"/>
+                      <a:tailEnd type="none" w="med" len="med"/>
+                    </a:lnB>
+                    <a:noFill/>
+                  </a:tcPr>
+                </a:tc>
+                <a:tc>
+                  <a:txBody>
+                    <a:bodyPr/>
+                    <a:lstStyle/>
+                    <a:p>
+                      <a:r>
+                        <a:rPr lang="zh-CN" altLang="en-US" dirty="0">
+                          <a:solidFill>
+                            <a:schemeClr val="tx1"/>
+                          </a:solidFill>
+                        </a:rPr>
+                        <a:t>序列填充</a:t>
+                      </a:r>
+                    </a:p>
+                  </a:txBody>
+                  <a:tcPr>
+                    <a:lnT w="12700" cap="flat" cmpd="sng" algn="ctr">
+                      <a:solidFill>
+                        <a:schemeClr val="tx1"/>
+                      </a:solidFill>
+                      <a:prstDash val="solid"/>
+                      <a:round/>
+                      <a:headEnd type="none" w="med" len="med"/>
+                      <a:tailEnd type="none" w="med" len="med"/>
+                    </a:lnT>
+                    <a:lnB w="12700" cap="flat" cmpd="sng" algn="ctr">
+                      <a:solidFill>
+                        <a:schemeClr val="tx1"/>
+                      </a:solidFill>
+                      <a:prstDash val="solid"/>
+                      <a:round/>
+                      <a:headEnd type="none" w="med" len="med"/>
+                      <a:tailEnd type="none" w="med" len="med"/>
+                    </a:lnB>
+                    <a:noFill/>
+                  </a:tcPr>
+                </a:tc>
+                <a:extLst>
+                  <a:ext uri="{0D108BD9-81ED-4DB2-BD59-A6C34878D82A}">
+                    <a16:rowId xmlns:a16="http://schemas.microsoft.com/office/drawing/2014/main" val="2971027864"/>
+                  </a:ext>
+                </a:extLst>
+              </a:tr>
+              <a:tr h="370840">
+                <a:tc>
+                  <a:txBody>
+                    <a:bodyPr/>
+                    <a:lstStyle/>
+                    <a:p>
+                      <a:r>
+                        <a:rPr lang="en-US" altLang="zh-CN" dirty="0"/>
+                        <a:t>1</a:t>
+                      </a:r>
+                      <a:endParaRPr lang="zh-CN" altLang="en-US" dirty="0"/>
+                    </a:p>
+                  </a:txBody>
+                  <a:tcPr>
+                    <a:lnL w="12700" cap="flat" cmpd="sng" algn="ctr">
+                      <a:noFill/>
+                      <a:prstDash val="solid"/>
+                      <a:round/>
+                      <a:headEnd type="none" w="med" len="med"/>
+                      <a:tailEnd type="none" w="med" len="med"/>
+                    </a:lnL>
+                    <a:lnT w="12700" cap="flat" cmpd="sng" algn="ctr">
+                      <a:solidFill>
+                        <a:schemeClr val="tx1"/>
+                      </a:solidFill>
+                      <a:prstDash val="solid"/>
+                      <a:round/>
+                      <a:headEnd type="none" w="med" len="med"/>
+                      <a:tailEnd type="none" w="med" len="med"/>
+                    </a:lnT>
+                    <a:lnB w="12700" cap="flat" cmpd="sng" algn="ctr">
+                      <a:solidFill>
+                        <a:schemeClr val="tx1"/>
+                      </a:solidFill>
+                      <a:prstDash val="solid"/>
+                      <a:round/>
+                      <a:headEnd type="none" w="med" len="med"/>
+                      <a:tailEnd type="none" w="med" len="med"/>
+                    </a:lnB>
+                    <a:noFill/>
+                  </a:tcPr>
+                </a:tc>
+                <a:tc>
+                  <a:txBody>
+                    <a:bodyPr/>
+                    <a:lstStyle/>
+                    <a:p>
+                      <a:r>
+                        <a:rPr lang="en-US" altLang="zh-CN" dirty="0"/>
+                        <a:t>[</a:t>
+                      </a:r>
+                      <a:r>
+                        <a:rPr lang="zh-CN" altLang="en-US" dirty="0"/>
+                        <a:t>产后</a:t>
+                      </a:r>
+                      <a:r>
+                        <a:rPr lang="en-US" altLang="zh-CN" dirty="0"/>
+                        <a:t>, </a:t>
+                      </a:r>
+                      <a:r>
+                        <a:rPr lang="zh-CN" altLang="en-US" dirty="0"/>
+                        <a:t>宫腔</a:t>
+                      </a:r>
+                      <a:r>
+                        <a:rPr lang="en-US" altLang="zh-CN" dirty="0"/>
+                        <a:t>, </a:t>
+                      </a:r>
+                      <a:r>
+                        <a:rPr lang="zh-CN" altLang="en-US" dirty="0"/>
+                        <a:t>宫腔内</a:t>
+                      </a:r>
+                      <a:r>
+                        <a:rPr lang="en-US" altLang="zh-CN" dirty="0"/>
+                        <a:t>, </a:t>
+                      </a:r>
+                      <a:r>
+                        <a:rPr lang="zh-CN" altLang="en-US" dirty="0"/>
+                        <a:t>条形</a:t>
+                      </a:r>
+                      <a:r>
+                        <a:rPr lang="en-US" altLang="zh-CN" dirty="0"/>
+                        <a:t>, </a:t>
+                      </a:r>
+                      <a:r>
+                        <a:rPr lang="zh-CN" altLang="en-US" dirty="0"/>
+                        <a:t>稍强</a:t>
+                      </a:r>
+                      <a:r>
+                        <a:rPr lang="en-US" altLang="zh-CN" dirty="0"/>
+                        <a:t>, </a:t>
+                      </a:r>
+                      <a:r>
+                        <a:rPr lang="zh-CN" altLang="en-US" dirty="0"/>
+                        <a:t>回声</a:t>
+                      </a:r>
+                      <a:r>
+                        <a:rPr lang="en-US" altLang="zh-CN" dirty="0"/>
+                        <a:t>] </a:t>
+                      </a:r>
+                      <a:endParaRPr lang="zh-CN" altLang="en-US" dirty="0"/>
+                    </a:p>
+                  </a:txBody>
+                  <a:tcPr>
+                    <a:lnT w="12700" cap="flat" cmpd="sng" algn="ctr">
+                      <a:solidFill>
+                        <a:schemeClr val="tx1"/>
+                      </a:solidFill>
+                      <a:prstDash val="solid"/>
+                      <a:round/>
+                      <a:headEnd type="none" w="med" len="med"/>
+                      <a:tailEnd type="none" w="med" len="med"/>
+                    </a:lnT>
+                    <a:lnB w="12700" cap="flat" cmpd="sng" algn="ctr">
+                      <a:solidFill>
+                        <a:schemeClr val="tx1"/>
+                      </a:solidFill>
+                      <a:prstDash val="solid"/>
+                      <a:round/>
+                      <a:headEnd type="none" w="med" len="med"/>
+                      <a:tailEnd type="none" w="med" len="med"/>
+                    </a:lnB>
+                    <a:noFill/>
+                  </a:tcPr>
+                </a:tc>
+                <a:tc>
+                  <a:txBody>
+                    <a:bodyPr/>
+                    <a:lstStyle/>
+                    <a:p>
+                      <a:r>
+                        <a:rPr lang="en-US" altLang="zh-CN" dirty="0"/>
+                        <a:t>[394, 1230, 1816, 1053, 3411, 3414] </a:t>
+                      </a:r>
+                      <a:endParaRPr lang="zh-CN" altLang="en-US" dirty="0"/>
+                    </a:p>
+                  </a:txBody>
+                  <a:tcPr>
+                    <a:lnT w="12700" cap="flat" cmpd="sng" algn="ctr">
+                      <a:solidFill>
+                        <a:schemeClr val="tx1"/>
+                      </a:solidFill>
+                      <a:prstDash val="solid"/>
+                      <a:round/>
+                      <a:headEnd type="none" w="med" len="med"/>
+                      <a:tailEnd type="none" w="med" len="med"/>
+                    </a:lnT>
+                    <a:lnB w="12700" cap="flat" cmpd="sng" algn="ctr">
+                      <a:solidFill>
+                        <a:schemeClr val="tx1"/>
+                      </a:solidFill>
+                      <a:prstDash val="solid"/>
+                      <a:round/>
+                      <a:headEnd type="none" w="med" len="med"/>
+                      <a:tailEnd type="none" w="med" len="med"/>
+                    </a:lnB>
+                    <a:noFill/>
+                  </a:tcPr>
+                </a:tc>
+                <a:tc>
+                  <a:txBody>
+                    <a:bodyPr/>
+                    <a:lstStyle/>
+                    <a:p>
+                      <a:pPr marL="0" marR="0" lvl="0" indent="0" algn="l" defTabSz="914400" rtl="0" eaLnBrk="1" fontAlgn="auto" latinLnBrk="0" hangingPunct="1">
+                        <a:lnSpc>
+                          <a:spcPct val="100000"/>
+                        </a:lnSpc>
+                        <a:spcBef>
+                          <a:spcPts val="0"/>
+                        </a:spcBef>
+                        <a:spcAft>
+                          <a:spcPts val="0"/>
+                        </a:spcAft>
+                        <a:buClrTx/>
+                        <a:buSzTx/>
+                        <a:buFontTx/>
+                        <a:buNone/>
+                        <a:tabLst/>
+                        <a:defRPr/>
+                      </a:pPr>
+                      <a:r>
+                        <a:rPr lang="en-US" altLang="zh-CN" dirty="0"/>
+                        <a:t>[394, 1230, 1816, 1053, 3411, 3414, ……] </a:t>
+                      </a:r>
+                      <a:endParaRPr lang="zh-CN" altLang="en-US" dirty="0"/>
+                    </a:p>
+                    <a:p>
+                      <a:endParaRPr lang="zh-CN" altLang="en-US" dirty="0"/>
+                    </a:p>
+                  </a:txBody>
+                  <a:tcPr>
+                    <a:lnT w="12700" cap="flat" cmpd="sng" algn="ctr">
+                      <a:solidFill>
+                        <a:schemeClr val="tx1"/>
+                      </a:solidFill>
+                      <a:prstDash val="solid"/>
+                      <a:round/>
+                      <a:headEnd type="none" w="med" len="med"/>
+                      <a:tailEnd type="none" w="med" len="med"/>
+                    </a:lnT>
+                    <a:lnB w="12700" cap="flat" cmpd="sng" algn="ctr">
+                      <a:solidFill>
+                        <a:schemeClr val="tx1"/>
+                      </a:solidFill>
+                      <a:prstDash val="solid"/>
+                      <a:round/>
+                      <a:headEnd type="none" w="med" len="med"/>
+                      <a:tailEnd type="none" w="med" len="med"/>
+                    </a:lnB>
+                    <a:noFill/>
+                  </a:tcPr>
+                </a:tc>
+                <a:extLst>
+                  <a:ext uri="{0D108BD9-81ED-4DB2-BD59-A6C34878D82A}">
+                    <a16:rowId xmlns:a16="http://schemas.microsoft.com/office/drawing/2014/main" val="1734163652"/>
+                  </a:ext>
+                </a:extLst>
+              </a:tr>
+            </a:tbl>
+          </a:graphicData>
+        </a:graphic>
+      </p:graphicFrame>
+    </p:spTree>
+    <p:extLst>
+      <p:ext uri="{BB962C8B-B14F-4D97-AF65-F5344CB8AC3E}">
+        <p14:creationId xmlns:p14="http://schemas.microsoft.com/office/powerpoint/2010/main" val="1026537721"/>
       </p:ext>
     </p:extLst>
   </p:cSld>
